--- a/images/Presentación1.pptx
+++ b/images/Presentación1.pptx
@@ -6,6 +6,12 @@
   </p:sldMasterIdLst>
   <p:sldIdLst>
     <p:sldId id="256" r:id="rId2"/>
+    <p:sldId id="261" r:id="rId3"/>
+    <p:sldId id="257" r:id="rId4"/>
+    <p:sldId id="258" r:id="rId5"/>
+    <p:sldId id="259" r:id="rId6"/>
+    <p:sldId id="262" r:id="rId7"/>
+    <p:sldId id="260" r:id="rId8"/>
   </p:sldIdLst>
   <p:sldSz cx="9144000" cy="6858000" type="screen4x3"/>
   <p:notesSz cx="6858000" cy="9144000"/>
@@ -288,7 +294,7 @@
           <a:p>
             <a:fld id="{9E2B9D65-9CB5-44CB-B647-17247A1ADF60}" type="datetimeFigureOut">
               <a:rPr lang="es-ES" smtClean="0"/>
-              <a:t>23/07/2020</a:t>
+              <a:t>21/10/2020</a:t>
             </a:fld>
             <a:endParaRPr lang="es-ES"/>
           </a:p>
@@ -458,7 +464,7 @@
           <a:p>
             <a:fld id="{9E2B9D65-9CB5-44CB-B647-17247A1ADF60}" type="datetimeFigureOut">
               <a:rPr lang="es-ES" smtClean="0"/>
-              <a:t>23/07/2020</a:t>
+              <a:t>21/10/2020</a:t>
             </a:fld>
             <a:endParaRPr lang="es-ES"/>
           </a:p>
@@ -638,7 +644,7 @@
           <a:p>
             <a:fld id="{9E2B9D65-9CB5-44CB-B647-17247A1ADF60}" type="datetimeFigureOut">
               <a:rPr lang="es-ES" smtClean="0"/>
-              <a:t>23/07/2020</a:t>
+              <a:t>21/10/2020</a:t>
             </a:fld>
             <a:endParaRPr lang="es-ES"/>
           </a:p>
@@ -808,7 +814,7 @@
           <a:p>
             <a:fld id="{9E2B9D65-9CB5-44CB-B647-17247A1ADF60}" type="datetimeFigureOut">
               <a:rPr lang="es-ES" smtClean="0"/>
-              <a:t>23/07/2020</a:t>
+              <a:t>21/10/2020</a:t>
             </a:fld>
             <a:endParaRPr lang="es-ES"/>
           </a:p>
@@ -1054,7 +1060,7 @@
           <a:p>
             <a:fld id="{9E2B9D65-9CB5-44CB-B647-17247A1ADF60}" type="datetimeFigureOut">
               <a:rPr lang="es-ES" smtClean="0"/>
-              <a:t>23/07/2020</a:t>
+              <a:t>21/10/2020</a:t>
             </a:fld>
             <a:endParaRPr lang="es-ES"/>
           </a:p>
@@ -1342,7 +1348,7 @@
           <a:p>
             <a:fld id="{9E2B9D65-9CB5-44CB-B647-17247A1ADF60}" type="datetimeFigureOut">
               <a:rPr lang="es-ES" smtClean="0"/>
-              <a:t>23/07/2020</a:t>
+              <a:t>21/10/2020</a:t>
             </a:fld>
             <a:endParaRPr lang="es-ES"/>
           </a:p>
@@ -1764,7 +1770,7 @@
           <a:p>
             <a:fld id="{9E2B9D65-9CB5-44CB-B647-17247A1ADF60}" type="datetimeFigureOut">
               <a:rPr lang="es-ES" smtClean="0"/>
-              <a:t>23/07/2020</a:t>
+              <a:t>21/10/2020</a:t>
             </a:fld>
             <a:endParaRPr lang="es-ES"/>
           </a:p>
@@ -1882,7 +1888,7 @@
           <a:p>
             <a:fld id="{9E2B9D65-9CB5-44CB-B647-17247A1ADF60}" type="datetimeFigureOut">
               <a:rPr lang="es-ES" smtClean="0"/>
-              <a:t>23/07/2020</a:t>
+              <a:t>21/10/2020</a:t>
             </a:fld>
             <a:endParaRPr lang="es-ES"/>
           </a:p>
@@ -1977,7 +1983,7 @@
           <a:p>
             <a:fld id="{9E2B9D65-9CB5-44CB-B647-17247A1ADF60}" type="datetimeFigureOut">
               <a:rPr lang="es-ES" smtClean="0"/>
-              <a:t>23/07/2020</a:t>
+              <a:t>21/10/2020</a:t>
             </a:fld>
             <a:endParaRPr lang="es-ES"/>
           </a:p>
@@ -2254,7 +2260,7 @@
           <a:p>
             <a:fld id="{9E2B9D65-9CB5-44CB-B647-17247A1ADF60}" type="datetimeFigureOut">
               <a:rPr lang="es-ES" smtClean="0"/>
-              <a:t>23/07/2020</a:t>
+              <a:t>21/10/2020</a:t>
             </a:fld>
             <a:endParaRPr lang="es-ES"/>
           </a:p>
@@ -2507,7 +2513,7 @@
           <a:p>
             <a:fld id="{9E2B9D65-9CB5-44CB-B647-17247A1ADF60}" type="datetimeFigureOut">
               <a:rPr lang="es-ES" smtClean="0"/>
-              <a:t>23/07/2020</a:t>
+              <a:t>21/10/2020</a:t>
             </a:fld>
             <a:endParaRPr lang="es-ES"/>
           </a:p>
@@ -2720,7 +2726,7 @@
           <a:p>
             <a:fld id="{9E2B9D65-9CB5-44CB-B647-17247A1ADF60}" type="datetimeFigureOut">
               <a:rPr lang="es-ES" smtClean="0"/>
-              <a:t>23/07/2020</a:t>
+              <a:t>21/10/2020</a:t>
             </a:fld>
             <a:endParaRPr lang="es-ES"/>
           </a:p>
@@ -3503,6 +3509,1687 @@
     <p:extLst>
       <p:ext uri="{BB962C8B-B14F-4D97-AF65-F5344CB8AC3E}">
         <p14:creationId xmlns:p14="http://schemas.microsoft.com/office/powerpoint/2010/main" val="910328786"/>
+      </p:ext>
+    </p:extLst>
+  </p:cSld>
+  <p:clrMapOvr>
+    <a:masterClrMapping/>
+  </p:clrMapOvr>
+</p:sld>
+</file>
+
+<file path=ppt/slides/slide2.xml><?xml version="1.0" encoding="utf-8"?>
+<p:sld xmlns:a="http://schemas.openxmlformats.org/drawingml/2006/main" xmlns:r="http://schemas.openxmlformats.org/officeDocument/2006/relationships" xmlns:p="http://schemas.openxmlformats.org/presentationml/2006/main">
+  <p:cSld>
+    <p:spTree>
+      <p:nvGrpSpPr>
+        <p:cNvPr id="1" name=""/>
+        <p:cNvGrpSpPr/>
+        <p:nvPr/>
+      </p:nvGrpSpPr>
+      <p:grpSpPr>
+        <a:xfrm>
+          <a:off x="0" y="0"/>
+          <a:ext cx="0" cy="0"/>
+          <a:chOff x="0" y="0"/>
+          <a:chExt cx="0" cy="0"/>
+        </a:xfrm>
+      </p:grpSpPr>
+      <p:pic>
+        <p:nvPicPr>
+          <p:cNvPr id="5123" name="Picture 3" descr="E:\docencia_investigacion\Git_repos\REPOS_R\R_practicas_inferencia\images\autentificado.png"/>
+          <p:cNvPicPr>
+            <a:picLocks noChangeAspect="1" noChangeArrowheads="1"/>
+          </p:cNvPicPr>
+          <p:nvPr/>
+        </p:nvPicPr>
+        <p:blipFill>
+          <a:blip r:embed="rId2">
+            <a:extLst>
+              <a:ext uri="{28A0092B-C50C-407E-A947-70E740481C1C}">
+                <a14:useLocalDpi xmlns:a14="http://schemas.microsoft.com/office/drawing/2010/main" val="0"/>
+              </a:ext>
+            </a:extLst>
+          </a:blip>
+          <a:srcRect/>
+          <a:stretch>
+            <a:fillRect/>
+          </a:stretch>
+        </p:blipFill>
+        <p:spPr bwMode="auto">
+          <a:xfrm>
+            <a:off x="107504" y="75104"/>
+            <a:ext cx="8702207" cy="6673937"/>
+          </a:xfrm>
+          <a:prstGeom prst="rect">
+            <a:avLst/>
+          </a:prstGeom>
+          <a:noFill/>
+          <a:extLst>
+            <a:ext uri="{909E8E84-426E-40DD-AFC4-6F175D3DCCD1}">
+              <a14:hiddenFill xmlns:a14="http://schemas.microsoft.com/office/drawing/2010/main">
+                <a:solidFill>
+                  <a:srgbClr val="FFFFFF"/>
+                </a:solidFill>
+              </a14:hiddenFill>
+            </a:ext>
+          </a:extLst>
+        </p:spPr>
+      </p:pic>
+      <p:sp>
+        <p:nvSpPr>
+          <p:cNvPr id="3" name="2 Elipse"/>
+          <p:cNvSpPr/>
+          <p:nvPr/>
+        </p:nvSpPr>
+        <p:spPr>
+          <a:xfrm>
+            <a:off x="1043608" y="60307"/>
+            <a:ext cx="1368152" cy="252029"/>
+          </a:xfrm>
+          <a:prstGeom prst="ellipse">
+            <a:avLst/>
+          </a:prstGeom>
+          <a:noFill/>
+          <a:ln>
+            <a:solidFill>
+              <a:srgbClr val="FF0000"/>
+            </a:solidFill>
+          </a:ln>
+        </p:spPr>
+        <p:style>
+          <a:lnRef idx="2">
+            <a:schemeClr val="accent1">
+              <a:shade val="50000"/>
+            </a:schemeClr>
+          </a:lnRef>
+          <a:fillRef idx="1">
+            <a:schemeClr val="accent1"/>
+          </a:fillRef>
+          <a:effectRef idx="0">
+            <a:schemeClr val="accent1"/>
+          </a:effectRef>
+          <a:fontRef idx="minor">
+            <a:schemeClr val="lt1"/>
+          </a:fontRef>
+        </p:style>
+        <p:txBody>
+          <a:bodyPr rtlCol="0" anchor="ctr"/>
+          <a:lstStyle/>
+          <a:p>
+            <a:pPr algn="ctr"/>
+            <a:endParaRPr lang="es-ES"/>
+          </a:p>
+        </p:txBody>
+      </p:sp>
+      <p:sp>
+        <p:nvSpPr>
+          <p:cNvPr id="5" name="4 CuadroTexto"/>
+          <p:cNvSpPr txBox="1"/>
+          <p:nvPr/>
+        </p:nvSpPr>
+        <p:spPr>
+          <a:xfrm>
+            <a:off x="179513" y="1556792"/>
+            <a:ext cx="3600400" cy="2308324"/>
+          </a:xfrm>
+          <a:prstGeom prst="rect">
+            <a:avLst/>
+          </a:prstGeom>
+          <a:noFill/>
+        </p:spPr>
+        <p:txBody>
+          <a:bodyPr wrap="square" rtlCol="0">
+            <a:spAutoFit/>
+          </a:bodyPr>
+          <a:lstStyle/>
+          <a:p>
+            <a:pPr algn="just"/>
+            <a:r>
+              <a:rPr lang="es-ES" dirty="0" smtClean="0">
+                <a:solidFill>
+                  <a:srgbClr val="FF0000"/>
+                </a:solidFill>
+              </a:rPr>
+              <a:t>Abrir un navegador web.</a:t>
+            </a:r>
+          </a:p>
+          <a:p>
+            <a:pPr algn="just"/>
+            <a:r>
+              <a:rPr lang="es-ES" dirty="0" smtClean="0">
+                <a:solidFill>
+                  <a:srgbClr val="FF0000"/>
+                </a:solidFill>
+              </a:rPr>
+              <a:t>Acceder al campus virtual de la asignatura o bien a la dirección </a:t>
+            </a:r>
+            <a:r>
+              <a:rPr lang="es-ES" dirty="0" smtClean="0">
+                <a:solidFill>
+                  <a:srgbClr val="FF0000"/>
+                </a:solidFill>
+                <a:hlinkClick r:id="rId3"/>
+              </a:rPr>
+              <a:t>http://acceso.ull.es</a:t>
+            </a:r>
+            <a:r>
+              <a:rPr lang="es-ES" dirty="0" smtClean="0">
+                <a:solidFill>
+                  <a:srgbClr val="FF0000"/>
+                </a:solidFill>
+              </a:rPr>
+              <a:t> y comprobar que estás autentificado. En caso contrario, autentificarse ya que, de lo contrario, no podrás hacer los siguientes pasos.</a:t>
+            </a:r>
+            <a:endParaRPr lang="es-ES" dirty="0">
+              <a:solidFill>
+                <a:srgbClr val="FF0000"/>
+              </a:solidFill>
+            </a:endParaRPr>
+          </a:p>
+        </p:txBody>
+      </p:sp>
+      <p:cxnSp>
+        <p:nvCxnSpPr>
+          <p:cNvPr id="4" name="3 Conector recto de flecha"/>
+          <p:cNvCxnSpPr/>
+          <p:nvPr/>
+        </p:nvCxnSpPr>
+        <p:spPr>
+          <a:xfrm flipV="1">
+            <a:off x="1331640" y="404664"/>
+            <a:ext cx="288032" cy="1080120"/>
+          </a:xfrm>
+          <a:prstGeom prst="straightConnector1">
+            <a:avLst/>
+          </a:prstGeom>
+          <a:ln>
+            <a:tailEnd type="arrow"/>
+          </a:ln>
+        </p:spPr>
+        <p:style>
+          <a:lnRef idx="1">
+            <a:schemeClr val="accent1"/>
+          </a:lnRef>
+          <a:fillRef idx="0">
+            <a:schemeClr val="accent1"/>
+          </a:fillRef>
+          <a:effectRef idx="0">
+            <a:schemeClr val="accent1"/>
+          </a:effectRef>
+          <a:fontRef idx="minor">
+            <a:schemeClr val="tx1"/>
+          </a:fontRef>
+        </p:style>
+      </p:cxnSp>
+    </p:spTree>
+    <p:extLst>
+      <p:ext uri="{BB962C8B-B14F-4D97-AF65-F5344CB8AC3E}">
+        <p14:creationId xmlns:p14="http://schemas.microsoft.com/office/powerpoint/2010/main" val="1489948912"/>
+      </p:ext>
+    </p:extLst>
+  </p:cSld>
+  <p:clrMapOvr>
+    <a:masterClrMapping/>
+  </p:clrMapOvr>
+</p:sld>
+</file>
+
+<file path=ppt/slides/slide3.xml><?xml version="1.0" encoding="utf-8"?>
+<p:sld xmlns:a="http://schemas.openxmlformats.org/drawingml/2006/main" xmlns:r="http://schemas.openxmlformats.org/officeDocument/2006/relationships" xmlns:p="http://schemas.openxmlformats.org/presentationml/2006/main">
+  <p:cSld>
+    <p:spTree>
+      <p:nvGrpSpPr>
+        <p:cNvPr id="1" name=""/>
+        <p:cNvGrpSpPr/>
+        <p:nvPr/>
+      </p:nvGrpSpPr>
+      <p:grpSpPr>
+        <a:xfrm>
+          <a:off x="0" y="0"/>
+          <a:ext cx="0" cy="0"/>
+          <a:chOff x="0" y="0"/>
+          <a:chExt cx="0" cy="0"/>
+        </a:xfrm>
+      </p:grpSpPr>
+      <p:pic>
+        <p:nvPicPr>
+          <p:cNvPr id="1026" name="Picture 2" descr="E:\docencia_investigacion\Git_repos\REPOS_R\R_practicas_inferencia\images\iaas_web.png"/>
+          <p:cNvPicPr>
+            <a:picLocks noChangeAspect="1" noChangeArrowheads="1"/>
+          </p:cNvPicPr>
+          <p:nvPr/>
+        </p:nvPicPr>
+        <p:blipFill>
+          <a:blip r:embed="rId2">
+            <a:extLst>
+              <a:ext uri="{28A0092B-C50C-407E-A947-70E740481C1C}">
+                <a14:useLocalDpi xmlns:a14="http://schemas.microsoft.com/office/drawing/2010/main" val="0"/>
+              </a:ext>
+            </a:extLst>
+          </a:blip>
+          <a:srcRect/>
+          <a:stretch>
+            <a:fillRect/>
+          </a:stretch>
+        </p:blipFill>
+        <p:spPr bwMode="auto">
+          <a:xfrm>
+            <a:off x="323528" y="188640"/>
+            <a:ext cx="8195217" cy="6386398"/>
+          </a:xfrm>
+          <a:prstGeom prst="rect">
+            <a:avLst/>
+          </a:prstGeom>
+          <a:noFill/>
+          <a:extLst>
+            <a:ext uri="{909E8E84-426E-40DD-AFC4-6F175D3DCCD1}">
+              <a14:hiddenFill xmlns:a14="http://schemas.microsoft.com/office/drawing/2010/main">
+                <a:solidFill>
+                  <a:srgbClr val="FFFFFF"/>
+                </a:solidFill>
+              </a14:hiddenFill>
+            </a:ext>
+          </a:extLst>
+        </p:spPr>
+      </p:pic>
+      <p:sp>
+        <p:nvSpPr>
+          <p:cNvPr id="2" name="1 CuadroTexto"/>
+          <p:cNvSpPr txBox="1"/>
+          <p:nvPr/>
+        </p:nvSpPr>
+        <p:spPr>
+          <a:xfrm>
+            <a:off x="1702728" y="4633684"/>
+            <a:ext cx="1431802" cy="369332"/>
+          </a:xfrm>
+          <a:prstGeom prst="rect">
+            <a:avLst/>
+          </a:prstGeom>
+          <a:noFill/>
+        </p:spPr>
+        <p:txBody>
+          <a:bodyPr wrap="none" rtlCol="0">
+            <a:spAutoFit/>
+          </a:bodyPr>
+          <a:lstStyle/>
+          <a:p>
+            <a:r>
+              <a:rPr lang="es-ES" dirty="0" err="1" smtClean="0">
+                <a:solidFill>
+                  <a:srgbClr val="FF0000"/>
+                </a:solidFill>
+              </a:rPr>
+              <a:t>aluXXXXXXXX</a:t>
+            </a:r>
+            <a:endParaRPr lang="es-ES" dirty="0">
+              <a:solidFill>
+                <a:srgbClr val="FF0000"/>
+              </a:solidFill>
+            </a:endParaRPr>
+          </a:p>
+        </p:txBody>
+      </p:sp>
+      <p:sp>
+        <p:nvSpPr>
+          <p:cNvPr id="4" name="3 CuadroTexto"/>
+          <p:cNvSpPr txBox="1"/>
+          <p:nvPr/>
+        </p:nvSpPr>
+        <p:spPr>
+          <a:xfrm>
+            <a:off x="1700038" y="5003884"/>
+            <a:ext cx="1454244" cy="369332"/>
+          </a:xfrm>
+          <a:prstGeom prst="rect">
+            <a:avLst/>
+          </a:prstGeom>
+          <a:noFill/>
+        </p:spPr>
+        <p:txBody>
+          <a:bodyPr wrap="none" rtlCol="0">
+            <a:spAutoFit/>
+          </a:bodyPr>
+          <a:lstStyle/>
+          <a:p>
+            <a:r>
+              <a:rPr lang="es-ES" dirty="0" smtClean="0">
+                <a:solidFill>
+                  <a:srgbClr val="FF0000"/>
+                </a:solidFill>
+              </a:rPr>
+              <a:t>***********</a:t>
+            </a:r>
+            <a:endParaRPr lang="es-ES" dirty="0">
+              <a:solidFill>
+                <a:srgbClr val="FF0000"/>
+              </a:solidFill>
+            </a:endParaRPr>
+          </a:p>
+        </p:txBody>
+      </p:sp>
+      <p:sp>
+        <p:nvSpPr>
+          <p:cNvPr id="5" name="4 Elipse"/>
+          <p:cNvSpPr/>
+          <p:nvPr/>
+        </p:nvSpPr>
+        <p:spPr>
+          <a:xfrm>
+            <a:off x="1115616" y="204323"/>
+            <a:ext cx="1368152" cy="252029"/>
+          </a:xfrm>
+          <a:prstGeom prst="ellipse">
+            <a:avLst/>
+          </a:prstGeom>
+          <a:noFill/>
+          <a:ln>
+            <a:solidFill>
+              <a:srgbClr val="FF0000"/>
+            </a:solidFill>
+          </a:ln>
+        </p:spPr>
+        <p:style>
+          <a:lnRef idx="2">
+            <a:schemeClr val="accent1">
+              <a:shade val="50000"/>
+            </a:schemeClr>
+          </a:lnRef>
+          <a:fillRef idx="1">
+            <a:schemeClr val="accent1"/>
+          </a:fillRef>
+          <a:effectRef idx="0">
+            <a:schemeClr val="accent1"/>
+          </a:effectRef>
+          <a:fontRef idx="minor">
+            <a:schemeClr val="lt1"/>
+          </a:fontRef>
+        </p:style>
+        <p:txBody>
+          <a:bodyPr rtlCol="0" anchor="ctr"/>
+          <a:lstStyle/>
+          <a:p>
+            <a:pPr algn="ctr"/>
+            <a:endParaRPr lang="es-ES"/>
+          </a:p>
+        </p:txBody>
+      </p:sp>
+      <p:cxnSp>
+        <p:nvCxnSpPr>
+          <p:cNvPr id="6" name="5 Conector recto de flecha"/>
+          <p:cNvCxnSpPr/>
+          <p:nvPr/>
+        </p:nvCxnSpPr>
+        <p:spPr>
+          <a:xfrm flipV="1">
+            <a:off x="1403648" y="548680"/>
+            <a:ext cx="288032" cy="1080120"/>
+          </a:xfrm>
+          <a:prstGeom prst="straightConnector1">
+            <a:avLst/>
+          </a:prstGeom>
+          <a:ln>
+            <a:tailEnd type="arrow"/>
+          </a:ln>
+        </p:spPr>
+        <p:style>
+          <a:lnRef idx="1">
+            <a:schemeClr val="accent1"/>
+          </a:lnRef>
+          <a:fillRef idx="0">
+            <a:schemeClr val="accent1"/>
+          </a:fillRef>
+          <a:effectRef idx="0">
+            <a:schemeClr val="accent1"/>
+          </a:effectRef>
+          <a:fontRef idx="minor">
+            <a:schemeClr val="tx1"/>
+          </a:fontRef>
+        </p:style>
+      </p:cxnSp>
+      <p:sp>
+        <p:nvSpPr>
+          <p:cNvPr id="7" name="6 CuadroTexto"/>
+          <p:cNvSpPr txBox="1"/>
+          <p:nvPr/>
+        </p:nvSpPr>
+        <p:spPr>
+          <a:xfrm>
+            <a:off x="395537" y="1674674"/>
+            <a:ext cx="3816423" cy="923330"/>
+          </a:xfrm>
+          <a:prstGeom prst="rect">
+            <a:avLst/>
+          </a:prstGeom>
+          <a:noFill/>
+        </p:spPr>
+        <p:txBody>
+          <a:bodyPr wrap="square" rtlCol="0">
+            <a:spAutoFit/>
+          </a:bodyPr>
+          <a:lstStyle/>
+          <a:p>
+            <a:r>
+              <a:rPr lang="es-ES" dirty="0" smtClean="0">
+                <a:solidFill>
+                  <a:srgbClr val="FF0000"/>
+                </a:solidFill>
+              </a:rPr>
+              <a:t>Acceder a </a:t>
+            </a:r>
+            <a:r>
+              <a:rPr lang="es-ES" dirty="0" smtClean="0">
+                <a:solidFill>
+                  <a:srgbClr val="FFFF00"/>
+                </a:solidFill>
+              </a:rPr>
+              <a:t>http://iaas.ull.es </a:t>
+            </a:r>
+            <a:r>
+              <a:rPr lang="es-ES" dirty="0" smtClean="0">
+                <a:solidFill>
+                  <a:srgbClr val="FF0000"/>
+                </a:solidFill>
+              </a:rPr>
+              <a:t>y autentificarse también en esta pantalla.</a:t>
+            </a:r>
+            <a:endParaRPr lang="es-ES" dirty="0">
+              <a:solidFill>
+                <a:srgbClr val="FF0000"/>
+              </a:solidFill>
+            </a:endParaRPr>
+          </a:p>
+        </p:txBody>
+      </p:sp>
+      <p:cxnSp>
+        <p:nvCxnSpPr>
+          <p:cNvPr id="8" name="7 Conector recto de flecha"/>
+          <p:cNvCxnSpPr/>
+          <p:nvPr/>
+        </p:nvCxnSpPr>
+        <p:spPr>
+          <a:xfrm>
+            <a:off x="1403648" y="2598004"/>
+            <a:ext cx="372406" cy="2035680"/>
+          </a:xfrm>
+          <a:prstGeom prst="straightConnector1">
+            <a:avLst/>
+          </a:prstGeom>
+          <a:ln>
+            <a:tailEnd type="arrow"/>
+          </a:ln>
+        </p:spPr>
+        <p:style>
+          <a:lnRef idx="1">
+            <a:schemeClr val="accent1"/>
+          </a:lnRef>
+          <a:fillRef idx="0">
+            <a:schemeClr val="accent1"/>
+          </a:fillRef>
+          <a:effectRef idx="0">
+            <a:schemeClr val="accent1"/>
+          </a:effectRef>
+          <a:fontRef idx="minor">
+            <a:schemeClr val="tx1"/>
+          </a:fontRef>
+        </p:style>
+      </p:cxnSp>
+    </p:spTree>
+    <p:extLst>
+      <p:ext uri="{BB962C8B-B14F-4D97-AF65-F5344CB8AC3E}">
+        <p14:creationId xmlns:p14="http://schemas.microsoft.com/office/powerpoint/2010/main" val="811849116"/>
+      </p:ext>
+    </p:extLst>
+  </p:cSld>
+  <p:clrMapOvr>
+    <a:masterClrMapping/>
+  </p:clrMapOvr>
+</p:sld>
+</file>
+
+<file path=ppt/slides/slide4.xml><?xml version="1.0" encoding="utf-8"?>
+<p:sld xmlns:a="http://schemas.openxmlformats.org/drawingml/2006/main" xmlns:r="http://schemas.openxmlformats.org/officeDocument/2006/relationships" xmlns:p="http://schemas.openxmlformats.org/presentationml/2006/main">
+  <p:cSld>
+    <p:spTree>
+      <p:nvGrpSpPr>
+        <p:cNvPr id="1" name=""/>
+        <p:cNvGrpSpPr/>
+        <p:nvPr/>
+      </p:nvGrpSpPr>
+      <p:grpSpPr>
+        <a:xfrm>
+          <a:off x="0" y="0"/>
+          <a:ext cx="0" cy="0"/>
+          <a:chOff x="0" y="0"/>
+          <a:chExt cx="0" cy="0"/>
+        </a:xfrm>
+      </p:grpSpPr>
+      <p:pic>
+        <p:nvPicPr>
+          <p:cNvPr id="2050" name="Picture 2" descr="E:\docencia_investigacion\Git_repos\REPOS_R\R_practicas_inferencia\images\virt_machine.png"/>
+          <p:cNvPicPr>
+            <a:picLocks noChangeAspect="1" noChangeArrowheads="1"/>
+          </p:cNvPicPr>
+          <p:nvPr/>
+        </p:nvPicPr>
+        <p:blipFill>
+          <a:blip r:embed="rId2">
+            <a:extLst>
+              <a:ext uri="{28A0092B-C50C-407E-A947-70E740481C1C}">
+                <a14:useLocalDpi xmlns:a14="http://schemas.microsoft.com/office/drawing/2010/main" val="0"/>
+              </a:ext>
+            </a:extLst>
+          </a:blip>
+          <a:srcRect/>
+          <a:stretch>
+            <a:fillRect/>
+          </a:stretch>
+        </p:blipFill>
+        <p:spPr bwMode="auto">
+          <a:xfrm>
+            <a:off x="251520" y="548680"/>
+            <a:ext cx="8496944" cy="5970289"/>
+          </a:xfrm>
+          <a:prstGeom prst="rect">
+            <a:avLst/>
+          </a:prstGeom>
+          <a:noFill/>
+          <a:extLst>
+            <a:ext uri="{909E8E84-426E-40DD-AFC4-6F175D3DCCD1}">
+              <a14:hiddenFill xmlns:a14="http://schemas.microsoft.com/office/drawing/2010/main">
+                <a:solidFill>
+                  <a:srgbClr val="FFFFFF"/>
+                </a:solidFill>
+              </a14:hiddenFill>
+            </a:ext>
+          </a:extLst>
+        </p:spPr>
+      </p:pic>
+      <p:sp>
+        <p:nvSpPr>
+          <p:cNvPr id="2" name="1 CuadroTexto"/>
+          <p:cNvSpPr txBox="1"/>
+          <p:nvPr/>
+        </p:nvSpPr>
+        <p:spPr>
+          <a:xfrm>
+            <a:off x="3131841" y="3284984"/>
+            <a:ext cx="3816423" cy="923330"/>
+          </a:xfrm>
+          <a:prstGeom prst="rect">
+            <a:avLst/>
+          </a:prstGeom>
+          <a:noFill/>
+        </p:spPr>
+        <p:txBody>
+          <a:bodyPr wrap="square" rtlCol="0">
+            <a:spAutoFit/>
+          </a:bodyPr>
+          <a:lstStyle/>
+          <a:p>
+            <a:r>
+              <a:rPr lang="es-ES" dirty="0" smtClean="0">
+                <a:solidFill>
+                  <a:srgbClr val="FF0000"/>
+                </a:solidFill>
+              </a:rPr>
+              <a:t>Hacer </a:t>
+            </a:r>
+            <a:r>
+              <a:rPr lang="es-ES" dirty="0" err="1" smtClean="0">
+                <a:solidFill>
+                  <a:srgbClr val="FF0000"/>
+                </a:solidFill>
+              </a:rPr>
+              <a:t>click</a:t>
+            </a:r>
+            <a:r>
+              <a:rPr lang="es-ES" dirty="0" smtClean="0">
+                <a:solidFill>
+                  <a:srgbClr val="FF0000"/>
+                </a:solidFill>
+              </a:rPr>
+              <a:t> en “Ejecutar” y </a:t>
+            </a:r>
+          </a:p>
+          <a:p>
+            <a:r>
+              <a:rPr lang="es-ES" dirty="0" smtClean="0">
+                <a:solidFill>
+                  <a:srgbClr val="FF0000"/>
+                </a:solidFill>
+              </a:rPr>
+              <a:t>la máquina virtual comenzará a cargar</a:t>
+            </a:r>
+          </a:p>
+          <a:p>
+            <a:r>
+              <a:rPr lang="es-ES" dirty="0" smtClean="0">
+                <a:solidFill>
+                  <a:srgbClr val="FF0000"/>
+                </a:solidFill>
+              </a:rPr>
+              <a:t>PACIENCIA tarda un rato</a:t>
+            </a:r>
+            <a:endParaRPr lang="es-ES" dirty="0">
+              <a:solidFill>
+                <a:srgbClr val="FF0000"/>
+              </a:solidFill>
+            </a:endParaRPr>
+          </a:p>
+        </p:txBody>
+      </p:sp>
+      <p:cxnSp>
+        <p:nvCxnSpPr>
+          <p:cNvPr id="4" name="3 Conector recto de flecha"/>
+          <p:cNvCxnSpPr/>
+          <p:nvPr/>
+        </p:nvCxnSpPr>
+        <p:spPr>
+          <a:xfrm flipH="1">
+            <a:off x="1763688" y="3533824"/>
+            <a:ext cx="1368153" cy="1839392"/>
+          </a:xfrm>
+          <a:prstGeom prst="straightConnector1">
+            <a:avLst/>
+          </a:prstGeom>
+          <a:ln>
+            <a:tailEnd type="arrow"/>
+          </a:ln>
+        </p:spPr>
+        <p:style>
+          <a:lnRef idx="1">
+            <a:schemeClr val="accent1"/>
+          </a:lnRef>
+          <a:fillRef idx="0">
+            <a:schemeClr val="accent1"/>
+          </a:fillRef>
+          <a:effectRef idx="0">
+            <a:schemeClr val="accent1"/>
+          </a:effectRef>
+          <a:fontRef idx="minor">
+            <a:schemeClr val="tx1"/>
+          </a:fontRef>
+        </p:style>
+      </p:cxnSp>
+      <p:cxnSp>
+        <p:nvCxnSpPr>
+          <p:cNvPr id="7" name="6 Conector recto de flecha"/>
+          <p:cNvCxnSpPr/>
+          <p:nvPr/>
+        </p:nvCxnSpPr>
+        <p:spPr>
+          <a:xfrm flipH="1" flipV="1">
+            <a:off x="5940152" y="2031230"/>
+            <a:ext cx="576064" cy="1613794"/>
+          </a:xfrm>
+          <a:prstGeom prst="straightConnector1">
+            <a:avLst/>
+          </a:prstGeom>
+          <a:ln>
+            <a:tailEnd type="arrow"/>
+          </a:ln>
+        </p:spPr>
+        <p:style>
+          <a:lnRef idx="1">
+            <a:schemeClr val="accent1"/>
+          </a:lnRef>
+          <a:fillRef idx="0">
+            <a:schemeClr val="accent1"/>
+          </a:fillRef>
+          <a:effectRef idx="0">
+            <a:schemeClr val="accent1"/>
+          </a:effectRef>
+          <a:fontRef idx="minor">
+            <a:schemeClr val="tx1"/>
+          </a:fontRef>
+        </p:style>
+      </p:cxnSp>
+      <p:sp>
+        <p:nvSpPr>
+          <p:cNvPr id="10" name="9 Rectángulo"/>
+          <p:cNvSpPr/>
+          <p:nvPr/>
+        </p:nvSpPr>
+        <p:spPr>
+          <a:xfrm>
+            <a:off x="2051720" y="950248"/>
+            <a:ext cx="1224136" cy="144016"/>
+          </a:xfrm>
+          <a:prstGeom prst="rect">
+            <a:avLst/>
+          </a:prstGeom>
+          <a:solidFill>
+            <a:schemeClr val="bg1">
+              <a:lumMod val="95000"/>
+            </a:schemeClr>
+          </a:solidFill>
+          <a:ln>
+            <a:noFill/>
+          </a:ln>
+        </p:spPr>
+        <p:style>
+          <a:lnRef idx="2">
+            <a:schemeClr val="accent1">
+              <a:shade val="50000"/>
+            </a:schemeClr>
+          </a:lnRef>
+          <a:fillRef idx="1">
+            <a:schemeClr val="accent1"/>
+          </a:fillRef>
+          <a:effectRef idx="0">
+            <a:schemeClr val="accent1"/>
+          </a:effectRef>
+          <a:fontRef idx="minor">
+            <a:schemeClr val="lt1"/>
+          </a:fontRef>
+        </p:style>
+        <p:txBody>
+          <a:bodyPr rtlCol="0" anchor="ctr"/>
+          <a:lstStyle/>
+          <a:p>
+            <a:pPr algn="ctr"/>
+            <a:endParaRPr lang="es-ES"/>
+          </a:p>
+        </p:txBody>
+      </p:sp>
+    </p:spTree>
+    <p:extLst>
+      <p:ext uri="{BB962C8B-B14F-4D97-AF65-F5344CB8AC3E}">
+        <p14:creationId xmlns:p14="http://schemas.microsoft.com/office/powerpoint/2010/main" val="2269043217"/>
+      </p:ext>
+    </p:extLst>
+  </p:cSld>
+  <p:clrMapOvr>
+    <a:masterClrMapping/>
+  </p:clrMapOvr>
+</p:sld>
+</file>
+
+<file path=ppt/slides/slide5.xml><?xml version="1.0" encoding="utf-8"?>
+<p:sld xmlns:a="http://schemas.openxmlformats.org/drawingml/2006/main" xmlns:r="http://schemas.openxmlformats.org/officeDocument/2006/relationships" xmlns:p="http://schemas.openxmlformats.org/presentationml/2006/main">
+  <p:cSld>
+    <p:spTree>
+      <p:nvGrpSpPr>
+        <p:cNvPr id="1" name=""/>
+        <p:cNvGrpSpPr/>
+        <p:nvPr/>
+      </p:nvGrpSpPr>
+      <p:grpSpPr>
+        <a:xfrm>
+          <a:off x="0" y="0"/>
+          <a:ext cx="0" cy="0"/>
+          <a:chOff x="0" y="0"/>
+          <a:chExt cx="0" cy="0"/>
+        </a:xfrm>
+      </p:grpSpPr>
+      <p:pic>
+        <p:nvPicPr>
+          <p:cNvPr id="3074" name="Picture 2" descr="E:\docencia_investigacion\Git_repos\REPOS_R\R_practicas_inferencia\images\virt_machine_started.png"/>
+          <p:cNvPicPr>
+            <a:picLocks noChangeAspect="1" noChangeArrowheads="1"/>
+          </p:cNvPicPr>
+          <p:nvPr/>
+        </p:nvPicPr>
+        <p:blipFill>
+          <a:blip r:embed="rId2">
+            <a:extLst>
+              <a:ext uri="{28A0092B-C50C-407E-A947-70E740481C1C}">
+                <a14:useLocalDpi xmlns:a14="http://schemas.microsoft.com/office/drawing/2010/main" val="0"/>
+              </a:ext>
+            </a:extLst>
+          </a:blip>
+          <a:srcRect/>
+          <a:stretch>
+            <a:fillRect/>
+          </a:stretch>
+        </p:blipFill>
+        <p:spPr bwMode="auto">
+          <a:xfrm>
+            <a:off x="179512" y="620689"/>
+            <a:ext cx="8784976" cy="5688632"/>
+          </a:xfrm>
+          <a:prstGeom prst="rect">
+            <a:avLst/>
+          </a:prstGeom>
+          <a:noFill/>
+          <a:extLst>
+            <a:ext uri="{909E8E84-426E-40DD-AFC4-6F175D3DCCD1}">
+              <a14:hiddenFill xmlns:a14="http://schemas.microsoft.com/office/drawing/2010/main">
+                <a:solidFill>
+                  <a:srgbClr val="FFFFFF"/>
+                </a:solidFill>
+              </a14:hiddenFill>
+            </a:ext>
+          </a:extLst>
+        </p:spPr>
+      </p:pic>
+      <p:sp>
+        <p:nvSpPr>
+          <p:cNvPr id="3" name="2 CuadroTexto"/>
+          <p:cNvSpPr txBox="1"/>
+          <p:nvPr/>
+        </p:nvSpPr>
+        <p:spPr>
+          <a:xfrm>
+            <a:off x="467544" y="4437112"/>
+            <a:ext cx="2808311" cy="2308324"/>
+          </a:xfrm>
+          <a:prstGeom prst="rect">
+            <a:avLst/>
+          </a:prstGeom>
+          <a:noFill/>
+        </p:spPr>
+        <p:txBody>
+          <a:bodyPr wrap="square" rtlCol="0">
+            <a:spAutoFit/>
+          </a:bodyPr>
+          <a:lstStyle/>
+          <a:p>
+            <a:pPr algn="just"/>
+            <a:r>
+              <a:rPr lang="es-ES" dirty="0" smtClean="0">
+                <a:solidFill>
+                  <a:srgbClr val="FF0000"/>
+                </a:solidFill>
+              </a:rPr>
+              <a:t>Esta es la dirección IP de la máquina. </a:t>
+            </a:r>
+          </a:p>
+          <a:p>
+            <a:pPr algn="just"/>
+            <a:r>
+              <a:rPr lang="es-ES" dirty="0" smtClean="0">
+                <a:solidFill>
+                  <a:srgbClr val="FF0000"/>
+                </a:solidFill>
+              </a:rPr>
+              <a:t>A cada alumno le sale su propia IP (la que sale en este gráfico es ficticia) así que hay que anotarla para recordarla y volver a entrar más adelante.</a:t>
+            </a:r>
+            <a:endParaRPr lang="es-ES" dirty="0">
+              <a:solidFill>
+                <a:srgbClr val="FF0000"/>
+              </a:solidFill>
+            </a:endParaRPr>
+          </a:p>
+        </p:txBody>
+      </p:sp>
+      <p:cxnSp>
+        <p:nvCxnSpPr>
+          <p:cNvPr id="5" name="4 Conector recto de flecha"/>
+          <p:cNvCxnSpPr/>
+          <p:nvPr/>
+        </p:nvCxnSpPr>
+        <p:spPr>
+          <a:xfrm flipV="1">
+            <a:off x="2843808" y="3433638"/>
+            <a:ext cx="1728192" cy="1003474"/>
+          </a:xfrm>
+          <a:prstGeom prst="straightConnector1">
+            <a:avLst/>
+          </a:prstGeom>
+          <a:ln>
+            <a:tailEnd type="arrow"/>
+          </a:ln>
+        </p:spPr>
+        <p:style>
+          <a:lnRef idx="1">
+            <a:schemeClr val="accent1"/>
+          </a:lnRef>
+          <a:fillRef idx="0">
+            <a:schemeClr val="accent1"/>
+          </a:fillRef>
+          <a:effectRef idx="0">
+            <a:schemeClr val="accent1"/>
+          </a:effectRef>
+          <a:fontRef idx="minor">
+            <a:schemeClr val="tx1"/>
+          </a:fontRef>
+        </p:style>
+      </p:cxnSp>
+      <p:sp>
+        <p:nvSpPr>
+          <p:cNvPr id="6" name="5 CuadroTexto"/>
+          <p:cNvSpPr txBox="1"/>
+          <p:nvPr/>
+        </p:nvSpPr>
+        <p:spPr>
+          <a:xfrm>
+            <a:off x="4644008" y="3068960"/>
+            <a:ext cx="1410964" cy="369332"/>
+          </a:xfrm>
+          <a:prstGeom prst="rect">
+            <a:avLst/>
+          </a:prstGeom>
+          <a:solidFill>
+            <a:schemeClr val="bg1"/>
+          </a:solidFill>
+        </p:spPr>
+        <p:txBody>
+          <a:bodyPr wrap="none" rtlCol="0">
+            <a:spAutoFit/>
+          </a:bodyPr>
+          <a:lstStyle/>
+          <a:p>
+            <a:r>
+              <a:rPr lang="es-ES" dirty="0" smtClean="0"/>
+              <a:t>10.6.128.255</a:t>
+            </a:r>
+            <a:endParaRPr lang="es-ES" dirty="0"/>
+          </a:p>
+        </p:txBody>
+      </p:sp>
+      <p:sp>
+        <p:nvSpPr>
+          <p:cNvPr id="2" name="1 Elipse"/>
+          <p:cNvSpPr/>
+          <p:nvPr/>
+        </p:nvSpPr>
+        <p:spPr>
+          <a:xfrm>
+            <a:off x="4572000" y="3038480"/>
+            <a:ext cx="1482972" cy="432048"/>
+          </a:xfrm>
+          <a:prstGeom prst="ellipse">
+            <a:avLst/>
+          </a:prstGeom>
+          <a:noFill/>
+          <a:ln>
+            <a:solidFill>
+              <a:srgbClr val="FF0000"/>
+            </a:solidFill>
+          </a:ln>
+        </p:spPr>
+        <p:style>
+          <a:lnRef idx="2">
+            <a:schemeClr val="accent1">
+              <a:shade val="50000"/>
+            </a:schemeClr>
+          </a:lnRef>
+          <a:fillRef idx="1">
+            <a:schemeClr val="accent1"/>
+          </a:fillRef>
+          <a:effectRef idx="0">
+            <a:schemeClr val="accent1"/>
+          </a:effectRef>
+          <a:fontRef idx="minor">
+            <a:schemeClr val="lt1"/>
+          </a:fontRef>
+        </p:style>
+        <p:txBody>
+          <a:bodyPr rtlCol="0" anchor="ctr"/>
+          <a:lstStyle/>
+          <a:p>
+            <a:pPr algn="ctr"/>
+            <a:endParaRPr lang="es-ES"/>
+          </a:p>
+        </p:txBody>
+      </p:sp>
+    </p:spTree>
+    <p:extLst>
+      <p:ext uri="{BB962C8B-B14F-4D97-AF65-F5344CB8AC3E}">
+        <p14:creationId xmlns:p14="http://schemas.microsoft.com/office/powerpoint/2010/main" val="3669325879"/>
+      </p:ext>
+    </p:extLst>
+  </p:cSld>
+  <p:clrMapOvr>
+    <a:masterClrMapping/>
+  </p:clrMapOvr>
+</p:sld>
+</file>
+
+<file path=ppt/slides/slide6.xml><?xml version="1.0" encoding="utf-8"?>
+<p:sld xmlns:a="http://schemas.openxmlformats.org/drawingml/2006/main" xmlns:r="http://schemas.openxmlformats.org/officeDocument/2006/relationships" xmlns:p="http://schemas.openxmlformats.org/presentationml/2006/main">
+  <p:cSld>
+    <p:spTree>
+      <p:nvGrpSpPr>
+        <p:cNvPr id="1" name=""/>
+        <p:cNvGrpSpPr/>
+        <p:nvPr/>
+      </p:nvGrpSpPr>
+      <p:grpSpPr>
+        <a:xfrm>
+          <a:off x="0" y="0"/>
+          <a:ext cx="0" cy="0"/>
+          <a:chOff x="0" y="0"/>
+          <a:chExt cx="0" cy="0"/>
+        </a:xfrm>
+      </p:grpSpPr>
+      <p:pic>
+        <p:nvPicPr>
+          <p:cNvPr id="6146" name="Picture 2" descr="E:\docencia_investigacion\Git_repos\REPOS_R\R_practicas_inferencia\images\rstudio_login.png"/>
+          <p:cNvPicPr>
+            <a:picLocks noChangeAspect="1" noChangeArrowheads="1"/>
+          </p:cNvPicPr>
+          <p:nvPr/>
+        </p:nvPicPr>
+        <p:blipFill>
+          <a:blip r:embed="rId2">
+            <a:extLst>
+              <a:ext uri="{28A0092B-C50C-407E-A947-70E740481C1C}">
+                <a14:useLocalDpi xmlns:a14="http://schemas.microsoft.com/office/drawing/2010/main" val="0"/>
+              </a:ext>
+            </a:extLst>
+          </a:blip>
+          <a:srcRect/>
+          <a:stretch>
+            <a:fillRect/>
+          </a:stretch>
+        </p:blipFill>
+        <p:spPr bwMode="auto">
+          <a:xfrm>
+            <a:off x="246790" y="465161"/>
+            <a:ext cx="8717698" cy="5124079"/>
+          </a:xfrm>
+          <a:prstGeom prst="rect">
+            <a:avLst/>
+          </a:prstGeom>
+          <a:noFill/>
+          <a:extLst>
+            <a:ext uri="{909E8E84-426E-40DD-AFC4-6F175D3DCCD1}">
+              <a14:hiddenFill xmlns:a14="http://schemas.microsoft.com/office/drawing/2010/main">
+                <a:solidFill>
+                  <a:srgbClr val="FFFFFF"/>
+                </a:solidFill>
+              </a14:hiddenFill>
+            </a:ext>
+          </a:extLst>
+        </p:spPr>
+      </p:pic>
+      <p:sp>
+        <p:nvSpPr>
+          <p:cNvPr id="3" name="2 CuadroTexto"/>
+          <p:cNvSpPr txBox="1"/>
+          <p:nvPr/>
+        </p:nvSpPr>
+        <p:spPr>
+          <a:xfrm>
+            <a:off x="251520" y="2128788"/>
+            <a:ext cx="2808311" cy="1754326"/>
+          </a:xfrm>
+          <a:prstGeom prst="rect">
+            <a:avLst/>
+          </a:prstGeom>
+          <a:noFill/>
+        </p:spPr>
+        <p:txBody>
+          <a:bodyPr wrap="square" rtlCol="0">
+            <a:spAutoFit/>
+          </a:bodyPr>
+          <a:lstStyle/>
+          <a:p>
+            <a:pPr algn="just"/>
+            <a:r>
+              <a:rPr lang="es-ES" dirty="0" smtClean="0">
+                <a:solidFill>
+                  <a:srgbClr val="FF0000"/>
+                </a:solidFill>
+              </a:rPr>
+              <a:t>Introducir en la barra de direcciones del navegador la dirección IP que cada uno obtiene del paso anterior seguida de :8087 (puedes añadirla a Mis Favoritos)</a:t>
+            </a:r>
+          </a:p>
+        </p:txBody>
+      </p:sp>
+      <p:cxnSp>
+        <p:nvCxnSpPr>
+          <p:cNvPr id="4" name="3 Conector recto de flecha"/>
+          <p:cNvCxnSpPr/>
+          <p:nvPr/>
+        </p:nvCxnSpPr>
+        <p:spPr>
+          <a:xfrm flipV="1">
+            <a:off x="1403648" y="908720"/>
+            <a:ext cx="337760" cy="1224136"/>
+          </a:xfrm>
+          <a:prstGeom prst="straightConnector1">
+            <a:avLst/>
+          </a:prstGeom>
+          <a:ln>
+            <a:tailEnd type="arrow"/>
+          </a:ln>
+        </p:spPr>
+        <p:style>
+          <a:lnRef idx="1">
+            <a:schemeClr val="accent1"/>
+          </a:lnRef>
+          <a:fillRef idx="0">
+            <a:schemeClr val="accent1"/>
+          </a:fillRef>
+          <a:effectRef idx="0">
+            <a:schemeClr val="accent1"/>
+          </a:effectRef>
+          <a:fontRef idx="minor">
+            <a:schemeClr val="tx1"/>
+          </a:fontRef>
+        </p:style>
+      </p:cxnSp>
+      <p:sp>
+        <p:nvSpPr>
+          <p:cNvPr id="7" name="6 CuadroTexto"/>
+          <p:cNvSpPr txBox="1"/>
+          <p:nvPr/>
+        </p:nvSpPr>
+        <p:spPr>
+          <a:xfrm>
+            <a:off x="1350931" y="472614"/>
+            <a:ext cx="1266693" cy="261610"/>
+          </a:xfrm>
+          <a:prstGeom prst="rect">
+            <a:avLst/>
+          </a:prstGeom>
+          <a:solidFill>
+            <a:schemeClr val="bg1">
+              <a:lumMod val="95000"/>
+            </a:schemeClr>
+          </a:solidFill>
+        </p:spPr>
+        <p:txBody>
+          <a:bodyPr wrap="none" rtlCol="0">
+            <a:spAutoFit/>
+          </a:bodyPr>
+          <a:lstStyle/>
+          <a:p>
+            <a:r>
+              <a:rPr lang="es-ES" sz="1100" b="1" dirty="0" smtClean="0"/>
+              <a:t>10.6.128.255:8087</a:t>
+            </a:r>
+            <a:endParaRPr lang="es-ES" sz="1100" b="1" dirty="0"/>
+          </a:p>
+        </p:txBody>
+      </p:sp>
+      <p:sp>
+        <p:nvSpPr>
+          <p:cNvPr id="5" name="4 Elipse"/>
+          <p:cNvSpPr/>
+          <p:nvPr/>
+        </p:nvSpPr>
+        <p:spPr>
+          <a:xfrm>
+            <a:off x="1099732" y="353864"/>
+            <a:ext cx="1589899" cy="452368"/>
+          </a:xfrm>
+          <a:prstGeom prst="ellipse">
+            <a:avLst/>
+          </a:prstGeom>
+          <a:noFill/>
+          <a:ln>
+            <a:solidFill>
+              <a:srgbClr val="FF0000"/>
+            </a:solidFill>
+          </a:ln>
+        </p:spPr>
+        <p:style>
+          <a:lnRef idx="2">
+            <a:schemeClr val="accent1">
+              <a:shade val="50000"/>
+            </a:schemeClr>
+          </a:lnRef>
+          <a:fillRef idx="1">
+            <a:schemeClr val="accent1"/>
+          </a:fillRef>
+          <a:effectRef idx="0">
+            <a:schemeClr val="accent1"/>
+          </a:effectRef>
+          <a:fontRef idx="minor">
+            <a:schemeClr val="lt1"/>
+          </a:fontRef>
+        </p:style>
+        <p:txBody>
+          <a:bodyPr rtlCol="0" anchor="ctr"/>
+          <a:lstStyle/>
+          <a:p>
+            <a:pPr algn="ctr"/>
+            <a:endParaRPr lang="es-ES"/>
+          </a:p>
+        </p:txBody>
+      </p:sp>
+      <p:cxnSp>
+        <p:nvCxnSpPr>
+          <p:cNvPr id="8" name="7 Conector recto de flecha"/>
+          <p:cNvCxnSpPr/>
+          <p:nvPr/>
+        </p:nvCxnSpPr>
+        <p:spPr>
+          <a:xfrm flipV="1">
+            <a:off x="2195736" y="3027202"/>
+            <a:ext cx="3744416" cy="1697942"/>
+          </a:xfrm>
+          <a:prstGeom prst="straightConnector1">
+            <a:avLst/>
+          </a:prstGeom>
+          <a:ln>
+            <a:tailEnd type="arrow"/>
+          </a:ln>
+        </p:spPr>
+        <p:style>
+          <a:lnRef idx="1">
+            <a:schemeClr val="accent1"/>
+          </a:lnRef>
+          <a:fillRef idx="0">
+            <a:schemeClr val="accent1"/>
+          </a:fillRef>
+          <a:effectRef idx="0">
+            <a:schemeClr val="accent1"/>
+          </a:effectRef>
+          <a:fontRef idx="minor">
+            <a:schemeClr val="tx1"/>
+          </a:fontRef>
+        </p:style>
+      </p:cxnSp>
+      <p:sp>
+        <p:nvSpPr>
+          <p:cNvPr id="9" name="8 CuadroTexto"/>
+          <p:cNvSpPr txBox="1"/>
+          <p:nvPr/>
+        </p:nvSpPr>
+        <p:spPr>
+          <a:xfrm>
+            <a:off x="5908890" y="2852936"/>
+            <a:ext cx="618374" cy="369332"/>
+          </a:xfrm>
+          <a:prstGeom prst="rect">
+            <a:avLst/>
+          </a:prstGeom>
+          <a:noFill/>
+        </p:spPr>
+        <p:txBody>
+          <a:bodyPr wrap="none" rtlCol="0">
+            <a:spAutoFit/>
+          </a:bodyPr>
+          <a:lstStyle/>
+          <a:p>
+            <a:r>
+              <a:rPr lang="es-ES" dirty="0" smtClean="0">
+                <a:solidFill>
+                  <a:srgbClr val="FF0000"/>
+                </a:solidFill>
+              </a:rPr>
+              <a:t>infer</a:t>
+            </a:r>
+            <a:endParaRPr lang="es-ES" dirty="0">
+              <a:solidFill>
+                <a:srgbClr val="FF0000"/>
+              </a:solidFill>
+            </a:endParaRPr>
+          </a:p>
+        </p:txBody>
+      </p:sp>
+      <p:sp>
+        <p:nvSpPr>
+          <p:cNvPr id="12" name="11 CuadroTexto"/>
+          <p:cNvSpPr txBox="1"/>
+          <p:nvPr/>
+        </p:nvSpPr>
+        <p:spPr>
+          <a:xfrm>
+            <a:off x="5908784" y="3307060"/>
+            <a:ext cx="618374" cy="369332"/>
+          </a:xfrm>
+          <a:prstGeom prst="rect">
+            <a:avLst/>
+          </a:prstGeom>
+          <a:noFill/>
+        </p:spPr>
+        <p:txBody>
+          <a:bodyPr wrap="none" rtlCol="0">
+            <a:spAutoFit/>
+          </a:bodyPr>
+          <a:lstStyle/>
+          <a:p>
+            <a:r>
+              <a:rPr lang="es-ES" dirty="0" smtClean="0">
+                <a:solidFill>
+                  <a:srgbClr val="FF0000"/>
+                </a:solidFill>
+              </a:rPr>
+              <a:t>infer</a:t>
+            </a:r>
+            <a:endParaRPr lang="es-ES" dirty="0">
+              <a:solidFill>
+                <a:srgbClr val="FF0000"/>
+              </a:solidFill>
+            </a:endParaRPr>
+          </a:p>
+        </p:txBody>
+      </p:sp>
+      <p:sp>
+        <p:nvSpPr>
+          <p:cNvPr id="13" name="12 CuadroTexto"/>
+          <p:cNvSpPr txBox="1"/>
+          <p:nvPr/>
+        </p:nvSpPr>
+        <p:spPr>
+          <a:xfrm>
+            <a:off x="251520" y="4122946"/>
+            <a:ext cx="4752528" cy="1754326"/>
+          </a:xfrm>
+          <a:prstGeom prst="rect">
+            <a:avLst/>
+          </a:prstGeom>
+          <a:noFill/>
+        </p:spPr>
+        <p:txBody>
+          <a:bodyPr wrap="square" rtlCol="0">
+            <a:spAutoFit/>
+          </a:bodyPr>
+          <a:lstStyle/>
+          <a:p>
+            <a:pPr algn="just"/>
+            <a:r>
+              <a:rPr lang="es-ES" dirty="0" smtClean="0">
+                <a:solidFill>
+                  <a:srgbClr val="FF0000"/>
+                </a:solidFill>
+              </a:rPr>
+              <a:t>Para acceder a la aplicación Rstudio se utiliza el </a:t>
+            </a:r>
+          </a:p>
+          <a:p>
+            <a:pPr marL="285750" indent="-285750" algn="just">
+              <a:buFont typeface="Arial" panose="020B0604020202020204" pitchFamily="34" charset="0"/>
+              <a:buChar char="•"/>
+            </a:pPr>
+            <a:r>
+              <a:rPr lang="es-ES" dirty="0" smtClean="0">
+                <a:solidFill>
+                  <a:srgbClr val="FF0000"/>
+                </a:solidFill>
+              </a:rPr>
+              <a:t>username: infer </a:t>
+            </a:r>
+          </a:p>
+          <a:p>
+            <a:pPr marL="285750" indent="-285750" algn="just">
+              <a:buFont typeface="Arial" panose="020B0604020202020204" pitchFamily="34" charset="0"/>
+              <a:buChar char="•"/>
+            </a:pPr>
+            <a:r>
+              <a:rPr lang="es-ES" dirty="0" smtClean="0">
+                <a:solidFill>
+                  <a:srgbClr val="FF0000"/>
+                </a:solidFill>
+              </a:rPr>
+              <a:t>password: infer</a:t>
+            </a:r>
+          </a:p>
+          <a:p>
+            <a:pPr algn="just"/>
+            <a:endParaRPr lang="es-ES" dirty="0">
+              <a:solidFill>
+                <a:srgbClr val="FF0000"/>
+              </a:solidFill>
+            </a:endParaRPr>
+          </a:p>
+          <a:p>
+            <a:pPr algn="just"/>
+            <a:r>
+              <a:rPr lang="es-ES" dirty="0" smtClean="0">
+                <a:solidFill>
+                  <a:srgbClr val="FF0000"/>
+                </a:solidFill>
+              </a:rPr>
+              <a:t>Este password se puede cambiar siguiendo las instrucciones que aparecen en la web</a:t>
+            </a:r>
+          </a:p>
+        </p:txBody>
+      </p:sp>
+    </p:spTree>
+    <p:extLst>
+      <p:ext uri="{BB962C8B-B14F-4D97-AF65-F5344CB8AC3E}">
+        <p14:creationId xmlns:p14="http://schemas.microsoft.com/office/powerpoint/2010/main" val="1235298018"/>
+      </p:ext>
+    </p:extLst>
+  </p:cSld>
+  <p:clrMapOvr>
+    <a:masterClrMapping/>
+  </p:clrMapOvr>
+</p:sld>
+</file>
+
+<file path=ppt/slides/slide7.xml><?xml version="1.0" encoding="utf-8"?>
+<p:sld xmlns:a="http://schemas.openxmlformats.org/drawingml/2006/main" xmlns:r="http://schemas.openxmlformats.org/officeDocument/2006/relationships" xmlns:p="http://schemas.openxmlformats.org/presentationml/2006/main">
+  <p:cSld>
+    <p:spTree>
+      <p:nvGrpSpPr>
+        <p:cNvPr id="1" name=""/>
+        <p:cNvGrpSpPr/>
+        <p:nvPr/>
+      </p:nvGrpSpPr>
+      <p:grpSpPr>
+        <a:xfrm>
+          <a:off x="0" y="0"/>
+          <a:ext cx="0" cy="0"/>
+          <a:chOff x="0" y="0"/>
+          <a:chExt cx="0" cy="0"/>
+        </a:xfrm>
+      </p:grpSpPr>
+      <p:pic>
+        <p:nvPicPr>
+          <p:cNvPr id="4098" name="Picture 2" descr="E:\docencia_investigacion\Git_repos\REPOS_R\R_practicas_inferencia\images\rstudio.png"/>
+          <p:cNvPicPr>
+            <a:picLocks noChangeAspect="1" noChangeArrowheads="1"/>
+          </p:cNvPicPr>
+          <p:nvPr/>
+        </p:nvPicPr>
+        <p:blipFill>
+          <a:blip r:embed="rId2">
+            <a:extLst>
+              <a:ext uri="{28A0092B-C50C-407E-A947-70E740481C1C}">
+                <a14:useLocalDpi xmlns:a14="http://schemas.microsoft.com/office/drawing/2010/main" val="0"/>
+              </a:ext>
+            </a:extLst>
+          </a:blip>
+          <a:srcRect/>
+          <a:stretch>
+            <a:fillRect/>
+          </a:stretch>
+        </p:blipFill>
+        <p:spPr bwMode="auto">
+          <a:xfrm>
+            <a:off x="107504" y="271739"/>
+            <a:ext cx="8806316" cy="6037581"/>
+          </a:xfrm>
+          <a:prstGeom prst="rect">
+            <a:avLst/>
+          </a:prstGeom>
+          <a:noFill/>
+          <a:extLst>
+            <a:ext uri="{909E8E84-426E-40DD-AFC4-6F175D3DCCD1}">
+              <a14:hiddenFill xmlns:a14="http://schemas.microsoft.com/office/drawing/2010/main">
+                <a:solidFill>
+                  <a:srgbClr val="FFFFFF"/>
+                </a:solidFill>
+              </a14:hiddenFill>
+            </a:ext>
+          </a:extLst>
+        </p:spPr>
+      </p:pic>
+      <p:sp>
+        <p:nvSpPr>
+          <p:cNvPr id="3" name="2 CuadroTexto"/>
+          <p:cNvSpPr txBox="1"/>
+          <p:nvPr/>
+        </p:nvSpPr>
+        <p:spPr>
+          <a:xfrm>
+            <a:off x="1573171" y="544622"/>
+            <a:ext cx="1266693" cy="261610"/>
+          </a:xfrm>
+          <a:prstGeom prst="rect">
+            <a:avLst/>
+          </a:prstGeom>
+          <a:solidFill>
+            <a:schemeClr val="bg1">
+              <a:lumMod val="95000"/>
+            </a:schemeClr>
+          </a:solidFill>
+        </p:spPr>
+        <p:txBody>
+          <a:bodyPr wrap="none" rtlCol="0">
+            <a:spAutoFit/>
+          </a:bodyPr>
+          <a:lstStyle/>
+          <a:p>
+            <a:r>
+              <a:rPr lang="es-ES" sz="1100" b="1" dirty="0" smtClean="0"/>
+              <a:t>10.6.128.255:8087</a:t>
+            </a:r>
+            <a:endParaRPr lang="es-ES" sz="1100" b="1" dirty="0"/>
+          </a:p>
+        </p:txBody>
+      </p:sp>
+      <p:sp>
+        <p:nvSpPr>
+          <p:cNvPr id="4" name="3 CuadroTexto"/>
+          <p:cNvSpPr txBox="1"/>
+          <p:nvPr/>
+        </p:nvSpPr>
+        <p:spPr>
+          <a:xfrm>
+            <a:off x="899593" y="2383720"/>
+            <a:ext cx="3816423" cy="1477328"/>
+          </a:xfrm>
+          <a:prstGeom prst="rect">
+            <a:avLst/>
+          </a:prstGeom>
+          <a:noFill/>
+        </p:spPr>
+        <p:txBody>
+          <a:bodyPr wrap="square" rtlCol="0">
+            <a:spAutoFit/>
+          </a:bodyPr>
+          <a:lstStyle/>
+          <a:p>
+            <a:r>
+              <a:rPr lang="es-ES" dirty="0" smtClean="0">
+                <a:solidFill>
+                  <a:srgbClr val="FF0000"/>
+                </a:solidFill>
+              </a:rPr>
+              <a:t>Este es el entorno de Rstudio en la nube que podrás utilizar durante el curso en esta asignatura.</a:t>
+            </a:r>
+          </a:p>
+          <a:p>
+            <a:r>
+              <a:rPr lang="es-ES" dirty="0" smtClean="0">
+                <a:solidFill>
+                  <a:srgbClr val="FF0000"/>
+                </a:solidFill>
+              </a:rPr>
+              <a:t>Cuando acabes la práctica puedes cerrar las pestañas del navegador.</a:t>
+            </a:r>
+            <a:endParaRPr lang="es-ES" dirty="0">
+              <a:solidFill>
+                <a:srgbClr val="FF0000"/>
+              </a:solidFill>
+            </a:endParaRPr>
+          </a:p>
+        </p:txBody>
+      </p:sp>
+      <p:cxnSp>
+        <p:nvCxnSpPr>
+          <p:cNvPr id="5" name="4 Conector recto de flecha"/>
+          <p:cNvCxnSpPr/>
+          <p:nvPr/>
+        </p:nvCxnSpPr>
+        <p:spPr>
+          <a:xfrm flipV="1">
+            <a:off x="3611646" y="476672"/>
+            <a:ext cx="1536418" cy="1842760"/>
+          </a:xfrm>
+          <a:prstGeom prst="straightConnector1">
+            <a:avLst/>
+          </a:prstGeom>
+          <a:ln>
+            <a:tailEnd type="arrow"/>
+          </a:ln>
+        </p:spPr>
+        <p:style>
+          <a:lnRef idx="1">
+            <a:schemeClr val="accent1"/>
+          </a:lnRef>
+          <a:fillRef idx="0">
+            <a:schemeClr val="accent1"/>
+          </a:fillRef>
+          <a:effectRef idx="0">
+            <a:schemeClr val="accent1"/>
+          </a:effectRef>
+          <a:fontRef idx="minor">
+            <a:schemeClr val="tx1"/>
+          </a:fontRef>
+        </p:style>
+      </p:cxnSp>
+      <p:cxnSp>
+        <p:nvCxnSpPr>
+          <p:cNvPr id="7" name="6 Conector recto de flecha"/>
+          <p:cNvCxnSpPr/>
+          <p:nvPr/>
+        </p:nvCxnSpPr>
+        <p:spPr>
+          <a:xfrm flipV="1">
+            <a:off x="2987824" y="544622"/>
+            <a:ext cx="432048" cy="1732250"/>
+          </a:xfrm>
+          <a:prstGeom prst="straightConnector1">
+            <a:avLst/>
+          </a:prstGeom>
+          <a:ln>
+            <a:tailEnd type="arrow"/>
+          </a:ln>
+        </p:spPr>
+        <p:style>
+          <a:lnRef idx="1">
+            <a:schemeClr val="accent1"/>
+          </a:lnRef>
+          <a:fillRef idx="0">
+            <a:schemeClr val="accent1"/>
+          </a:fillRef>
+          <a:effectRef idx="0">
+            <a:schemeClr val="accent1"/>
+          </a:effectRef>
+          <a:fontRef idx="minor">
+            <a:schemeClr val="tx1"/>
+          </a:fontRef>
+        </p:style>
+      </p:cxnSp>
+      <p:cxnSp>
+        <p:nvCxnSpPr>
+          <p:cNvPr id="9" name="8 Conector recto de flecha"/>
+          <p:cNvCxnSpPr/>
+          <p:nvPr/>
+        </p:nvCxnSpPr>
+        <p:spPr>
+          <a:xfrm flipH="1" flipV="1">
+            <a:off x="1691681" y="476672"/>
+            <a:ext cx="792087" cy="1800200"/>
+          </a:xfrm>
+          <a:prstGeom prst="straightConnector1">
+            <a:avLst/>
+          </a:prstGeom>
+          <a:ln>
+            <a:tailEnd type="arrow"/>
+          </a:ln>
+        </p:spPr>
+        <p:style>
+          <a:lnRef idx="1">
+            <a:schemeClr val="accent1"/>
+          </a:lnRef>
+          <a:fillRef idx="0">
+            <a:schemeClr val="accent1"/>
+          </a:fillRef>
+          <a:effectRef idx="0">
+            <a:schemeClr val="accent1"/>
+          </a:effectRef>
+          <a:fontRef idx="minor">
+            <a:schemeClr val="tx1"/>
+          </a:fontRef>
+        </p:style>
+      </p:cxnSp>
+    </p:spTree>
+    <p:extLst>
+      <p:ext uri="{BB962C8B-B14F-4D97-AF65-F5344CB8AC3E}">
+        <p14:creationId xmlns:p14="http://schemas.microsoft.com/office/powerpoint/2010/main" val="1301546952"/>
       </p:ext>
     </p:extLst>
   </p:cSld>

--- a/images/Presentación1.pptx
+++ b/images/Presentación1.pptx
@@ -294,7 +294,7 @@
           <a:p>
             <a:fld id="{9E2B9D65-9CB5-44CB-B647-17247A1ADF60}" type="datetimeFigureOut">
               <a:rPr lang="es-ES" smtClean="0"/>
-              <a:t>21/10/2020</a:t>
+              <a:t>22/10/2020</a:t>
             </a:fld>
             <a:endParaRPr lang="es-ES"/>
           </a:p>
@@ -464,7 +464,7 @@
           <a:p>
             <a:fld id="{9E2B9D65-9CB5-44CB-B647-17247A1ADF60}" type="datetimeFigureOut">
               <a:rPr lang="es-ES" smtClean="0"/>
-              <a:t>21/10/2020</a:t>
+              <a:t>22/10/2020</a:t>
             </a:fld>
             <a:endParaRPr lang="es-ES"/>
           </a:p>
@@ -644,7 +644,7 @@
           <a:p>
             <a:fld id="{9E2B9D65-9CB5-44CB-B647-17247A1ADF60}" type="datetimeFigureOut">
               <a:rPr lang="es-ES" smtClean="0"/>
-              <a:t>21/10/2020</a:t>
+              <a:t>22/10/2020</a:t>
             </a:fld>
             <a:endParaRPr lang="es-ES"/>
           </a:p>
@@ -814,7 +814,7 @@
           <a:p>
             <a:fld id="{9E2B9D65-9CB5-44CB-B647-17247A1ADF60}" type="datetimeFigureOut">
               <a:rPr lang="es-ES" smtClean="0"/>
-              <a:t>21/10/2020</a:t>
+              <a:t>22/10/2020</a:t>
             </a:fld>
             <a:endParaRPr lang="es-ES"/>
           </a:p>
@@ -1060,7 +1060,7 @@
           <a:p>
             <a:fld id="{9E2B9D65-9CB5-44CB-B647-17247A1ADF60}" type="datetimeFigureOut">
               <a:rPr lang="es-ES" smtClean="0"/>
-              <a:t>21/10/2020</a:t>
+              <a:t>22/10/2020</a:t>
             </a:fld>
             <a:endParaRPr lang="es-ES"/>
           </a:p>
@@ -1348,7 +1348,7 @@
           <a:p>
             <a:fld id="{9E2B9D65-9CB5-44CB-B647-17247A1ADF60}" type="datetimeFigureOut">
               <a:rPr lang="es-ES" smtClean="0"/>
-              <a:t>21/10/2020</a:t>
+              <a:t>22/10/2020</a:t>
             </a:fld>
             <a:endParaRPr lang="es-ES"/>
           </a:p>
@@ -1770,7 +1770,7 @@
           <a:p>
             <a:fld id="{9E2B9D65-9CB5-44CB-B647-17247A1ADF60}" type="datetimeFigureOut">
               <a:rPr lang="es-ES" smtClean="0"/>
-              <a:t>21/10/2020</a:t>
+              <a:t>22/10/2020</a:t>
             </a:fld>
             <a:endParaRPr lang="es-ES"/>
           </a:p>
@@ -1888,7 +1888,7 @@
           <a:p>
             <a:fld id="{9E2B9D65-9CB5-44CB-B647-17247A1ADF60}" type="datetimeFigureOut">
               <a:rPr lang="es-ES" smtClean="0"/>
-              <a:t>21/10/2020</a:t>
+              <a:t>22/10/2020</a:t>
             </a:fld>
             <a:endParaRPr lang="es-ES"/>
           </a:p>
@@ -1983,7 +1983,7 @@
           <a:p>
             <a:fld id="{9E2B9D65-9CB5-44CB-B647-17247A1ADF60}" type="datetimeFigureOut">
               <a:rPr lang="es-ES" smtClean="0"/>
-              <a:t>21/10/2020</a:t>
+              <a:t>22/10/2020</a:t>
             </a:fld>
             <a:endParaRPr lang="es-ES"/>
           </a:p>
@@ -2260,7 +2260,7 @@
           <a:p>
             <a:fld id="{9E2B9D65-9CB5-44CB-B647-17247A1ADF60}" type="datetimeFigureOut">
               <a:rPr lang="es-ES" smtClean="0"/>
-              <a:t>21/10/2020</a:t>
+              <a:t>22/10/2020</a:t>
             </a:fld>
             <a:endParaRPr lang="es-ES"/>
           </a:p>
@@ -2513,7 +2513,7 @@
           <a:p>
             <a:fld id="{9E2B9D65-9CB5-44CB-B647-17247A1ADF60}" type="datetimeFigureOut">
               <a:rPr lang="es-ES" smtClean="0"/>
-              <a:t>21/10/2020</a:t>
+              <a:t>22/10/2020</a:t>
             </a:fld>
             <a:endParaRPr lang="es-ES"/>
           </a:p>
@@ -2726,7 +2726,7 @@
           <a:p>
             <a:fld id="{9E2B9D65-9CB5-44CB-B647-17247A1ADF60}" type="datetimeFigureOut">
               <a:rPr lang="es-ES" smtClean="0"/>
-              <a:t>21/10/2020</a:t>
+              <a:t>22/10/2020</a:t>
             </a:fld>
             <a:endParaRPr lang="es-ES"/>
           </a:p>
@@ -4134,23 +4134,7 @@
                   <a:srgbClr val="FF0000"/>
                 </a:solidFill>
               </a:rPr>
-              <a:t>Hacer </a:t>
-            </a:r>
-            <a:r>
-              <a:rPr lang="es-ES" dirty="0" err="1" smtClean="0">
-                <a:solidFill>
-                  <a:srgbClr val="FF0000"/>
-                </a:solidFill>
-              </a:rPr>
-              <a:t>click</a:t>
-            </a:r>
-            <a:r>
-              <a:rPr lang="es-ES" dirty="0" smtClean="0">
-                <a:solidFill>
-                  <a:srgbClr val="FF0000"/>
-                </a:solidFill>
-              </a:rPr>
-              <a:t> en “Ejecutar” y </a:t>
+              <a:t>Hacer click en “Ejecutar” y </a:t>
             </a:r>
           </a:p>
           <a:p>

--- a/images/Presentación1.pptx
+++ b/images/Presentación1.pptx
@@ -12,6 +12,7 @@
     <p:sldId id="259" r:id="rId6"/>
     <p:sldId id="262" r:id="rId7"/>
     <p:sldId id="260" r:id="rId8"/>
+    <p:sldId id="263" r:id="rId9"/>
   </p:sldIdLst>
   <p:sldSz cx="9144000" cy="6858000" type="screen4x3"/>
   <p:notesSz cx="6858000" cy="9144000"/>
@@ -4358,7 +4359,7 @@
         <p:spPr>
           <a:xfrm>
             <a:off x="467544" y="4437112"/>
-            <a:ext cx="2808311" cy="2308324"/>
+            <a:ext cx="2808311" cy="2031325"/>
           </a:xfrm>
           <a:prstGeom prst="rect">
             <a:avLst/>
@@ -4389,7 +4390,23 @@
                   <a:srgbClr val="FF0000"/>
                 </a:solidFill>
               </a:rPr>
-              <a:t>A cada alumno le sale su propia IP (la que sale en este gráfico es ficticia) así que hay que anotarla para recordarla y volver a entrar más adelante.</a:t>
+              <a:t>A cada alumno le sale su propia IP (la que sale en este gráfico es ficticia) así que hay que anotarla para </a:t>
+            </a:r>
+            <a:r>
+              <a:rPr lang="es-ES" dirty="0" smtClean="0">
+                <a:solidFill>
+                  <a:srgbClr val="FF0000"/>
+                </a:solidFill>
+              </a:rPr>
+              <a:t>utilizarla más </a:t>
+            </a:r>
+            <a:r>
+              <a:rPr lang="es-ES" dirty="0" smtClean="0">
+                <a:solidFill>
+                  <a:srgbClr val="FF0000"/>
+                </a:solidFill>
+              </a:rPr>
+              <a:t>adelante.</a:t>
             </a:r>
             <a:endParaRPr lang="es-ES" dirty="0">
               <a:solidFill>
@@ -5174,6 +5191,238 @@
     <p:extLst>
       <p:ext uri="{BB962C8B-B14F-4D97-AF65-F5344CB8AC3E}">
         <p14:creationId xmlns:p14="http://schemas.microsoft.com/office/powerpoint/2010/main" val="1301546952"/>
+      </p:ext>
+    </p:extLst>
+  </p:cSld>
+  <p:clrMapOvr>
+    <a:masterClrMapping/>
+  </p:clrMapOvr>
+</p:sld>
+</file>
+
+<file path=ppt/slides/slide8.xml><?xml version="1.0" encoding="utf-8"?>
+<p:sld xmlns:a="http://schemas.openxmlformats.org/drawingml/2006/main" xmlns:r="http://schemas.openxmlformats.org/officeDocument/2006/relationships" xmlns:p="http://schemas.openxmlformats.org/presentationml/2006/main">
+  <p:cSld>
+    <p:spTree>
+      <p:nvGrpSpPr>
+        <p:cNvPr id="1" name=""/>
+        <p:cNvGrpSpPr/>
+        <p:nvPr/>
+      </p:nvGrpSpPr>
+      <p:grpSpPr>
+        <a:xfrm>
+          <a:off x="0" y="0"/>
+          <a:ext cx="0" cy="0"/>
+          <a:chOff x="0" y="0"/>
+          <a:chExt cx="0" cy="0"/>
+        </a:xfrm>
+      </p:grpSpPr>
+      <p:pic>
+        <p:nvPicPr>
+          <p:cNvPr id="3074" name="Picture 2" descr="E:\docencia_investigacion\Git_repos\REPOS_R\R_practicas_inferencia\images\virt_machine_started.png"/>
+          <p:cNvPicPr>
+            <a:picLocks noChangeAspect="1" noChangeArrowheads="1"/>
+          </p:cNvPicPr>
+          <p:nvPr/>
+        </p:nvPicPr>
+        <p:blipFill>
+          <a:blip r:embed="rId2">
+            <a:extLst>
+              <a:ext uri="{28A0092B-C50C-407E-A947-70E740481C1C}">
+                <a14:useLocalDpi xmlns:a14="http://schemas.microsoft.com/office/drawing/2010/main" val="0"/>
+              </a:ext>
+            </a:extLst>
+          </a:blip>
+          <a:srcRect/>
+          <a:stretch>
+            <a:fillRect/>
+          </a:stretch>
+        </p:blipFill>
+        <p:spPr bwMode="auto">
+          <a:xfrm>
+            <a:off x="179512" y="620689"/>
+            <a:ext cx="8784976" cy="5688632"/>
+          </a:xfrm>
+          <a:prstGeom prst="rect">
+            <a:avLst/>
+          </a:prstGeom>
+          <a:noFill/>
+          <a:extLst>
+            <a:ext uri="{909E8E84-426E-40DD-AFC4-6F175D3DCCD1}">
+              <a14:hiddenFill xmlns:a14="http://schemas.microsoft.com/office/drawing/2010/main">
+                <a:solidFill>
+                  <a:srgbClr val="FFFFFF"/>
+                </a:solidFill>
+              </a14:hiddenFill>
+            </a:ext>
+          </a:extLst>
+        </p:spPr>
+      </p:pic>
+      <p:sp>
+        <p:nvSpPr>
+          <p:cNvPr id="3" name="2 CuadroTexto"/>
+          <p:cNvSpPr txBox="1"/>
+          <p:nvPr/>
+        </p:nvSpPr>
+        <p:spPr>
+          <a:xfrm>
+            <a:off x="35496" y="3789040"/>
+            <a:ext cx="3024336" cy="2862322"/>
+          </a:xfrm>
+          <a:prstGeom prst="rect">
+            <a:avLst/>
+          </a:prstGeom>
+          <a:noFill/>
+        </p:spPr>
+        <p:txBody>
+          <a:bodyPr wrap="square" rtlCol="0">
+            <a:spAutoFit/>
+          </a:bodyPr>
+          <a:lstStyle/>
+          <a:p>
+            <a:pPr algn="just"/>
+            <a:r>
+              <a:rPr lang="es-ES" dirty="0" smtClean="0">
+                <a:solidFill>
+                  <a:srgbClr val="FF0000"/>
+                </a:solidFill>
+              </a:rPr>
+              <a:t>Al finalizar la práctica se recomienda apagar la máquina virtual para evitar saturar este servicio que usan otros alumnos de la universidad.</a:t>
+            </a:r>
+          </a:p>
+          <a:p>
+            <a:pPr algn="just"/>
+            <a:r>
+              <a:rPr lang="es-ES" dirty="0" smtClean="0">
+                <a:solidFill>
+                  <a:srgbClr val="FF0000"/>
+                </a:solidFill>
+              </a:rPr>
+              <a:t>La próxima vez que necesitemos utilizar la máquina repetimos los pasos que hemos seguido aquí.</a:t>
+            </a:r>
+            <a:endParaRPr lang="es-ES" dirty="0">
+              <a:solidFill>
+                <a:srgbClr val="FF0000"/>
+              </a:solidFill>
+            </a:endParaRPr>
+          </a:p>
+        </p:txBody>
+      </p:sp>
+      <p:sp>
+        <p:nvSpPr>
+          <p:cNvPr id="6" name="5 CuadroTexto"/>
+          <p:cNvSpPr txBox="1"/>
+          <p:nvPr/>
+        </p:nvSpPr>
+        <p:spPr>
+          <a:xfrm>
+            <a:off x="4644008" y="3192193"/>
+            <a:ext cx="1007007" cy="276999"/>
+          </a:xfrm>
+          <a:prstGeom prst="rect">
+            <a:avLst/>
+          </a:prstGeom>
+          <a:solidFill>
+            <a:schemeClr val="bg1"/>
+          </a:solidFill>
+        </p:spPr>
+        <p:txBody>
+          <a:bodyPr wrap="none" rtlCol="0">
+            <a:spAutoFit/>
+          </a:bodyPr>
+          <a:lstStyle/>
+          <a:p>
+            <a:r>
+              <a:rPr lang="es-ES" sz="1200" dirty="0" smtClean="0"/>
+              <a:t>10.6.128.255</a:t>
+            </a:r>
+            <a:endParaRPr lang="es-ES" sz="1200" dirty="0"/>
+          </a:p>
+        </p:txBody>
+      </p:sp>
+      <p:sp>
+        <p:nvSpPr>
+          <p:cNvPr id="2" name="1 Elipse"/>
+          <p:cNvSpPr/>
+          <p:nvPr/>
+        </p:nvSpPr>
+        <p:spPr>
+          <a:xfrm>
+            <a:off x="6804248" y="1556792"/>
+            <a:ext cx="648072" cy="432048"/>
+          </a:xfrm>
+          <a:prstGeom prst="ellipse">
+            <a:avLst/>
+          </a:prstGeom>
+          <a:noFill/>
+          <a:ln>
+            <a:solidFill>
+              <a:srgbClr val="FF0000"/>
+            </a:solidFill>
+          </a:ln>
+        </p:spPr>
+        <p:style>
+          <a:lnRef idx="2">
+            <a:schemeClr val="accent1">
+              <a:shade val="50000"/>
+            </a:schemeClr>
+          </a:lnRef>
+          <a:fillRef idx="1">
+            <a:schemeClr val="accent1"/>
+          </a:fillRef>
+          <a:effectRef idx="0">
+            <a:schemeClr val="accent1"/>
+          </a:effectRef>
+          <a:fontRef idx="minor">
+            <a:schemeClr val="lt1"/>
+          </a:fontRef>
+        </p:style>
+        <p:txBody>
+          <a:bodyPr rtlCol="0" anchor="ctr"/>
+          <a:lstStyle/>
+          <a:p>
+            <a:pPr algn="ctr"/>
+            <a:endParaRPr lang="es-ES"/>
+          </a:p>
+        </p:txBody>
+      </p:sp>
+      <p:cxnSp>
+        <p:nvCxnSpPr>
+          <p:cNvPr id="5" name="4 Conector recto de flecha"/>
+          <p:cNvCxnSpPr/>
+          <p:nvPr/>
+        </p:nvCxnSpPr>
+        <p:spPr>
+          <a:xfrm flipV="1">
+            <a:off x="2627784" y="1916832"/>
+            <a:ext cx="4176464" cy="1872208"/>
+          </a:xfrm>
+          <a:prstGeom prst="straightConnector1">
+            <a:avLst/>
+          </a:prstGeom>
+          <a:ln>
+            <a:tailEnd type="arrow"/>
+          </a:ln>
+        </p:spPr>
+        <p:style>
+          <a:lnRef idx="1">
+            <a:schemeClr val="accent1"/>
+          </a:lnRef>
+          <a:fillRef idx="0">
+            <a:schemeClr val="accent1"/>
+          </a:fillRef>
+          <a:effectRef idx="0">
+            <a:schemeClr val="accent1"/>
+          </a:effectRef>
+          <a:fontRef idx="minor">
+            <a:schemeClr val="tx1"/>
+          </a:fontRef>
+        </p:style>
+      </p:cxnSp>
+    </p:spTree>
+    <p:extLst>
+      <p:ext uri="{BB962C8B-B14F-4D97-AF65-F5344CB8AC3E}">
+        <p14:creationId xmlns:p14="http://schemas.microsoft.com/office/powerpoint/2010/main" val="3431569138"/>
       </p:ext>
     </p:extLst>
   </p:cSld>

--- a/images/Presentación1.pptx
+++ b/images/Presentación1.pptx
@@ -6,13 +6,19 @@
   </p:sldMasterIdLst>
   <p:sldIdLst>
     <p:sldId id="256" r:id="rId2"/>
-    <p:sldId id="261" r:id="rId3"/>
-    <p:sldId id="257" r:id="rId4"/>
-    <p:sldId id="258" r:id="rId5"/>
-    <p:sldId id="259" r:id="rId6"/>
-    <p:sldId id="262" r:id="rId7"/>
-    <p:sldId id="260" r:id="rId8"/>
-    <p:sldId id="263" r:id="rId9"/>
+    <p:sldId id="265" r:id="rId3"/>
+    <p:sldId id="264" r:id="rId4"/>
+    <p:sldId id="266" r:id="rId5"/>
+    <p:sldId id="267" r:id="rId6"/>
+    <p:sldId id="268" r:id="rId7"/>
+    <p:sldId id="269" r:id="rId8"/>
+    <p:sldId id="261" r:id="rId9"/>
+    <p:sldId id="257" r:id="rId10"/>
+    <p:sldId id="258" r:id="rId11"/>
+    <p:sldId id="259" r:id="rId12"/>
+    <p:sldId id="262" r:id="rId13"/>
+    <p:sldId id="260" r:id="rId14"/>
+    <p:sldId id="263" r:id="rId15"/>
   </p:sldIdLst>
   <p:sldSz cx="9144000" cy="6858000" type="screen4x3"/>
   <p:notesSz cx="6858000" cy="9144000"/>
@@ -295,7 +301,7 @@
           <a:p>
             <a:fld id="{9E2B9D65-9CB5-44CB-B647-17247A1ADF60}" type="datetimeFigureOut">
               <a:rPr lang="es-ES" smtClean="0"/>
-              <a:t>22/10/2020</a:t>
+              <a:t>26/10/2020</a:t>
             </a:fld>
             <a:endParaRPr lang="es-ES"/>
           </a:p>
@@ -465,7 +471,7 @@
           <a:p>
             <a:fld id="{9E2B9D65-9CB5-44CB-B647-17247A1ADF60}" type="datetimeFigureOut">
               <a:rPr lang="es-ES" smtClean="0"/>
-              <a:t>22/10/2020</a:t>
+              <a:t>26/10/2020</a:t>
             </a:fld>
             <a:endParaRPr lang="es-ES"/>
           </a:p>
@@ -645,7 +651,7 @@
           <a:p>
             <a:fld id="{9E2B9D65-9CB5-44CB-B647-17247A1ADF60}" type="datetimeFigureOut">
               <a:rPr lang="es-ES" smtClean="0"/>
-              <a:t>22/10/2020</a:t>
+              <a:t>26/10/2020</a:t>
             </a:fld>
             <a:endParaRPr lang="es-ES"/>
           </a:p>
@@ -815,7 +821,7 @@
           <a:p>
             <a:fld id="{9E2B9D65-9CB5-44CB-B647-17247A1ADF60}" type="datetimeFigureOut">
               <a:rPr lang="es-ES" smtClean="0"/>
-              <a:t>22/10/2020</a:t>
+              <a:t>26/10/2020</a:t>
             </a:fld>
             <a:endParaRPr lang="es-ES"/>
           </a:p>
@@ -1061,7 +1067,7 @@
           <a:p>
             <a:fld id="{9E2B9D65-9CB5-44CB-B647-17247A1ADF60}" type="datetimeFigureOut">
               <a:rPr lang="es-ES" smtClean="0"/>
-              <a:t>22/10/2020</a:t>
+              <a:t>26/10/2020</a:t>
             </a:fld>
             <a:endParaRPr lang="es-ES"/>
           </a:p>
@@ -1349,7 +1355,7 @@
           <a:p>
             <a:fld id="{9E2B9D65-9CB5-44CB-B647-17247A1ADF60}" type="datetimeFigureOut">
               <a:rPr lang="es-ES" smtClean="0"/>
-              <a:t>22/10/2020</a:t>
+              <a:t>26/10/2020</a:t>
             </a:fld>
             <a:endParaRPr lang="es-ES"/>
           </a:p>
@@ -1771,7 +1777,7 @@
           <a:p>
             <a:fld id="{9E2B9D65-9CB5-44CB-B647-17247A1ADF60}" type="datetimeFigureOut">
               <a:rPr lang="es-ES" smtClean="0"/>
-              <a:t>22/10/2020</a:t>
+              <a:t>26/10/2020</a:t>
             </a:fld>
             <a:endParaRPr lang="es-ES"/>
           </a:p>
@@ -1889,7 +1895,7 @@
           <a:p>
             <a:fld id="{9E2B9D65-9CB5-44CB-B647-17247A1ADF60}" type="datetimeFigureOut">
               <a:rPr lang="es-ES" smtClean="0"/>
-              <a:t>22/10/2020</a:t>
+              <a:t>26/10/2020</a:t>
             </a:fld>
             <a:endParaRPr lang="es-ES"/>
           </a:p>
@@ -1984,7 +1990,7 @@
           <a:p>
             <a:fld id="{9E2B9D65-9CB5-44CB-B647-17247A1ADF60}" type="datetimeFigureOut">
               <a:rPr lang="es-ES" smtClean="0"/>
-              <a:t>22/10/2020</a:t>
+              <a:t>26/10/2020</a:t>
             </a:fld>
             <a:endParaRPr lang="es-ES"/>
           </a:p>
@@ -2261,7 +2267,7 @@
           <a:p>
             <a:fld id="{9E2B9D65-9CB5-44CB-B647-17247A1ADF60}" type="datetimeFigureOut">
               <a:rPr lang="es-ES" smtClean="0"/>
-              <a:t>22/10/2020</a:t>
+              <a:t>26/10/2020</a:t>
             </a:fld>
             <a:endParaRPr lang="es-ES"/>
           </a:p>
@@ -2514,7 +2520,7 @@
           <a:p>
             <a:fld id="{9E2B9D65-9CB5-44CB-B647-17247A1ADF60}" type="datetimeFigureOut">
               <a:rPr lang="es-ES" smtClean="0"/>
-              <a:t>22/10/2020</a:t>
+              <a:t>26/10/2020</a:t>
             </a:fld>
             <a:endParaRPr lang="es-ES"/>
           </a:p>
@@ -2727,7 +2733,7 @@
           <a:p>
             <a:fld id="{9E2B9D65-9CB5-44CB-B647-17247A1ADF60}" type="datetimeFigureOut">
               <a:rPr lang="es-ES" smtClean="0"/>
-              <a:t>22/10/2020</a:t>
+              <a:t>26/10/2020</a:t>
             </a:fld>
             <a:endParaRPr lang="es-ES"/>
           </a:p>
@@ -3519,6 +3525,1373 @@
 </p:sld>
 </file>
 
+<file path=ppt/slides/slide10.xml><?xml version="1.0" encoding="utf-8"?>
+<p:sld xmlns:a="http://schemas.openxmlformats.org/drawingml/2006/main" xmlns:r="http://schemas.openxmlformats.org/officeDocument/2006/relationships" xmlns:p="http://schemas.openxmlformats.org/presentationml/2006/main">
+  <p:cSld>
+    <p:spTree>
+      <p:nvGrpSpPr>
+        <p:cNvPr id="1" name=""/>
+        <p:cNvGrpSpPr/>
+        <p:nvPr/>
+      </p:nvGrpSpPr>
+      <p:grpSpPr>
+        <a:xfrm>
+          <a:off x="0" y="0"/>
+          <a:ext cx="0" cy="0"/>
+          <a:chOff x="0" y="0"/>
+          <a:chExt cx="0" cy="0"/>
+        </a:xfrm>
+      </p:grpSpPr>
+      <p:pic>
+        <p:nvPicPr>
+          <p:cNvPr id="2050" name="Picture 2" descr="E:\docencia_investigacion\Git_repos\REPOS_R\R_practicas_inferencia\images\virt_machine.png"/>
+          <p:cNvPicPr>
+            <a:picLocks noChangeAspect="1" noChangeArrowheads="1"/>
+          </p:cNvPicPr>
+          <p:nvPr/>
+        </p:nvPicPr>
+        <p:blipFill>
+          <a:blip r:embed="rId2">
+            <a:extLst>
+              <a:ext uri="{28A0092B-C50C-407E-A947-70E740481C1C}">
+                <a14:useLocalDpi xmlns:a14="http://schemas.microsoft.com/office/drawing/2010/main" val="0"/>
+              </a:ext>
+            </a:extLst>
+          </a:blip>
+          <a:srcRect/>
+          <a:stretch>
+            <a:fillRect/>
+          </a:stretch>
+        </p:blipFill>
+        <p:spPr bwMode="auto">
+          <a:xfrm>
+            <a:off x="251520" y="548680"/>
+            <a:ext cx="8496944" cy="5970289"/>
+          </a:xfrm>
+          <a:prstGeom prst="rect">
+            <a:avLst/>
+          </a:prstGeom>
+          <a:noFill/>
+          <a:extLst>
+            <a:ext uri="{909E8E84-426E-40DD-AFC4-6F175D3DCCD1}">
+              <a14:hiddenFill xmlns:a14="http://schemas.microsoft.com/office/drawing/2010/main">
+                <a:solidFill>
+                  <a:srgbClr val="FFFFFF"/>
+                </a:solidFill>
+              </a14:hiddenFill>
+            </a:ext>
+          </a:extLst>
+        </p:spPr>
+      </p:pic>
+      <p:sp>
+        <p:nvSpPr>
+          <p:cNvPr id="2" name="1 CuadroTexto"/>
+          <p:cNvSpPr txBox="1"/>
+          <p:nvPr/>
+        </p:nvSpPr>
+        <p:spPr>
+          <a:xfrm>
+            <a:off x="3131841" y="3284984"/>
+            <a:ext cx="3816423" cy="923330"/>
+          </a:xfrm>
+          <a:prstGeom prst="rect">
+            <a:avLst/>
+          </a:prstGeom>
+          <a:noFill/>
+        </p:spPr>
+        <p:txBody>
+          <a:bodyPr wrap="square" rtlCol="0">
+            <a:spAutoFit/>
+          </a:bodyPr>
+          <a:lstStyle/>
+          <a:p>
+            <a:r>
+              <a:rPr lang="es-ES" dirty="0" smtClean="0">
+                <a:solidFill>
+                  <a:srgbClr val="FF0000"/>
+                </a:solidFill>
+              </a:rPr>
+              <a:t>Hacer click en “Ejecutar” y </a:t>
+            </a:r>
+          </a:p>
+          <a:p>
+            <a:r>
+              <a:rPr lang="es-ES" dirty="0" smtClean="0">
+                <a:solidFill>
+                  <a:srgbClr val="FF0000"/>
+                </a:solidFill>
+              </a:rPr>
+              <a:t>la máquina virtual comenzará a cargar</a:t>
+            </a:r>
+          </a:p>
+          <a:p>
+            <a:r>
+              <a:rPr lang="es-ES" dirty="0" smtClean="0">
+                <a:solidFill>
+                  <a:srgbClr val="FF0000"/>
+                </a:solidFill>
+              </a:rPr>
+              <a:t>PACIENCIA tarda un rato</a:t>
+            </a:r>
+            <a:endParaRPr lang="es-ES" dirty="0">
+              <a:solidFill>
+                <a:srgbClr val="FF0000"/>
+              </a:solidFill>
+            </a:endParaRPr>
+          </a:p>
+        </p:txBody>
+      </p:sp>
+      <p:cxnSp>
+        <p:nvCxnSpPr>
+          <p:cNvPr id="4" name="3 Conector recto de flecha"/>
+          <p:cNvCxnSpPr/>
+          <p:nvPr/>
+        </p:nvCxnSpPr>
+        <p:spPr>
+          <a:xfrm flipH="1">
+            <a:off x="1763688" y="3533824"/>
+            <a:ext cx="1368153" cy="1839392"/>
+          </a:xfrm>
+          <a:prstGeom prst="straightConnector1">
+            <a:avLst/>
+          </a:prstGeom>
+          <a:ln>
+            <a:tailEnd type="arrow"/>
+          </a:ln>
+        </p:spPr>
+        <p:style>
+          <a:lnRef idx="1">
+            <a:schemeClr val="accent1"/>
+          </a:lnRef>
+          <a:fillRef idx="0">
+            <a:schemeClr val="accent1"/>
+          </a:fillRef>
+          <a:effectRef idx="0">
+            <a:schemeClr val="accent1"/>
+          </a:effectRef>
+          <a:fontRef idx="minor">
+            <a:schemeClr val="tx1"/>
+          </a:fontRef>
+        </p:style>
+      </p:cxnSp>
+      <p:cxnSp>
+        <p:nvCxnSpPr>
+          <p:cNvPr id="7" name="6 Conector recto de flecha"/>
+          <p:cNvCxnSpPr/>
+          <p:nvPr/>
+        </p:nvCxnSpPr>
+        <p:spPr>
+          <a:xfrm flipH="1" flipV="1">
+            <a:off x="5940152" y="2031230"/>
+            <a:ext cx="576064" cy="1613794"/>
+          </a:xfrm>
+          <a:prstGeom prst="straightConnector1">
+            <a:avLst/>
+          </a:prstGeom>
+          <a:ln>
+            <a:tailEnd type="arrow"/>
+          </a:ln>
+        </p:spPr>
+        <p:style>
+          <a:lnRef idx="1">
+            <a:schemeClr val="accent1"/>
+          </a:lnRef>
+          <a:fillRef idx="0">
+            <a:schemeClr val="accent1"/>
+          </a:fillRef>
+          <a:effectRef idx="0">
+            <a:schemeClr val="accent1"/>
+          </a:effectRef>
+          <a:fontRef idx="minor">
+            <a:schemeClr val="tx1"/>
+          </a:fontRef>
+        </p:style>
+      </p:cxnSp>
+      <p:sp>
+        <p:nvSpPr>
+          <p:cNvPr id="10" name="9 Rectángulo"/>
+          <p:cNvSpPr/>
+          <p:nvPr/>
+        </p:nvSpPr>
+        <p:spPr>
+          <a:xfrm>
+            <a:off x="2051720" y="950248"/>
+            <a:ext cx="1224136" cy="144016"/>
+          </a:xfrm>
+          <a:prstGeom prst="rect">
+            <a:avLst/>
+          </a:prstGeom>
+          <a:solidFill>
+            <a:schemeClr val="bg1">
+              <a:lumMod val="95000"/>
+            </a:schemeClr>
+          </a:solidFill>
+          <a:ln>
+            <a:noFill/>
+          </a:ln>
+        </p:spPr>
+        <p:style>
+          <a:lnRef idx="2">
+            <a:schemeClr val="accent1">
+              <a:shade val="50000"/>
+            </a:schemeClr>
+          </a:lnRef>
+          <a:fillRef idx="1">
+            <a:schemeClr val="accent1"/>
+          </a:fillRef>
+          <a:effectRef idx="0">
+            <a:schemeClr val="accent1"/>
+          </a:effectRef>
+          <a:fontRef idx="minor">
+            <a:schemeClr val="lt1"/>
+          </a:fontRef>
+        </p:style>
+        <p:txBody>
+          <a:bodyPr rtlCol="0" anchor="ctr"/>
+          <a:lstStyle/>
+          <a:p>
+            <a:pPr algn="ctr"/>
+            <a:endParaRPr lang="es-ES"/>
+          </a:p>
+        </p:txBody>
+      </p:sp>
+    </p:spTree>
+    <p:extLst>
+      <p:ext uri="{BB962C8B-B14F-4D97-AF65-F5344CB8AC3E}">
+        <p14:creationId xmlns:p14="http://schemas.microsoft.com/office/powerpoint/2010/main" val="2269043217"/>
+      </p:ext>
+    </p:extLst>
+  </p:cSld>
+  <p:clrMapOvr>
+    <a:masterClrMapping/>
+  </p:clrMapOvr>
+</p:sld>
+</file>
+
+<file path=ppt/slides/slide11.xml><?xml version="1.0" encoding="utf-8"?>
+<p:sld xmlns:a="http://schemas.openxmlformats.org/drawingml/2006/main" xmlns:r="http://schemas.openxmlformats.org/officeDocument/2006/relationships" xmlns:p="http://schemas.openxmlformats.org/presentationml/2006/main">
+  <p:cSld>
+    <p:spTree>
+      <p:nvGrpSpPr>
+        <p:cNvPr id="1" name=""/>
+        <p:cNvGrpSpPr/>
+        <p:nvPr/>
+      </p:nvGrpSpPr>
+      <p:grpSpPr>
+        <a:xfrm>
+          <a:off x="0" y="0"/>
+          <a:ext cx="0" cy="0"/>
+          <a:chOff x="0" y="0"/>
+          <a:chExt cx="0" cy="0"/>
+        </a:xfrm>
+      </p:grpSpPr>
+      <p:pic>
+        <p:nvPicPr>
+          <p:cNvPr id="3074" name="Picture 2" descr="E:\docencia_investigacion\Git_repos\REPOS_R\R_practicas_inferencia\images\virt_machine_started.png"/>
+          <p:cNvPicPr>
+            <a:picLocks noChangeAspect="1" noChangeArrowheads="1"/>
+          </p:cNvPicPr>
+          <p:nvPr/>
+        </p:nvPicPr>
+        <p:blipFill>
+          <a:blip r:embed="rId2">
+            <a:extLst>
+              <a:ext uri="{28A0092B-C50C-407E-A947-70E740481C1C}">
+                <a14:useLocalDpi xmlns:a14="http://schemas.microsoft.com/office/drawing/2010/main" val="0"/>
+              </a:ext>
+            </a:extLst>
+          </a:blip>
+          <a:srcRect/>
+          <a:stretch>
+            <a:fillRect/>
+          </a:stretch>
+        </p:blipFill>
+        <p:spPr bwMode="auto">
+          <a:xfrm>
+            <a:off x="179512" y="620689"/>
+            <a:ext cx="8784976" cy="5688632"/>
+          </a:xfrm>
+          <a:prstGeom prst="rect">
+            <a:avLst/>
+          </a:prstGeom>
+          <a:noFill/>
+          <a:extLst>
+            <a:ext uri="{909E8E84-426E-40DD-AFC4-6F175D3DCCD1}">
+              <a14:hiddenFill xmlns:a14="http://schemas.microsoft.com/office/drawing/2010/main">
+                <a:solidFill>
+                  <a:srgbClr val="FFFFFF"/>
+                </a:solidFill>
+              </a14:hiddenFill>
+            </a:ext>
+          </a:extLst>
+        </p:spPr>
+      </p:pic>
+      <p:sp>
+        <p:nvSpPr>
+          <p:cNvPr id="3" name="2 CuadroTexto"/>
+          <p:cNvSpPr txBox="1"/>
+          <p:nvPr/>
+        </p:nvSpPr>
+        <p:spPr>
+          <a:xfrm>
+            <a:off x="467544" y="4437112"/>
+            <a:ext cx="2808311" cy="2031325"/>
+          </a:xfrm>
+          <a:prstGeom prst="rect">
+            <a:avLst/>
+          </a:prstGeom>
+          <a:noFill/>
+        </p:spPr>
+        <p:txBody>
+          <a:bodyPr wrap="square" rtlCol="0">
+            <a:spAutoFit/>
+          </a:bodyPr>
+          <a:lstStyle/>
+          <a:p>
+            <a:pPr algn="just"/>
+            <a:r>
+              <a:rPr lang="es-ES" dirty="0" smtClean="0">
+                <a:solidFill>
+                  <a:srgbClr val="FF0000"/>
+                </a:solidFill>
+              </a:rPr>
+              <a:t>Esta es la dirección IP de la máquina. </a:t>
+            </a:r>
+          </a:p>
+          <a:p>
+            <a:pPr algn="just"/>
+            <a:r>
+              <a:rPr lang="es-ES" dirty="0" smtClean="0">
+                <a:solidFill>
+                  <a:srgbClr val="FF0000"/>
+                </a:solidFill>
+              </a:rPr>
+              <a:t>A cada alumno le sale su propia IP (la que sale en este gráfico es ficticia) así que hay que anotarla para utilizarla más adelante.</a:t>
+            </a:r>
+            <a:endParaRPr lang="es-ES" dirty="0">
+              <a:solidFill>
+                <a:srgbClr val="FF0000"/>
+              </a:solidFill>
+            </a:endParaRPr>
+          </a:p>
+        </p:txBody>
+      </p:sp>
+      <p:cxnSp>
+        <p:nvCxnSpPr>
+          <p:cNvPr id="5" name="4 Conector recto de flecha"/>
+          <p:cNvCxnSpPr/>
+          <p:nvPr/>
+        </p:nvCxnSpPr>
+        <p:spPr>
+          <a:xfrm flipV="1">
+            <a:off x="2843808" y="3433638"/>
+            <a:ext cx="1728192" cy="1003474"/>
+          </a:xfrm>
+          <a:prstGeom prst="straightConnector1">
+            <a:avLst/>
+          </a:prstGeom>
+          <a:ln>
+            <a:tailEnd type="arrow"/>
+          </a:ln>
+        </p:spPr>
+        <p:style>
+          <a:lnRef idx="1">
+            <a:schemeClr val="accent1"/>
+          </a:lnRef>
+          <a:fillRef idx="0">
+            <a:schemeClr val="accent1"/>
+          </a:fillRef>
+          <a:effectRef idx="0">
+            <a:schemeClr val="accent1"/>
+          </a:effectRef>
+          <a:fontRef idx="minor">
+            <a:schemeClr val="tx1"/>
+          </a:fontRef>
+        </p:style>
+      </p:cxnSp>
+      <p:sp>
+        <p:nvSpPr>
+          <p:cNvPr id="6" name="5 CuadroTexto"/>
+          <p:cNvSpPr txBox="1"/>
+          <p:nvPr/>
+        </p:nvSpPr>
+        <p:spPr>
+          <a:xfrm>
+            <a:off x="4644008" y="3068960"/>
+            <a:ext cx="1410964" cy="369332"/>
+          </a:xfrm>
+          <a:prstGeom prst="rect">
+            <a:avLst/>
+          </a:prstGeom>
+          <a:solidFill>
+            <a:schemeClr val="bg1"/>
+          </a:solidFill>
+        </p:spPr>
+        <p:txBody>
+          <a:bodyPr wrap="none" rtlCol="0">
+            <a:spAutoFit/>
+          </a:bodyPr>
+          <a:lstStyle/>
+          <a:p>
+            <a:r>
+              <a:rPr lang="es-ES" dirty="0" smtClean="0"/>
+              <a:t>10.6.128.255</a:t>
+            </a:r>
+            <a:endParaRPr lang="es-ES" dirty="0"/>
+          </a:p>
+        </p:txBody>
+      </p:sp>
+      <p:sp>
+        <p:nvSpPr>
+          <p:cNvPr id="2" name="1 Elipse"/>
+          <p:cNvSpPr/>
+          <p:nvPr/>
+        </p:nvSpPr>
+        <p:spPr>
+          <a:xfrm>
+            <a:off x="4572000" y="3038480"/>
+            <a:ext cx="1482972" cy="432048"/>
+          </a:xfrm>
+          <a:prstGeom prst="ellipse">
+            <a:avLst/>
+          </a:prstGeom>
+          <a:noFill/>
+          <a:ln>
+            <a:solidFill>
+              <a:srgbClr val="FF0000"/>
+            </a:solidFill>
+          </a:ln>
+        </p:spPr>
+        <p:style>
+          <a:lnRef idx="2">
+            <a:schemeClr val="accent1">
+              <a:shade val="50000"/>
+            </a:schemeClr>
+          </a:lnRef>
+          <a:fillRef idx="1">
+            <a:schemeClr val="accent1"/>
+          </a:fillRef>
+          <a:effectRef idx="0">
+            <a:schemeClr val="accent1"/>
+          </a:effectRef>
+          <a:fontRef idx="minor">
+            <a:schemeClr val="lt1"/>
+          </a:fontRef>
+        </p:style>
+        <p:txBody>
+          <a:bodyPr rtlCol="0" anchor="ctr"/>
+          <a:lstStyle/>
+          <a:p>
+            <a:pPr algn="ctr"/>
+            <a:endParaRPr lang="es-ES"/>
+          </a:p>
+        </p:txBody>
+      </p:sp>
+    </p:spTree>
+    <p:extLst>
+      <p:ext uri="{BB962C8B-B14F-4D97-AF65-F5344CB8AC3E}">
+        <p14:creationId xmlns:p14="http://schemas.microsoft.com/office/powerpoint/2010/main" val="3669325879"/>
+      </p:ext>
+    </p:extLst>
+  </p:cSld>
+  <p:clrMapOvr>
+    <a:masterClrMapping/>
+  </p:clrMapOvr>
+</p:sld>
+</file>
+
+<file path=ppt/slides/slide12.xml><?xml version="1.0" encoding="utf-8"?>
+<p:sld xmlns:a="http://schemas.openxmlformats.org/drawingml/2006/main" xmlns:r="http://schemas.openxmlformats.org/officeDocument/2006/relationships" xmlns:p="http://schemas.openxmlformats.org/presentationml/2006/main">
+  <p:cSld>
+    <p:spTree>
+      <p:nvGrpSpPr>
+        <p:cNvPr id="1" name=""/>
+        <p:cNvGrpSpPr/>
+        <p:nvPr/>
+      </p:nvGrpSpPr>
+      <p:grpSpPr>
+        <a:xfrm>
+          <a:off x="0" y="0"/>
+          <a:ext cx="0" cy="0"/>
+          <a:chOff x="0" y="0"/>
+          <a:chExt cx="0" cy="0"/>
+        </a:xfrm>
+      </p:grpSpPr>
+      <p:pic>
+        <p:nvPicPr>
+          <p:cNvPr id="6146" name="Picture 2" descr="E:\docencia_investigacion\Git_repos\REPOS_R\R_practicas_inferencia\images\rstudio_login.png"/>
+          <p:cNvPicPr>
+            <a:picLocks noChangeAspect="1" noChangeArrowheads="1"/>
+          </p:cNvPicPr>
+          <p:nvPr/>
+        </p:nvPicPr>
+        <p:blipFill>
+          <a:blip r:embed="rId2">
+            <a:extLst>
+              <a:ext uri="{28A0092B-C50C-407E-A947-70E740481C1C}">
+                <a14:useLocalDpi xmlns:a14="http://schemas.microsoft.com/office/drawing/2010/main" val="0"/>
+              </a:ext>
+            </a:extLst>
+          </a:blip>
+          <a:srcRect/>
+          <a:stretch>
+            <a:fillRect/>
+          </a:stretch>
+        </p:blipFill>
+        <p:spPr bwMode="auto">
+          <a:xfrm>
+            <a:off x="246790" y="465161"/>
+            <a:ext cx="8717698" cy="5124079"/>
+          </a:xfrm>
+          <a:prstGeom prst="rect">
+            <a:avLst/>
+          </a:prstGeom>
+          <a:noFill/>
+          <a:extLst>
+            <a:ext uri="{909E8E84-426E-40DD-AFC4-6F175D3DCCD1}">
+              <a14:hiddenFill xmlns:a14="http://schemas.microsoft.com/office/drawing/2010/main">
+                <a:solidFill>
+                  <a:srgbClr val="FFFFFF"/>
+                </a:solidFill>
+              </a14:hiddenFill>
+            </a:ext>
+          </a:extLst>
+        </p:spPr>
+      </p:pic>
+      <p:sp>
+        <p:nvSpPr>
+          <p:cNvPr id="3" name="2 CuadroTexto"/>
+          <p:cNvSpPr txBox="1"/>
+          <p:nvPr/>
+        </p:nvSpPr>
+        <p:spPr>
+          <a:xfrm>
+            <a:off x="251520" y="2128788"/>
+            <a:ext cx="2808311" cy="1754326"/>
+          </a:xfrm>
+          <a:prstGeom prst="rect">
+            <a:avLst/>
+          </a:prstGeom>
+          <a:noFill/>
+        </p:spPr>
+        <p:txBody>
+          <a:bodyPr wrap="square" rtlCol="0">
+            <a:spAutoFit/>
+          </a:bodyPr>
+          <a:lstStyle/>
+          <a:p>
+            <a:pPr algn="just"/>
+            <a:r>
+              <a:rPr lang="es-ES" dirty="0" smtClean="0">
+                <a:solidFill>
+                  <a:srgbClr val="FF0000"/>
+                </a:solidFill>
+              </a:rPr>
+              <a:t>Introducir en la barra de direcciones del navegador la dirección IP que cada uno obtiene del paso anterior seguida de :8087 (puedes añadirla a Mis Favoritos)</a:t>
+            </a:r>
+          </a:p>
+        </p:txBody>
+      </p:sp>
+      <p:cxnSp>
+        <p:nvCxnSpPr>
+          <p:cNvPr id="4" name="3 Conector recto de flecha"/>
+          <p:cNvCxnSpPr/>
+          <p:nvPr/>
+        </p:nvCxnSpPr>
+        <p:spPr>
+          <a:xfrm flipV="1">
+            <a:off x="1403648" y="908720"/>
+            <a:ext cx="337760" cy="1224136"/>
+          </a:xfrm>
+          <a:prstGeom prst="straightConnector1">
+            <a:avLst/>
+          </a:prstGeom>
+          <a:ln>
+            <a:tailEnd type="arrow"/>
+          </a:ln>
+        </p:spPr>
+        <p:style>
+          <a:lnRef idx="1">
+            <a:schemeClr val="accent1"/>
+          </a:lnRef>
+          <a:fillRef idx="0">
+            <a:schemeClr val="accent1"/>
+          </a:fillRef>
+          <a:effectRef idx="0">
+            <a:schemeClr val="accent1"/>
+          </a:effectRef>
+          <a:fontRef idx="minor">
+            <a:schemeClr val="tx1"/>
+          </a:fontRef>
+        </p:style>
+      </p:cxnSp>
+      <p:sp>
+        <p:nvSpPr>
+          <p:cNvPr id="7" name="6 CuadroTexto"/>
+          <p:cNvSpPr txBox="1"/>
+          <p:nvPr/>
+        </p:nvSpPr>
+        <p:spPr>
+          <a:xfrm>
+            <a:off x="1350931" y="472614"/>
+            <a:ext cx="1266693" cy="261610"/>
+          </a:xfrm>
+          <a:prstGeom prst="rect">
+            <a:avLst/>
+          </a:prstGeom>
+          <a:solidFill>
+            <a:schemeClr val="bg1">
+              <a:lumMod val="95000"/>
+            </a:schemeClr>
+          </a:solidFill>
+        </p:spPr>
+        <p:txBody>
+          <a:bodyPr wrap="none" rtlCol="0">
+            <a:spAutoFit/>
+          </a:bodyPr>
+          <a:lstStyle/>
+          <a:p>
+            <a:r>
+              <a:rPr lang="es-ES" sz="1100" b="1" dirty="0" smtClean="0"/>
+              <a:t>10.6.128.255:8087</a:t>
+            </a:r>
+            <a:endParaRPr lang="es-ES" sz="1100" b="1" dirty="0"/>
+          </a:p>
+        </p:txBody>
+      </p:sp>
+      <p:sp>
+        <p:nvSpPr>
+          <p:cNvPr id="5" name="4 Elipse"/>
+          <p:cNvSpPr/>
+          <p:nvPr/>
+        </p:nvSpPr>
+        <p:spPr>
+          <a:xfrm>
+            <a:off x="1099732" y="353864"/>
+            <a:ext cx="1589899" cy="452368"/>
+          </a:xfrm>
+          <a:prstGeom prst="ellipse">
+            <a:avLst/>
+          </a:prstGeom>
+          <a:noFill/>
+          <a:ln>
+            <a:solidFill>
+              <a:srgbClr val="FF0000"/>
+            </a:solidFill>
+          </a:ln>
+        </p:spPr>
+        <p:style>
+          <a:lnRef idx="2">
+            <a:schemeClr val="accent1">
+              <a:shade val="50000"/>
+            </a:schemeClr>
+          </a:lnRef>
+          <a:fillRef idx="1">
+            <a:schemeClr val="accent1"/>
+          </a:fillRef>
+          <a:effectRef idx="0">
+            <a:schemeClr val="accent1"/>
+          </a:effectRef>
+          <a:fontRef idx="minor">
+            <a:schemeClr val="lt1"/>
+          </a:fontRef>
+        </p:style>
+        <p:txBody>
+          <a:bodyPr rtlCol="0" anchor="ctr"/>
+          <a:lstStyle/>
+          <a:p>
+            <a:pPr algn="ctr"/>
+            <a:endParaRPr lang="es-ES"/>
+          </a:p>
+        </p:txBody>
+      </p:sp>
+      <p:cxnSp>
+        <p:nvCxnSpPr>
+          <p:cNvPr id="8" name="7 Conector recto de flecha"/>
+          <p:cNvCxnSpPr/>
+          <p:nvPr/>
+        </p:nvCxnSpPr>
+        <p:spPr>
+          <a:xfrm flipV="1">
+            <a:off x="2195736" y="3027202"/>
+            <a:ext cx="3744416" cy="1697942"/>
+          </a:xfrm>
+          <a:prstGeom prst="straightConnector1">
+            <a:avLst/>
+          </a:prstGeom>
+          <a:ln>
+            <a:tailEnd type="arrow"/>
+          </a:ln>
+        </p:spPr>
+        <p:style>
+          <a:lnRef idx="1">
+            <a:schemeClr val="accent1"/>
+          </a:lnRef>
+          <a:fillRef idx="0">
+            <a:schemeClr val="accent1"/>
+          </a:fillRef>
+          <a:effectRef idx="0">
+            <a:schemeClr val="accent1"/>
+          </a:effectRef>
+          <a:fontRef idx="minor">
+            <a:schemeClr val="tx1"/>
+          </a:fontRef>
+        </p:style>
+      </p:cxnSp>
+      <p:sp>
+        <p:nvSpPr>
+          <p:cNvPr id="9" name="8 CuadroTexto"/>
+          <p:cNvSpPr txBox="1"/>
+          <p:nvPr/>
+        </p:nvSpPr>
+        <p:spPr>
+          <a:xfrm>
+            <a:off x="5908890" y="2852936"/>
+            <a:ext cx="618374" cy="369332"/>
+          </a:xfrm>
+          <a:prstGeom prst="rect">
+            <a:avLst/>
+          </a:prstGeom>
+          <a:noFill/>
+        </p:spPr>
+        <p:txBody>
+          <a:bodyPr wrap="none" rtlCol="0">
+            <a:spAutoFit/>
+          </a:bodyPr>
+          <a:lstStyle/>
+          <a:p>
+            <a:r>
+              <a:rPr lang="es-ES" dirty="0" smtClean="0">
+                <a:solidFill>
+                  <a:srgbClr val="FF0000"/>
+                </a:solidFill>
+              </a:rPr>
+              <a:t>infer</a:t>
+            </a:r>
+            <a:endParaRPr lang="es-ES" dirty="0">
+              <a:solidFill>
+                <a:srgbClr val="FF0000"/>
+              </a:solidFill>
+            </a:endParaRPr>
+          </a:p>
+        </p:txBody>
+      </p:sp>
+      <p:sp>
+        <p:nvSpPr>
+          <p:cNvPr id="12" name="11 CuadroTexto"/>
+          <p:cNvSpPr txBox="1"/>
+          <p:nvPr/>
+        </p:nvSpPr>
+        <p:spPr>
+          <a:xfrm>
+            <a:off x="5908784" y="3307060"/>
+            <a:ext cx="618374" cy="369332"/>
+          </a:xfrm>
+          <a:prstGeom prst="rect">
+            <a:avLst/>
+          </a:prstGeom>
+          <a:noFill/>
+        </p:spPr>
+        <p:txBody>
+          <a:bodyPr wrap="none" rtlCol="0">
+            <a:spAutoFit/>
+          </a:bodyPr>
+          <a:lstStyle/>
+          <a:p>
+            <a:r>
+              <a:rPr lang="es-ES" dirty="0" smtClean="0">
+                <a:solidFill>
+                  <a:srgbClr val="FF0000"/>
+                </a:solidFill>
+              </a:rPr>
+              <a:t>infer</a:t>
+            </a:r>
+            <a:endParaRPr lang="es-ES" dirty="0">
+              <a:solidFill>
+                <a:srgbClr val="FF0000"/>
+              </a:solidFill>
+            </a:endParaRPr>
+          </a:p>
+        </p:txBody>
+      </p:sp>
+      <p:sp>
+        <p:nvSpPr>
+          <p:cNvPr id="13" name="12 CuadroTexto"/>
+          <p:cNvSpPr txBox="1"/>
+          <p:nvPr/>
+        </p:nvSpPr>
+        <p:spPr>
+          <a:xfrm>
+            <a:off x="251520" y="4122946"/>
+            <a:ext cx="4752528" cy="1754326"/>
+          </a:xfrm>
+          <a:prstGeom prst="rect">
+            <a:avLst/>
+          </a:prstGeom>
+          <a:noFill/>
+        </p:spPr>
+        <p:txBody>
+          <a:bodyPr wrap="square" rtlCol="0">
+            <a:spAutoFit/>
+          </a:bodyPr>
+          <a:lstStyle/>
+          <a:p>
+            <a:pPr algn="just"/>
+            <a:r>
+              <a:rPr lang="es-ES" dirty="0" smtClean="0">
+                <a:solidFill>
+                  <a:srgbClr val="FF0000"/>
+                </a:solidFill>
+              </a:rPr>
+              <a:t>Para acceder a la aplicación Rstudio se utiliza el </a:t>
+            </a:r>
+          </a:p>
+          <a:p>
+            <a:pPr marL="285750" indent="-285750" algn="just">
+              <a:buFont typeface="Arial" panose="020B0604020202020204" pitchFamily="34" charset="0"/>
+              <a:buChar char="•"/>
+            </a:pPr>
+            <a:r>
+              <a:rPr lang="es-ES" dirty="0" smtClean="0">
+                <a:solidFill>
+                  <a:srgbClr val="FF0000"/>
+                </a:solidFill>
+              </a:rPr>
+              <a:t>username: infer </a:t>
+            </a:r>
+          </a:p>
+          <a:p>
+            <a:pPr marL="285750" indent="-285750" algn="just">
+              <a:buFont typeface="Arial" panose="020B0604020202020204" pitchFamily="34" charset="0"/>
+              <a:buChar char="•"/>
+            </a:pPr>
+            <a:r>
+              <a:rPr lang="es-ES" dirty="0" smtClean="0">
+                <a:solidFill>
+                  <a:srgbClr val="FF0000"/>
+                </a:solidFill>
+              </a:rPr>
+              <a:t>password: infer</a:t>
+            </a:r>
+          </a:p>
+          <a:p>
+            <a:pPr algn="just"/>
+            <a:endParaRPr lang="es-ES" dirty="0">
+              <a:solidFill>
+                <a:srgbClr val="FF0000"/>
+              </a:solidFill>
+            </a:endParaRPr>
+          </a:p>
+          <a:p>
+            <a:pPr algn="just"/>
+            <a:r>
+              <a:rPr lang="es-ES" dirty="0" smtClean="0">
+                <a:solidFill>
+                  <a:srgbClr val="FF0000"/>
+                </a:solidFill>
+              </a:rPr>
+              <a:t>Este password se puede cambiar siguiendo las instrucciones que aparecen en la web</a:t>
+            </a:r>
+          </a:p>
+        </p:txBody>
+      </p:sp>
+    </p:spTree>
+    <p:extLst>
+      <p:ext uri="{BB962C8B-B14F-4D97-AF65-F5344CB8AC3E}">
+        <p14:creationId xmlns:p14="http://schemas.microsoft.com/office/powerpoint/2010/main" val="1235298018"/>
+      </p:ext>
+    </p:extLst>
+  </p:cSld>
+  <p:clrMapOvr>
+    <a:masterClrMapping/>
+  </p:clrMapOvr>
+</p:sld>
+</file>
+
+<file path=ppt/slides/slide13.xml><?xml version="1.0" encoding="utf-8"?>
+<p:sld xmlns:a="http://schemas.openxmlformats.org/drawingml/2006/main" xmlns:r="http://schemas.openxmlformats.org/officeDocument/2006/relationships" xmlns:p="http://schemas.openxmlformats.org/presentationml/2006/main">
+  <p:cSld>
+    <p:spTree>
+      <p:nvGrpSpPr>
+        <p:cNvPr id="1" name=""/>
+        <p:cNvGrpSpPr/>
+        <p:nvPr/>
+      </p:nvGrpSpPr>
+      <p:grpSpPr>
+        <a:xfrm>
+          <a:off x="0" y="0"/>
+          <a:ext cx="0" cy="0"/>
+          <a:chOff x="0" y="0"/>
+          <a:chExt cx="0" cy="0"/>
+        </a:xfrm>
+      </p:grpSpPr>
+      <p:pic>
+        <p:nvPicPr>
+          <p:cNvPr id="4098" name="Picture 2" descr="E:\docencia_investigacion\Git_repos\REPOS_R\R_practicas_inferencia\images\rstudio.png"/>
+          <p:cNvPicPr>
+            <a:picLocks noChangeAspect="1" noChangeArrowheads="1"/>
+          </p:cNvPicPr>
+          <p:nvPr/>
+        </p:nvPicPr>
+        <p:blipFill>
+          <a:blip r:embed="rId2">
+            <a:extLst>
+              <a:ext uri="{28A0092B-C50C-407E-A947-70E740481C1C}">
+                <a14:useLocalDpi xmlns:a14="http://schemas.microsoft.com/office/drawing/2010/main" val="0"/>
+              </a:ext>
+            </a:extLst>
+          </a:blip>
+          <a:srcRect/>
+          <a:stretch>
+            <a:fillRect/>
+          </a:stretch>
+        </p:blipFill>
+        <p:spPr bwMode="auto">
+          <a:xfrm>
+            <a:off x="107504" y="271739"/>
+            <a:ext cx="8806316" cy="6037581"/>
+          </a:xfrm>
+          <a:prstGeom prst="rect">
+            <a:avLst/>
+          </a:prstGeom>
+          <a:noFill/>
+          <a:extLst>
+            <a:ext uri="{909E8E84-426E-40DD-AFC4-6F175D3DCCD1}">
+              <a14:hiddenFill xmlns:a14="http://schemas.microsoft.com/office/drawing/2010/main">
+                <a:solidFill>
+                  <a:srgbClr val="FFFFFF"/>
+                </a:solidFill>
+              </a14:hiddenFill>
+            </a:ext>
+          </a:extLst>
+        </p:spPr>
+      </p:pic>
+      <p:sp>
+        <p:nvSpPr>
+          <p:cNvPr id="3" name="2 CuadroTexto"/>
+          <p:cNvSpPr txBox="1"/>
+          <p:nvPr/>
+        </p:nvSpPr>
+        <p:spPr>
+          <a:xfrm>
+            <a:off x="1573171" y="544622"/>
+            <a:ext cx="1266693" cy="261610"/>
+          </a:xfrm>
+          <a:prstGeom prst="rect">
+            <a:avLst/>
+          </a:prstGeom>
+          <a:solidFill>
+            <a:schemeClr val="bg1">
+              <a:lumMod val="95000"/>
+            </a:schemeClr>
+          </a:solidFill>
+        </p:spPr>
+        <p:txBody>
+          <a:bodyPr wrap="none" rtlCol="0">
+            <a:spAutoFit/>
+          </a:bodyPr>
+          <a:lstStyle/>
+          <a:p>
+            <a:r>
+              <a:rPr lang="es-ES" sz="1100" b="1" dirty="0" smtClean="0"/>
+              <a:t>10.6.128.255:8087</a:t>
+            </a:r>
+            <a:endParaRPr lang="es-ES" sz="1100" b="1" dirty="0"/>
+          </a:p>
+        </p:txBody>
+      </p:sp>
+      <p:sp>
+        <p:nvSpPr>
+          <p:cNvPr id="4" name="3 CuadroTexto"/>
+          <p:cNvSpPr txBox="1"/>
+          <p:nvPr/>
+        </p:nvSpPr>
+        <p:spPr>
+          <a:xfrm>
+            <a:off x="899593" y="2383720"/>
+            <a:ext cx="3816423" cy="1477328"/>
+          </a:xfrm>
+          <a:prstGeom prst="rect">
+            <a:avLst/>
+          </a:prstGeom>
+          <a:noFill/>
+        </p:spPr>
+        <p:txBody>
+          <a:bodyPr wrap="square" rtlCol="0">
+            <a:spAutoFit/>
+          </a:bodyPr>
+          <a:lstStyle/>
+          <a:p>
+            <a:r>
+              <a:rPr lang="es-ES" dirty="0" smtClean="0">
+                <a:solidFill>
+                  <a:srgbClr val="FF0000"/>
+                </a:solidFill>
+              </a:rPr>
+              <a:t>Este es el entorno de Rstudio en la nube que podrás utilizar durante el curso en esta asignatura.</a:t>
+            </a:r>
+          </a:p>
+          <a:p>
+            <a:r>
+              <a:rPr lang="es-ES" dirty="0" smtClean="0">
+                <a:solidFill>
+                  <a:srgbClr val="FF0000"/>
+                </a:solidFill>
+              </a:rPr>
+              <a:t>Cuando acabes la práctica puedes cerrar las pestañas del navegador.</a:t>
+            </a:r>
+            <a:endParaRPr lang="es-ES" dirty="0">
+              <a:solidFill>
+                <a:srgbClr val="FF0000"/>
+              </a:solidFill>
+            </a:endParaRPr>
+          </a:p>
+        </p:txBody>
+      </p:sp>
+      <p:cxnSp>
+        <p:nvCxnSpPr>
+          <p:cNvPr id="5" name="4 Conector recto de flecha"/>
+          <p:cNvCxnSpPr/>
+          <p:nvPr/>
+        </p:nvCxnSpPr>
+        <p:spPr>
+          <a:xfrm flipV="1">
+            <a:off x="3611646" y="476672"/>
+            <a:ext cx="1536418" cy="1842760"/>
+          </a:xfrm>
+          <a:prstGeom prst="straightConnector1">
+            <a:avLst/>
+          </a:prstGeom>
+          <a:ln>
+            <a:tailEnd type="arrow"/>
+          </a:ln>
+        </p:spPr>
+        <p:style>
+          <a:lnRef idx="1">
+            <a:schemeClr val="accent1"/>
+          </a:lnRef>
+          <a:fillRef idx="0">
+            <a:schemeClr val="accent1"/>
+          </a:fillRef>
+          <a:effectRef idx="0">
+            <a:schemeClr val="accent1"/>
+          </a:effectRef>
+          <a:fontRef idx="minor">
+            <a:schemeClr val="tx1"/>
+          </a:fontRef>
+        </p:style>
+      </p:cxnSp>
+      <p:cxnSp>
+        <p:nvCxnSpPr>
+          <p:cNvPr id="7" name="6 Conector recto de flecha"/>
+          <p:cNvCxnSpPr/>
+          <p:nvPr/>
+        </p:nvCxnSpPr>
+        <p:spPr>
+          <a:xfrm flipV="1">
+            <a:off x="2987824" y="544622"/>
+            <a:ext cx="432048" cy="1732250"/>
+          </a:xfrm>
+          <a:prstGeom prst="straightConnector1">
+            <a:avLst/>
+          </a:prstGeom>
+          <a:ln>
+            <a:tailEnd type="arrow"/>
+          </a:ln>
+        </p:spPr>
+        <p:style>
+          <a:lnRef idx="1">
+            <a:schemeClr val="accent1"/>
+          </a:lnRef>
+          <a:fillRef idx="0">
+            <a:schemeClr val="accent1"/>
+          </a:fillRef>
+          <a:effectRef idx="0">
+            <a:schemeClr val="accent1"/>
+          </a:effectRef>
+          <a:fontRef idx="minor">
+            <a:schemeClr val="tx1"/>
+          </a:fontRef>
+        </p:style>
+      </p:cxnSp>
+      <p:cxnSp>
+        <p:nvCxnSpPr>
+          <p:cNvPr id="9" name="8 Conector recto de flecha"/>
+          <p:cNvCxnSpPr/>
+          <p:nvPr/>
+        </p:nvCxnSpPr>
+        <p:spPr>
+          <a:xfrm flipH="1" flipV="1">
+            <a:off x="1691681" y="476672"/>
+            <a:ext cx="792087" cy="1800200"/>
+          </a:xfrm>
+          <a:prstGeom prst="straightConnector1">
+            <a:avLst/>
+          </a:prstGeom>
+          <a:ln>
+            <a:tailEnd type="arrow"/>
+          </a:ln>
+        </p:spPr>
+        <p:style>
+          <a:lnRef idx="1">
+            <a:schemeClr val="accent1"/>
+          </a:lnRef>
+          <a:fillRef idx="0">
+            <a:schemeClr val="accent1"/>
+          </a:fillRef>
+          <a:effectRef idx="0">
+            <a:schemeClr val="accent1"/>
+          </a:effectRef>
+          <a:fontRef idx="minor">
+            <a:schemeClr val="tx1"/>
+          </a:fontRef>
+        </p:style>
+      </p:cxnSp>
+    </p:spTree>
+    <p:extLst>
+      <p:ext uri="{BB962C8B-B14F-4D97-AF65-F5344CB8AC3E}">
+        <p14:creationId xmlns:p14="http://schemas.microsoft.com/office/powerpoint/2010/main" val="1301546952"/>
+      </p:ext>
+    </p:extLst>
+  </p:cSld>
+  <p:clrMapOvr>
+    <a:masterClrMapping/>
+  </p:clrMapOvr>
+</p:sld>
+</file>
+
+<file path=ppt/slides/slide14.xml><?xml version="1.0" encoding="utf-8"?>
+<p:sld xmlns:a="http://schemas.openxmlformats.org/drawingml/2006/main" xmlns:r="http://schemas.openxmlformats.org/officeDocument/2006/relationships" xmlns:p="http://schemas.openxmlformats.org/presentationml/2006/main">
+  <p:cSld>
+    <p:spTree>
+      <p:nvGrpSpPr>
+        <p:cNvPr id="1" name=""/>
+        <p:cNvGrpSpPr/>
+        <p:nvPr/>
+      </p:nvGrpSpPr>
+      <p:grpSpPr>
+        <a:xfrm>
+          <a:off x="0" y="0"/>
+          <a:ext cx="0" cy="0"/>
+          <a:chOff x="0" y="0"/>
+          <a:chExt cx="0" cy="0"/>
+        </a:xfrm>
+      </p:grpSpPr>
+      <p:pic>
+        <p:nvPicPr>
+          <p:cNvPr id="3074" name="Picture 2" descr="E:\docencia_investigacion\Git_repos\REPOS_R\R_practicas_inferencia\images\virt_machine_started.png"/>
+          <p:cNvPicPr>
+            <a:picLocks noChangeAspect="1" noChangeArrowheads="1"/>
+          </p:cNvPicPr>
+          <p:nvPr/>
+        </p:nvPicPr>
+        <p:blipFill>
+          <a:blip r:embed="rId2">
+            <a:extLst>
+              <a:ext uri="{28A0092B-C50C-407E-A947-70E740481C1C}">
+                <a14:useLocalDpi xmlns:a14="http://schemas.microsoft.com/office/drawing/2010/main" val="0"/>
+              </a:ext>
+            </a:extLst>
+          </a:blip>
+          <a:srcRect/>
+          <a:stretch>
+            <a:fillRect/>
+          </a:stretch>
+        </p:blipFill>
+        <p:spPr bwMode="auto">
+          <a:xfrm>
+            <a:off x="179512" y="620689"/>
+            <a:ext cx="8784976" cy="5688632"/>
+          </a:xfrm>
+          <a:prstGeom prst="rect">
+            <a:avLst/>
+          </a:prstGeom>
+          <a:noFill/>
+          <a:extLst>
+            <a:ext uri="{909E8E84-426E-40DD-AFC4-6F175D3DCCD1}">
+              <a14:hiddenFill xmlns:a14="http://schemas.microsoft.com/office/drawing/2010/main">
+                <a:solidFill>
+                  <a:srgbClr val="FFFFFF"/>
+                </a:solidFill>
+              </a14:hiddenFill>
+            </a:ext>
+          </a:extLst>
+        </p:spPr>
+      </p:pic>
+      <p:sp>
+        <p:nvSpPr>
+          <p:cNvPr id="3" name="2 CuadroTexto"/>
+          <p:cNvSpPr txBox="1"/>
+          <p:nvPr/>
+        </p:nvSpPr>
+        <p:spPr>
+          <a:xfrm>
+            <a:off x="35496" y="3789040"/>
+            <a:ext cx="3024336" cy="2862322"/>
+          </a:xfrm>
+          <a:prstGeom prst="rect">
+            <a:avLst/>
+          </a:prstGeom>
+          <a:noFill/>
+        </p:spPr>
+        <p:txBody>
+          <a:bodyPr wrap="square" rtlCol="0">
+            <a:spAutoFit/>
+          </a:bodyPr>
+          <a:lstStyle/>
+          <a:p>
+            <a:pPr algn="just"/>
+            <a:r>
+              <a:rPr lang="es-ES" dirty="0" smtClean="0">
+                <a:solidFill>
+                  <a:srgbClr val="FF0000"/>
+                </a:solidFill>
+              </a:rPr>
+              <a:t>Al finalizar la práctica se recomienda apagar la máquina virtual para evitar saturar este servicio que usan otros alumnos de la universidad.</a:t>
+            </a:r>
+          </a:p>
+          <a:p>
+            <a:pPr algn="just"/>
+            <a:r>
+              <a:rPr lang="es-ES" dirty="0" smtClean="0">
+                <a:solidFill>
+                  <a:srgbClr val="FF0000"/>
+                </a:solidFill>
+              </a:rPr>
+              <a:t>La próxima vez que necesitemos utilizar la máquina repetimos los pasos que hemos seguido aquí.</a:t>
+            </a:r>
+            <a:endParaRPr lang="es-ES" dirty="0">
+              <a:solidFill>
+                <a:srgbClr val="FF0000"/>
+              </a:solidFill>
+            </a:endParaRPr>
+          </a:p>
+        </p:txBody>
+      </p:sp>
+      <p:sp>
+        <p:nvSpPr>
+          <p:cNvPr id="6" name="5 CuadroTexto"/>
+          <p:cNvSpPr txBox="1"/>
+          <p:nvPr/>
+        </p:nvSpPr>
+        <p:spPr>
+          <a:xfrm>
+            <a:off x="4644008" y="3192193"/>
+            <a:ext cx="1007007" cy="276999"/>
+          </a:xfrm>
+          <a:prstGeom prst="rect">
+            <a:avLst/>
+          </a:prstGeom>
+          <a:solidFill>
+            <a:schemeClr val="bg1"/>
+          </a:solidFill>
+        </p:spPr>
+        <p:txBody>
+          <a:bodyPr wrap="none" rtlCol="0">
+            <a:spAutoFit/>
+          </a:bodyPr>
+          <a:lstStyle/>
+          <a:p>
+            <a:r>
+              <a:rPr lang="es-ES" sz="1200" dirty="0" smtClean="0"/>
+              <a:t>10.6.128.255</a:t>
+            </a:r>
+            <a:endParaRPr lang="es-ES" sz="1200" dirty="0"/>
+          </a:p>
+        </p:txBody>
+      </p:sp>
+      <p:sp>
+        <p:nvSpPr>
+          <p:cNvPr id="2" name="1 Elipse"/>
+          <p:cNvSpPr/>
+          <p:nvPr/>
+        </p:nvSpPr>
+        <p:spPr>
+          <a:xfrm>
+            <a:off x="6804248" y="1556792"/>
+            <a:ext cx="648072" cy="432048"/>
+          </a:xfrm>
+          <a:prstGeom prst="ellipse">
+            <a:avLst/>
+          </a:prstGeom>
+          <a:noFill/>
+          <a:ln>
+            <a:solidFill>
+              <a:srgbClr val="FF0000"/>
+            </a:solidFill>
+          </a:ln>
+        </p:spPr>
+        <p:style>
+          <a:lnRef idx="2">
+            <a:schemeClr val="accent1">
+              <a:shade val="50000"/>
+            </a:schemeClr>
+          </a:lnRef>
+          <a:fillRef idx="1">
+            <a:schemeClr val="accent1"/>
+          </a:fillRef>
+          <a:effectRef idx="0">
+            <a:schemeClr val="accent1"/>
+          </a:effectRef>
+          <a:fontRef idx="minor">
+            <a:schemeClr val="lt1"/>
+          </a:fontRef>
+        </p:style>
+        <p:txBody>
+          <a:bodyPr rtlCol="0" anchor="ctr"/>
+          <a:lstStyle/>
+          <a:p>
+            <a:pPr algn="ctr"/>
+            <a:endParaRPr lang="es-ES"/>
+          </a:p>
+        </p:txBody>
+      </p:sp>
+      <p:cxnSp>
+        <p:nvCxnSpPr>
+          <p:cNvPr id="5" name="4 Conector recto de flecha"/>
+          <p:cNvCxnSpPr/>
+          <p:nvPr/>
+        </p:nvCxnSpPr>
+        <p:spPr>
+          <a:xfrm flipV="1">
+            <a:off x="2627784" y="1916832"/>
+            <a:ext cx="4176464" cy="1872208"/>
+          </a:xfrm>
+          <a:prstGeom prst="straightConnector1">
+            <a:avLst/>
+          </a:prstGeom>
+          <a:ln>
+            <a:tailEnd type="arrow"/>
+          </a:ln>
+        </p:spPr>
+        <p:style>
+          <a:lnRef idx="1">
+            <a:schemeClr val="accent1"/>
+          </a:lnRef>
+          <a:fillRef idx="0">
+            <a:schemeClr val="accent1"/>
+          </a:fillRef>
+          <a:effectRef idx="0">
+            <a:schemeClr val="accent1"/>
+          </a:effectRef>
+          <a:fontRef idx="minor">
+            <a:schemeClr val="tx1"/>
+          </a:fontRef>
+        </p:style>
+      </p:cxnSp>
+    </p:spTree>
+    <p:extLst>
+      <p:ext uri="{BB962C8B-B14F-4D97-AF65-F5344CB8AC3E}">
+        <p14:creationId xmlns:p14="http://schemas.microsoft.com/office/powerpoint/2010/main" val="3431569138"/>
+      </p:ext>
+    </p:extLst>
+  </p:cSld>
+  <p:clrMapOvr>
+    <a:masterClrMapping/>
+  </p:clrMapOvr>
+</p:sld>
+</file>
+
 <file path=ppt/slides/slide2.xml><?xml version="1.0" encoding="utf-8"?>
 <p:sld xmlns:a="http://schemas.openxmlformats.org/drawingml/2006/main" xmlns:r="http://schemas.openxmlformats.org/officeDocument/2006/relationships" xmlns:p="http://schemas.openxmlformats.org/presentationml/2006/main">
   <p:cSld>
@@ -3538,7 +4911,7 @@
       </p:grpSpPr>
       <p:pic>
         <p:nvPicPr>
-          <p:cNvPr id="5123" name="Picture 3" descr="E:\docencia_investigacion\Git_repos\REPOS_R\R_practicas_inferencia\images\autentificado.png"/>
+          <p:cNvPr id="2050" name="Picture 2"/>
           <p:cNvPicPr>
             <a:picLocks noChangeAspect="1" noChangeArrowheads="1"/>
           </p:cNvPicPr>
@@ -3559,21 +4932,34 @@
         </p:blipFill>
         <p:spPr bwMode="auto">
           <a:xfrm>
-            <a:off x="107504" y="75104"/>
-            <a:ext cx="8702207" cy="6673937"/>
+            <a:off x="323528" y="116632"/>
+            <a:ext cx="8266886" cy="6597352"/>
           </a:xfrm>
           <a:prstGeom prst="rect">
             <a:avLst/>
           </a:prstGeom>
           <a:noFill/>
+          <a:ln>
+            <a:noFill/>
+          </a:ln>
           <a:extLst>
             <a:ext uri="{909E8E84-426E-40DD-AFC4-6F175D3DCCD1}">
               <a14:hiddenFill xmlns:a14="http://schemas.microsoft.com/office/drawing/2010/main">
                 <a:solidFill>
-                  <a:srgbClr val="FFFFFF"/>
+                  <a:schemeClr val="accent1"/>
                 </a:solidFill>
               </a14:hiddenFill>
             </a:ext>
+            <a:ext uri="{91240B29-F687-4F45-9708-019B960494DF}">
+              <a14:hiddenLine xmlns:a14="http://schemas.microsoft.com/office/drawing/2010/main" w="9525">
+                <a:solidFill>
+                  <a:schemeClr val="tx1"/>
+                </a:solidFill>
+                <a:miter lim="800000"/>
+                <a:headEnd/>
+                <a:tailEnd/>
+              </a14:hiddenLine>
+            </a:ext>
           </a:extLst>
         </p:spPr>
       </p:pic>
@@ -3585,8 +4971,8 @@
         </p:nvSpPr>
         <p:spPr>
           <a:xfrm>
-            <a:off x="1043608" y="60307"/>
-            <a:ext cx="1368152" cy="252029"/>
+            <a:off x="1259632" y="44624"/>
+            <a:ext cx="1872208" cy="432048"/>
           </a:xfrm>
           <a:prstGeom prst="ellipse">
             <a:avLst/>
@@ -3631,8 +5017,8 @@
         </p:nvSpPr>
         <p:spPr>
           <a:xfrm>
-            <a:off x="179513" y="1556792"/>
-            <a:ext cx="3600400" cy="2308324"/>
+            <a:off x="5148064" y="3437940"/>
+            <a:ext cx="3816424" cy="1200329"/>
           </a:xfrm>
           <a:prstGeom prst="rect">
             <a:avLst/>
@@ -3652,18 +5038,23 @@
                   <a:srgbClr val="FF0000"/>
                 </a:solidFill>
               </a:rPr>
-              <a:t>Abrir un navegador web.</a:t>
-            </a:r>
-          </a:p>
-          <a:p>
-            <a:pPr algn="just"/>
+              <a:t>Abrir un navegador </a:t>
+            </a:r>
             <a:r>
               <a:rPr lang="es-ES" dirty="0" smtClean="0">
                 <a:solidFill>
                   <a:srgbClr val="FF0000"/>
                 </a:solidFill>
               </a:rPr>
-              <a:t>Acceder al campus virtual de la asignatura o bien a la dirección </a:t>
+              <a:t>web y acceder a </a:t>
+            </a:r>
+            <a:r>
+              <a:rPr lang="es-ES" dirty="0" smtClean="0">
+                <a:solidFill>
+                  <a:srgbClr val="FF0000"/>
+                </a:solidFill>
+              </a:rPr>
+              <a:t>la dirección </a:t>
             </a:r>
             <a:r>
               <a:rPr lang="es-ES" dirty="0" smtClean="0">
@@ -3672,21 +5063,48 @@
                 </a:solidFill>
                 <a:hlinkClick r:id="rId3"/>
               </a:rPr>
-              <a:t>http://acceso.ull.es</a:t>
+              <a:t>http</a:t>
             </a:r>
             <a:r>
               <a:rPr lang="es-ES" dirty="0" smtClean="0">
                 <a:solidFill>
                   <a:srgbClr val="FF0000"/>
                 </a:solidFill>
+                <a:hlinkClick r:id="rId3"/>
               </a:rPr>
-              <a:t> y comprobar que estás autentificado. En caso contrario, autentificarse ya que, de lo contrario, no podrás hacer los siguientes pasos.</a:t>
-            </a:r>
-            <a:endParaRPr lang="es-ES" dirty="0">
-              <a:solidFill>
-                <a:srgbClr val="FF0000"/>
-              </a:solidFill>
-            </a:endParaRPr>
+              <a:t>://</a:t>
+            </a:r>
+            <a:r>
+              <a:rPr lang="es-ES" dirty="0" smtClean="0">
+                <a:solidFill>
+                  <a:srgbClr val="FF0000"/>
+                </a:solidFill>
+                <a:hlinkClick r:id="rId3"/>
+              </a:rPr>
+              <a:t>usuarios</a:t>
+            </a:r>
+            <a:r>
+              <a:rPr lang="es-ES" dirty="0" smtClean="0">
+                <a:solidFill>
+                  <a:srgbClr val="FF0000"/>
+                </a:solidFill>
+                <a:hlinkClick r:id="rId3"/>
+              </a:rPr>
+              <a:t>.ull.es/vpn</a:t>
+            </a:r>
+            <a:r>
+              <a:rPr lang="es-ES" dirty="0" smtClean="0">
+                <a:solidFill>
+                  <a:srgbClr val="FF0000"/>
+                </a:solidFill>
+              </a:rPr>
+              <a:t>. Hacer click en </a:t>
+            </a:r>
+            <a:r>
+              <a:rPr lang="es-ES" dirty="0" smtClean="0"/>
+              <a:t>Servicio de VPN de la ULL</a:t>
+            </a:r>
+            <a:endParaRPr lang="es-ES" dirty="0"/>
           </a:p>
         </p:txBody>
       </p:sp>
@@ -3697,9 +5115,9 @@
           <p:nvPr/>
         </p:nvCxnSpPr>
         <p:spPr>
-          <a:xfrm flipV="1">
-            <a:off x="1331640" y="404664"/>
-            <a:ext cx="288032" cy="1080120"/>
+          <a:xfrm flipH="1" flipV="1">
+            <a:off x="1979713" y="312336"/>
+            <a:ext cx="3168351" cy="3188672"/>
           </a:xfrm>
           <a:prstGeom prst="straightConnector1">
             <a:avLst/>
@@ -3723,10 +5141,89 @@
           </a:fontRef>
         </p:style>
       </p:cxnSp>
+      <p:cxnSp>
+        <p:nvCxnSpPr>
+          <p:cNvPr id="9" name="8 Conector recto de flecha"/>
+          <p:cNvCxnSpPr/>
+          <p:nvPr/>
+        </p:nvCxnSpPr>
+        <p:spPr>
+          <a:xfrm flipH="1">
+            <a:off x="5004048" y="4581128"/>
+            <a:ext cx="296417" cy="288032"/>
+          </a:xfrm>
+          <a:prstGeom prst="straightConnector1">
+            <a:avLst/>
+          </a:prstGeom>
+          <a:ln>
+            <a:tailEnd type="arrow"/>
+          </a:ln>
+        </p:spPr>
+        <p:style>
+          <a:lnRef idx="1">
+            <a:schemeClr val="accent1"/>
+          </a:lnRef>
+          <a:fillRef idx="0">
+            <a:schemeClr val="accent1"/>
+          </a:fillRef>
+          <a:effectRef idx="0">
+            <a:schemeClr val="accent1"/>
+          </a:effectRef>
+          <a:fontRef idx="minor">
+            <a:schemeClr val="tx1"/>
+          </a:fontRef>
+        </p:style>
+      </p:cxnSp>
+      <p:sp>
+        <p:nvSpPr>
+          <p:cNvPr id="11" name="10 Elipse"/>
+          <p:cNvSpPr/>
+          <p:nvPr/>
+        </p:nvSpPr>
+        <p:spPr>
+          <a:xfrm>
+            <a:off x="2195736" y="4869160"/>
+            <a:ext cx="3024336" cy="432048"/>
+          </a:xfrm>
+          <a:prstGeom prst="ellipse">
+            <a:avLst/>
+          </a:prstGeom>
+          <a:noFill/>
+          <a:ln>
+            <a:solidFill>
+              <a:srgbClr val="FF0000"/>
+            </a:solidFill>
+          </a:ln>
+        </p:spPr>
+        <p:style>
+          <a:lnRef idx="2">
+            <a:schemeClr val="accent1">
+              <a:shade val="50000"/>
+            </a:schemeClr>
+          </a:lnRef>
+          <a:fillRef idx="1">
+            <a:schemeClr val="accent1"/>
+          </a:fillRef>
+          <a:effectRef idx="0">
+            <a:schemeClr val="accent1"/>
+          </a:effectRef>
+          <a:fontRef idx="minor">
+            <a:schemeClr val="lt1"/>
+          </a:fontRef>
+        </p:style>
+        <p:txBody>
+          <a:bodyPr rtlCol="0" anchor="ctr"/>
+          <a:lstStyle/>
+          <a:p>
+            <a:pPr algn="ctr"/>
+            <a:endParaRPr lang="es-ES"/>
+          </a:p>
+        </p:txBody>
+      </p:sp>
     </p:spTree>
     <p:extLst>
       <p:ext uri="{BB962C8B-B14F-4D97-AF65-F5344CB8AC3E}">
-        <p14:creationId xmlns:p14="http://schemas.microsoft.com/office/powerpoint/2010/main" val="1489948912"/>
+        <p14:creationId xmlns:p14="http://schemas.microsoft.com/office/powerpoint/2010/main" val="2806353274"/>
       </p:ext>
     </p:extLst>
   </p:cSld>
@@ -3755,7 +5252,7 @@
       </p:grpSpPr>
       <p:pic>
         <p:nvPicPr>
-          <p:cNvPr id="1026" name="Picture 2" descr="E:\docencia_investigacion\Git_repos\REPOS_R\R_practicas_inferencia\images\iaas_web.png"/>
+          <p:cNvPr id="1026" name="Picture 2"/>
           <p:cNvPicPr>
             <a:picLocks noChangeAspect="1" noChangeArrowheads="1"/>
           </p:cNvPicPr>
@@ -3776,34 +5273,47 @@
         </p:blipFill>
         <p:spPr bwMode="auto">
           <a:xfrm>
-            <a:off x="323528" y="188640"/>
-            <a:ext cx="8195217" cy="6386398"/>
+            <a:off x="820008" y="116632"/>
+            <a:ext cx="7352392" cy="6539640"/>
           </a:xfrm>
           <a:prstGeom prst="rect">
             <a:avLst/>
           </a:prstGeom>
           <a:noFill/>
+          <a:ln>
+            <a:noFill/>
+          </a:ln>
           <a:extLst>
             <a:ext uri="{909E8E84-426E-40DD-AFC4-6F175D3DCCD1}">
               <a14:hiddenFill xmlns:a14="http://schemas.microsoft.com/office/drawing/2010/main">
                 <a:solidFill>
-                  <a:srgbClr val="FFFFFF"/>
+                  <a:schemeClr val="accent1"/>
                 </a:solidFill>
               </a14:hiddenFill>
             </a:ext>
+            <a:ext uri="{91240B29-F687-4F45-9708-019B960494DF}">
+              <a14:hiddenLine xmlns:a14="http://schemas.microsoft.com/office/drawing/2010/main" w="9525">
+                <a:solidFill>
+                  <a:schemeClr val="tx1"/>
+                </a:solidFill>
+                <a:miter lim="800000"/>
+                <a:headEnd/>
+                <a:tailEnd/>
+              </a14:hiddenLine>
+            </a:ext>
           </a:extLst>
         </p:spPr>
       </p:pic>
       <p:sp>
         <p:nvSpPr>
-          <p:cNvPr id="2" name="1 CuadroTexto"/>
+          <p:cNvPr id="5" name="4 CuadroTexto"/>
           <p:cNvSpPr txBox="1"/>
           <p:nvPr/>
         </p:nvSpPr>
         <p:spPr>
           <a:xfrm>
-            <a:off x="1702728" y="4633684"/>
-            <a:ext cx="1431802" cy="369332"/>
+            <a:off x="179513" y="1796623"/>
+            <a:ext cx="3600400" cy="1200329"/>
           </a:xfrm>
           <a:prstGeom prst="rect">
             <a:avLst/>
@@ -3811,18 +5321,19 @@
           <a:noFill/>
         </p:spPr>
         <p:txBody>
-          <a:bodyPr wrap="none" rtlCol="0">
+          <a:bodyPr wrap="square" rtlCol="0">
             <a:spAutoFit/>
           </a:bodyPr>
           <a:lstStyle/>
           <a:p>
-            <a:r>
-              <a:rPr lang="es-ES" dirty="0" err="1" smtClean="0">
+            <a:pPr algn="just"/>
+            <a:r>
+              <a:rPr lang="es-ES" dirty="0" smtClean="0">
                 <a:solidFill>
                   <a:srgbClr val="FF0000"/>
                 </a:solidFill>
               </a:rPr>
-              <a:t>aluXXXXXXXX</a:t>
+              <a:t>Seguir las instrucciones de las Guías de configuración para instalar el cliente VPN que permite hacer una conexión a ULL</a:t>
             </a:r>
             <a:endParaRPr lang="es-ES" dirty="0">
               <a:solidFill>
@@ -3832,214 +5343,10 @@
           </a:p>
         </p:txBody>
       </p:sp>
-      <p:sp>
-        <p:nvSpPr>
-          <p:cNvPr id="4" name="3 CuadroTexto"/>
-          <p:cNvSpPr txBox="1"/>
-          <p:nvPr/>
-        </p:nvSpPr>
-        <p:spPr>
-          <a:xfrm>
-            <a:off x="1700038" y="5003884"/>
-            <a:ext cx="1454244" cy="369332"/>
-          </a:xfrm>
-          <a:prstGeom prst="rect">
-            <a:avLst/>
-          </a:prstGeom>
-          <a:noFill/>
-        </p:spPr>
-        <p:txBody>
-          <a:bodyPr wrap="none" rtlCol="0">
-            <a:spAutoFit/>
-          </a:bodyPr>
-          <a:lstStyle/>
-          <a:p>
-            <a:r>
-              <a:rPr lang="es-ES" dirty="0" smtClean="0">
-                <a:solidFill>
-                  <a:srgbClr val="FF0000"/>
-                </a:solidFill>
-              </a:rPr>
-              <a:t>***********</a:t>
-            </a:r>
-            <a:endParaRPr lang="es-ES" dirty="0">
-              <a:solidFill>
-                <a:srgbClr val="FF0000"/>
-              </a:solidFill>
-            </a:endParaRPr>
-          </a:p>
-        </p:txBody>
-      </p:sp>
-      <p:sp>
-        <p:nvSpPr>
-          <p:cNvPr id="5" name="4 Elipse"/>
-          <p:cNvSpPr/>
-          <p:nvPr/>
-        </p:nvSpPr>
-        <p:spPr>
-          <a:xfrm>
-            <a:off x="1115616" y="204323"/>
-            <a:ext cx="1368152" cy="252029"/>
-          </a:xfrm>
-          <a:prstGeom prst="ellipse">
-            <a:avLst/>
-          </a:prstGeom>
-          <a:noFill/>
-          <a:ln>
-            <a:solidFill>
-              <a:srgbClr val="FF0000"/>
-            </a:solidFill>
-          </a:ln>
-        </p:spPr>
-        <p:style>
-          <a:lnRef idx="2">
-            <a:schemeClr val="accent1">
-              <a:shade val="50000"/>
-            </a:schemeClr>
-          </a:lnRef>
-          <a:fillRef idx="1">
-            <a:schemeClr val="accent1"/>
-          </a:fillRef>
-          <a:effectRef idx="0">
-            <a:schemeClr val="accent1"/>
-          </a:effectRef>
-          <a:fontRef idx="minor">
-            <a:schemeClr val="lt1"/>
-          </a:fontRef>
-        </p:style>
-        <p:txBody>
-          <a:bodyPr rtlCol="0" anchor="ctr"/>
-          <a:lstStyle/>
-          <a:p>
-            <a:pPr algn="ctr"/>
-            <a:endParaRPr lang="es-ES"/>
-          </a:p>
-        </p:txBody>
-      </p:sp>
-      <p:cxnSp>
-        <p:nvCxnSpPr>
-          <p:cNvPr id="6" name="5 Conector recto de flecha"/>
-          <p:cNvCxnSpPr/>
-          <p:nvPr/>
-        </p:nvCxnSpPr>
-        <p:spPr>
-          <a:xfrm flipV="1">
-            <a:off x="1403648" y="548680"/>
-            <a:ext cx="288032" cy="1080120"/>
-          </a:xfrm>
-          <a:prstGeom prst="straightConnector1">
-            <a:avLst/>
-          </a:prstGeom>
-          <a:ln>
-            <a:tailEnd type="arrow"/>
-          </a:ln>
-        </p:spPr>
-        <p:style>
-          <a:lnRef idx="1">
-            <a:schemeClr val="accent1"/>
-          </a:lnRef>
-          <a:fillRef idx="0">
-            <a:schemeClr val="accent1"/>
-          </a:fillRef>
-          <a:effectRef idx="0">
-            <a:schemeClr val="accent1"/>
-          </a:effectRef>
-          <a:fontRef idx="minor">
-            <a:schemeClr val="tx1"/>
-          </a:fontRef>
-        </p:style>
-      </p:cxnSp>
-      <p:sp>
-        <p:nvSpPr>
-          <p:cNvPr id="7" name="6 CuadroTexto"/>
-          <p:cNvSpPr txBox="1"/>
-          <p:nvPr/>
-        </p:nvSpPr>
-        <p:spPr>
-          <a:xfrm>
-            <a:off x="395537" y="1674674"/>
-            <a:ext cx="3816423" cy="923330"/>
-          </a:xfrm>
-          <a:prstGeom prst="rect">
-            <a:avLst/>
-          </a:prstGeom>
-          <a:noFill/>
-        </p:spPr>
-        <p:txBody>
-          <a:bodyPr wrap="square" rtlCol="0">
-            <a:spAutoFit/>
-          </a:bodyPr>
-          <a:lstStyle/>
-          <a:p>
-            <a:r>
-              <a:rPr lang="es-ES" dirty="0" smtClean="0">
-                <a:solidFill>
-                  <a:srgbClr val="FF0000"/>
-                </a:solidFill>
-              </a:rPr>
-              <a:t>Acceder a </a:t>
-            </a:r>
-            <a:r>
-              <a:rPr lang="es-ES" dirty="0" smtClean="0">
-                <a:solidFill>
-                  <a:srgbClr val="FFFF00"/>
-                </a:solidFill>
-              </a:rPr>
-              <a:t>http://iaas.ull.es </a:t>
-            </a:r>
-            <a:r>
-              <a:rPr lang="es-ES" dirty="0" smtClean="0">
-                <a:solidFill>
-                  <a:srgbClr val="FF0000"/>
-                </a:solidFill>
-              </a:rPr>
-              <a:t>y autentificarse también en esta pantalla.</a:t>
-            </a:r>
-            <a:endParaRPr lang="es-ES" dirty="0">
-              <a:solidFill>
-                <a:srgbClr val="FF0000"/>
-              </a:solidFill>
-            </a:endParaRPr>
-          </a:p>
-        </p:txBody>
-      </p:sp>
-      <p:cxnSp>
-        <p:nvCxnSpPr>
-          <p:cNvPr id="8" name="7 Conector recto de flecha"/>
-          <p:cNvCxnSpPr/>
-          <p:nvPr/>
-        </p:nvCxnSpPr>
-        <p:spPr>
-          <a:xfrm>
-            <a:off x="1403648" y="2598004"/>
-            <a:ext cx="372406" cy="2035680"/>
-          </a:xfrm>
-          <a:prstGeom prst="straightConnector1">
-            <a:avLst/>
-          </a:prstGeom>
-          <a:ln>
-            <a:tailEnd type="arrow"/>
-          </a:ln>
-        </p:spPr>
-        <p:style>
-          <a:lnRef idx="1">
-            <a:schemeClr val="accent1"/>
-          </a:lnRef>
-          <a:fillRef idx="0">
-            <a:schemeClr val="accent1"/>
-          </a:fillRef>
-          <a:effectRef idx="0">
-            <a:schemeClr val="accent1"/>
-          </a:effectRef>
-          <a:fontRef idx="minor">
-            <a:schemeClr val="tx1"/>
-          </a:fontRef>
-        </p:style>
-      </p:cxnSp>
     </p:spTree>
     <p:extLst>
       <p:ext uri="{BB962C8B-B14F-4D97-AF65-F5344CB8AC3E}">
-        <p14:creationId xmlns:p14="http://schemas.microsoft.com/office/powerpoint/2010/main" val="811849116"/>
+        <p14:creationId xmlns:p14="http://schemas.microsoft.com/office/powerpoint/2010/main" val="2867072199"/>
       </p:ext>
     </p:extLst>
   </p:cSld>
@@ -4068,7 +5375,7 @@
       </p:grpSpPr>
       <p:pic>
         <p:nvPicPr>
-          <p:cNvPr id="2050" name="Picture 2" descr="E:\docencia_investigacion\Git_repos\REPOS_R\R_practicas_inferencia\images\virt_machine.png"/>
+          <p:cNvPr id="3074" name="Picture 2"/>
           <p:cNvPicPr>
             <a:picLocks noChangeAspect="1" noChangeArrowheads="1"/>
           </p:cNvPicPr>
@@ -4089,34 +5396,47 @@
         </p:blipFill>
         <p:spPr bwMode="auto">
           <a:xfrm>
-            <a:off x="251520" y="548680"/>
-            <a:ext cx="8496944" cy="5970289"/>
+            <a:off x="35496" y="548680"/>
+            <a:ext cx="8950030" cy="5112568"/>
           </a:xfrm>
           <a:prstGeom prst="rect">
             <a:avLst/>
           </a:prstGeom>
           <a:noFill/>
+          <a:ln>
+            <a:noFill/>
+          </a:ln>
           <a:extLst>
             <a:ext uri="{909E8E84-426E-40DD-AFC4-6F175D3DCCD1}">
               <a14:hiddenFill xmlns:a14="http://schemas.microsoft.com/office/drawing/2010/main">
                 <a:solidFill>
-                  <a:srgbClr val="FFFFFF"/>
+                  <a:schemeClr val="accent1"/>
                 </a:solidFill>
               </a14:hiddenFill>
             </a:ext>
+            <a:ext uri="{91240B29-F687-4F45-9708-019B960494DF}">
+              <a14:hiddenLine xmlns:a14="http://schemas.microsoft.com/office/drawing/2010/main" w="9525">
+                <a:solidFill>
+                  <a:schemeClr val="tx1"/>
+                </a:solidFill>
+                <a:miter lim="800000"/>
+                <a:headEnd/>
+                <a:tailEnd/>
+              </a14:hiddenLine>
+            </a:ext>
           </a:extLst>
         </p:spPr>
       </p:pic>
       <p:sp>
         <p:nvSpPr>
-          <p:cNvPr id="2" name="1 CuadroTexto"/>
+          <p:cNvPr id="5" name="4 CuadroTexto"/>
           <p:cNvSpPr txBox="1"/>
           <p:nvPr/>
         </p:nvSpPr>
         <p:spPr>
           <a:xfrm>
-            <a:off x="3131841" y="3284984"/>
-            <a:ext cx="3816423" cy="923330"/>
+            <a:off x="4067944" y="764704"/>
+            <a:ext cx="3600400" cy="1754326"/>
           </a:xfrm>
           <a:prstGeom prst="rect">
             <a:avLst/>
@@ -4129,33 +5449,14 @@
           </a:bodyPr>
           <a:lstStyle/>
           <a:p>
+            <a:pPr algn="just"/>
             <a:r>
               <a:rPr lang="es-ES" dirty="0" smtClean="0">
                 <a:solidFill>
                   <a:srgbClr val="FF0000"/>
                 </a:solidFill>
               </a:rPr>
-              <a:t>Hacer click en “Ejecutar” y </a:t>
-            </a:r>
-          </a:p>
-          <a:p>
-            <a:r>
-              <a:rPr lang="es-ES" dirty="0" smtClean="0">
-                <a:solidFill>
-                  <a:srgbClr val="FF0000"/>
-                </a:solidFill>
-              </a:rPr>
-              <a:t>la máquina virtual comenzará a cargar</a:t>
-            </a:r>
-          </a:p>
-          <a:p>
-            <a:r>
-              <a:rPr lang="es-ES" dirty="0" smtClean="0">
-                <a:solidFill>
-                  <a:srgbClr val="FF0000"/>
-                </a:solidFill>
-              </a:rPr>
-              <a:t>PACIENCIA tarda un rato</a:t>
+              <a:t>Por ejemplo, para ordenadores Windows hay que instalar el cliente que corresponda a la versión de cada SO. En general, para sistemas desde Windows 7 en adelante, el cliente típico es el de 64 bits. </a:t>
             </a:r>
             <a:endParaRPr lang="es-ES" dirty="0">
               <a:solidFill>
@@ -4165,124 +5466,10 @@
           </a:p>
         </p:txBody>
       </p:sp>
-      <p:cxnSp>
-        <p:nvCxnSpPr>
-          <p:cNvPr id="4" name="3 Conector recto de flecha"/>
-          <p:cNvCxnSpPr/>
-          <p:nvPr/>
-        </p:nvCxnSpPr>
-        <p:spPr>
-          <a:xfrm flipH="1">
-            <a:off x="1763688" y="3533824"/>
-            <a:ext cx="1368153" cy="1839392"/>
-          </a:xfrm>
-          <a:prstGeom prst="straightConnector1">
-            <a:avLst/>
-          </a:prstGeom>
-          <a:ln>
-            <a:tailEnd type="arrow"/>
-          </a:ln>
-        </p:spPr>
-        <p:style>
-          <a:lnRef idx="1">
-            <a:schemeClr val="accent1"/>
-          </a:lnRef>
-          <a:fillRef idx="0">
-            <a:schemeClr val="accent1"/>
-          </a:fillRef>
-          <a:effectRef idx="0">
-            <a:schemeClr val="accent1"/>
-          </a:effectRef>
-          <a:fontRef idx="minor">
-            <a:schemeClr val="tx1"/>
-          </a:fontRef>
-        </p:style>
-      </p:cxnSp>
-      <p:cxnSp>
-        <p:nvCxnSpPr>
-          <p:cNvPr id="7" name="6 Conector recto de flecha"/>
-          <p:cNvCxnSpPr/>
-          <p:nvPr/>
-        </p:nvCxnSpPr>
-        <p:spPr>
-          <a:xfrm flipH="1" flipV="1">
-            <a:off x="5940152" y="2031230"/>
-            <a:ext cx="576064" cy="1613794"/>
-          </a:xfrm>
-          <a:prstGeom prst="straightConnector1">
-            <a:avLst/>
-          </a:prstGeom>
-          <a:ln>
-            <a:tailEnd type="arrow"/>
-          </a:ln>
-        </p:spPr>
-        <p:style>
-          <a:lnRef idx="1">
-            <a:schemeClr val="accent1"/>
-          </a:lnRef>
-          <a:fillRef idx="0">
-            <a:schemeClr val="accent1"/>
-          </a:fillRef>
-          <a:effectRef idx="0">
-            <a:schemeClr val="accent1"/>
-          </a:effectRef>
-          <a:fontRef idx="minor">
-            <a:schemeClr val="tx1"/>
-          </a:fontRef>
-        </p:style>
-      </p:cxnSp>
-      <p:sp>
-        <p:nvSpPr>
-          <p:cNvPr id="10" name="9 Rectángulo"/>
-          <p:cNvSpPr/>
-          <p:nvPr/>
-        </p:nvSpPr>
-        <p:spPr>
-          <a:xfrm>
-            <a:off x="2051720" y="950248"/>
-            <a:ext cx="1224136" cy="144016"/>
-          </a:xfrm>
-          <a:prstGeom prst="rect">
-            <a:avLst/>
-          </a:prstGeom>
-          <a:solidFill>
-            <a:schemeClr val="bg1">
-              <a:lumMod val="95000"/>
-            </a:schemeClr>
-          </a:solidFill>
-          <a:ln>
-            <a:noFill/>
-          </a:ln>
-        </p:spPr>
-        <p:style>
-          <a:lnRef idx="2">
-            <a:schemeClr val="accent1">
-              <a:shade val="50000"/>
-            </a:schemeClr>
-          </a:lnRef>
-          <a:fillRef idx="1">
-            <a:schemeClr val="accent1"/>
-          </a:fillRef>
-          <a:effectRef idx="0">
-            <a:schemeClr val="accent1"/>
-          </a:effectRef>
-          <a:fontRef idx="minor">
-            <a:schemeClr val="lt1"/>
-          </a:fontRef>
-        </p:style>
-        <p:txBody>
-          <a:bodyPr rtlCol="0" anchor="ctr"/>
-          <a:lstStyle/>
-          <a:p>
-            <a:pPr algn="ctr"/>
-            <a:endParaRPr lang="es-ES"/>
-          </a:p>
-        </p:txBody>
-      </p:sp>
     </p:spTree>
     <p:extLst>
       <p:ext uri="{BB962C8B-B14F-4D97-AF65-F5344CB8AC3E}">
-        <p14:creationId xmlns:p14="http://schemas.microsoft.com/office/powerpoint/2010/main" val="2269043217"/>
+        <p14:creationId xmlns:p14="http://schemas.microsoft.com/office/powerpoint/2010/main" val="939663549"/>
       </p:ext>
     </p:extLst>
   </p:cSld>
@@ -4311,7 +5498,7 @@
       </p:grpSpPr>
       <p:pic>
         <p:nvPicPr>
-          <p:cNvPr id="3074" name="Picture 2" descr="E:\docencia_investigacion\Git_repos\REPOS_R\R_practicas_inferencia\images\virt_machine_started.png"/>
+          <p:cNvPr id="3074" name="Picture 2"/>
           <p:cNvPicPr>
             <a:picLocks noChangeAspect="1" noChangeArrowheads="1"/>
           </p:cNvPicPr>
@@ -4332,34 +5519,47 @@
         </p:blipFill>
         <p:spPr bwMode="auto">
           <a:xfrm>
-            <a:off x="179512" y="620689"/>
-            <a:ext cx="8784976" cy="5688632"/>
+            <a:off x="467544" y="188640"/>
+            <a:ext cx="7653886" cy="4372166"/>
           </a:xfrm>
           <a:prstGeom prst="rect">
             <a:avLst/>
           </a:prstGeom>
           <a:noFill/>
+          <a:ln>
+            <a:noFill/>
+          </a:ln>
           <a:extLst>
             <a:ext uri="{909E8E84-426E-40DD-AFC4-6F175D3DCCD1}">
               <a14:hiddenFill xmlns:a14="http://schemas.microsoft.com/office/drawing/2010/main">
                 <a:solidFill>
-                  <a:srgbClr val="FFFFFF"/>
+                  <a:schemeClr val="accent1"/>
                 </a:solidFill>
               </a14:hiddenFill>
             </a:ext>
+            <a:ext uri="{91240B29-F687-4F45-9708-019B960494DF}">
+              <a14:hiddenLine xmlns:a14="http://schemas.microsoft.com/office/drawing/2010/main" w="9525">
+                <a:solidFill>
+                  <a:schemeClr val="tx1"/>
+                </a:solidFill>
+                <a:miter lim="800000"/>
+                <a:headEnd/>
+                <a:tailEnd/>
+              </a14:hiddenLine>
+            </a:ext>
           </a:extLst>
         </p:spPr>
       </p:pic>
       <p:sp>
         <p:nvSpPr>
-          <p:cNvPr id="3" name="2 CuadroTexto"/>
+          <p:cNvPr id="5" name="4 CuadroTexto"/>
           <p:cNvSpPr txBox="1"/>
           <p:nvPr/>
         </p:nvSpPr>
         <p:spPr>
           <a:xfrm>
-            <a:off x="467544" y="4437112"/>
-            <a:ext cx="2808311" cy="2031325"/>
+            <a:off x="107504" y="4694803"/>
+            <a:ext cx="3600400" cy="1754326"/>
           </a:xfrm>
           <a:prstGeom prst="rect">
             <a:avLst/>
@@ -4379,34 +5579,7 @@
                   <a:srgbClr val="FF0000"/>
                 </a:solidFill>
               </a:rPr>
-              <a:t>Esta es la dirección IP de la máquina. </a:t>
-            </a:r>
-          </a:p>
-          <a:p>
-            <a:pPr algn="just"/>
-            <a:r>
-              <a:rPr lang="es-ES" dirty="0" smtClean="0">
-                <a:solidFill>
-                  <a:srgbClr val="FF0000"/>
-                </a:solidFill>
-              </a:rPr>
-              <a:t>A cada alumno le sale su propia IP (la que sale en este gráfico es ficticia) así que hay que anotarla para </a:t>
-            </a:r>
-            <a:r>
-              <a:rPr lang="es-ES" dirty="0" smtClean="0">
-                <a:solidFill>
-                  <a:srgbClr val="FF0000"/>
-                </a:solidFill>
-              </a:rPr>
-              <a:t>utilizarla más </a:t>
-            </a:r>
-            <a:r>
-              <a:rPr lang="es-ES" dirty="0" smtClean="0">
-                <a:solidFill>
-                  <a:srgbClr val="FF0000"/>
-                </a:solidFill>
-              </a:rPr>
-              <a:t>adelante.</a:t>
+              <a:t>Por ejemplo, para ordenadores Windows hay que instalar el cliente que corresponda a la versión de cada SO. En general, para sistemas desde Windows 7 en adelante, el cliente típico es el de 64 bits. </a:t>
             </a:r>
             <a:endParaRPr lang="es-ES" dirty="0">
               <a:solidFill>
@@ -4416,16 +5589,70 @@
           </a:p>
         </p:txBody>
       </p:sp>
+      <p:pic>
+        <p:nvPicPr>
+          <p:cNvPr id="4098" name="Picture 2"/>
+          <p:cNvPicPr>
+            <a:picLocks noChangeAspect="1" noChangeArrowheads="1"/>
+          </p:cNvPicPr>
+          <p:nvPr/>
+        </p:nvPicPr>
+        <p:blipFill>
+          <a:blip r:embed="rId3">
+            <a:extLst>
+              <a:ext uri="{28A0092B-C50C-407E-A947-70E740481C1C}">
+                <a14:useLocalDpi xmlns:a14="http://schemas.microsoft.com/office/drawing/2010/main" val="0"/>
+              </a:ext>
+            </a:extLst>
+          </a:blip>
+          <a:srcRect/>
+          <a:stretch>
+            <a:fillRect/>
+          </a:stretch>
+        </p:blipFill>
+        <p:spPr bwMode="auto">
+          <a:xfrm>
+            <a:off x="4067944" y="4941168"/>
+            <a:ext cx="4968552" cy="1290433"/>
+          </a:xfrm>
+          <a:prstGeom prst="rect">
+            <a:avLst/>
+          </a:prstGeom>
+          <a:noFill/>
+          <a:ln>
+            <a:noFill/>
+          </a:ln>
+          <a:extLst>
+            <a:ext uri="{909E8E84-426E-40DD-AFC4-6F175D3DCCD1}">
+              <a14:hiddenFill xmlns:a14="http://schemas.microsoft.com/office/drawing/2010/main">
+                <a:solidFill>
+                  <a:schemeClr val="accent1"/>
+                </a:solidFill>
+              </a14:hiddenFill>
+            </a:ext>
+            <a:ext uri="{91240B29-F687-4F45-9708-019B960494DF}">
+              <a14:hiddenLine xmlns:a14="http://schemas.microsoft.com/office/drawing/2010/main" w="9525">
+                <a:solidFill>
+                  <a:schemeClr val="tx1"/>
+                </a:solidFill>
+                <a:miter lim="800000"/>
+                <a:headEnd/>
+                <a:tailEnd/>
+              </a14:hiddenLine>
+            </a:ext>
+          </a:extLst>
+        </p:spPr>
+      </p:pic>
       <p:cxnSp>
         <p:nvCxnSpPr>
-          <p:cNvPr id="5" name="4 Conector recto de flecha"/>
+          <p:cNvPr id="6" name="5 Conector recto de flecha"/>
           <p:cNvCxnSpPr/>
           <p:nvPr/>
         </p:nvCxnSpPr>
         <p:spPr>
           <a:xfrm flipV="1">
-            <a:off x="2843808" y="3433638"/>
-            <a:ext cx="1728192" cy="1003474"/>
+            <a:off x="3203848" y="5691541"/>
+            <a:ext cx="1440160" cy="540060"/>
           </a:xfrm>
           <a:prstGeom prst="straightConnector1">
             <a:avLst/>
@@ -4449,88 +5676,10 @@
           </a:fontRef>
         </p:style>
       </p:cxnSp>
-      <p:sp>
-        <p:nvSpPr>
-          <p:cNvPr id="6" name="5 CuadroTexto"/>
-          <p:cNvSpPr txBox="1"/>
-          <p:nvPr/>
-        </p:nvSpPr>
-        <p:spPr>
-          <a:xfrm>
-            <a:off x="4644008" y="3068960"/>
-            <a:ext cx="1410964" cy="369332"/>
-          </a:xfrm>
-          <a:prstGeom prst="rect">
-            <a:avLst/>
-          </a:prstGeom>
-          <a:solidFill>
-            <a:schemeClr val="bg1"/>
-          </a:solidFill>
-        </p:spPr>
-        <p:txBody>
-          <a:bodyPr wrap="none" rtlCol="0">
-            <a:spAutoFit/>
-          </a:bodyPr>
-          <a:lstStyle/>
-          <a:p>
-            <a:r>
-              <a:rPr lang="es-ES" dirty="0" smtClean="0"/>
-              <a:t>10.6.128.255</a:t>
-            </a:r>
-            <a:endParaRPr lang="es-ES" dirty="0"/>
-          </a:p>
-        </p:txBody>
-      </p:sp>
-      <p:sp>
-        <p:nvSpPr>
-          <p:cNvPr id="2" name="1 Elipse"/>
-          <p:cNvSpPr/>
-          <p:nvPr/>
-        </p:nvSpPr>
-        <p:spPr>
-          <a:xfrm>
-            <a:off x="4572000" y="3038480"/>
-            <a:ext cx="1482972" cy="432048"/>
-          </a:xfrm>
-          <a:prstGeom prst="ellipse">
-            <a:avLst/>
-          </a:prstGeom>
-          <a:noFill/>
-          <a:ln>
-            <a:solidFill>
-              <a:srgbClr val="FF0000"/>
-            </a:solidFill>
-          </a:ln>
-        </p:spPr>
-        <p:style>
-          <a:lnRef idx="2">
-            <a:schemeClr val="accent1">
-              <a:shade val="50000"/>
-            </a:schemeClr>
-          </a:lnRef>
-          <a:fillRef idx="1">
-            <a:schemeClr val="accent1"/>
-          </a:fillRef>
-          <a:effectRef idx="0">
-            <a:schemeClr val="accent1"/>
-          </a:effectRef>
-          <a:fontRef idx="minor">
-            <a:schemeClr val="lt1"/>
-          </a:fontRef>
-        </p:style>
-        <p:txBody>
-          <a:bodyPr rtlCol="0" anchor="ctr"/>
-          <a:lstStyle/>
-          <a:p>
-            <a:pPr algn="ctr"/>
-            <a:endParaRPr lang="es-ES"/>
-          </a:p>
-        </p:txBody>
-      </p:sp>
     </p:spTree>
     <p:extLst>
       <p:ext uri="{BB962C8B-B14F-4D97-AF65-F5344CB8AC3E}">
-        <p14:creationId xmlns:p14="http://schemas.microsoft.com/office/powerpoint/2010/main" val="3669325879"/>
+        <p14:creationId xmlns:p14="http://schemas.microsoft.com/office/powerpoint/2010/main" val="2089081444"/>
       </p:ext>
     </p:extLst>
   </p:cSld>
@@ -4557,9 +5706,76 @@
           <a:chExt cx="0" cy="0"/>
         </a:xfrm>
       </p:grpSpPr>
+      <p:sp>
+        <p:nvSpPr>
+          <p:cNvPr id="5" name="4 CuadroTexto"/>
+          <p:cNvSpPr txBox="1"/>
+          <p:nvPr/>
+        </p:nvSpPr>
+        <p:spPr>
+          <a:xfrm>
+            <a:off x="307936" y="188640"/>
+            <a:ext cx="3600400" cy="1200329"/>
+          </a:xfrm>
+          <a:prstGeom prst="rect">
+            <a:avLst/>
+          </a:prstGeom>
+          <a:noFill/>
+        </p:spPr>
+        <p:txBody>
+          <a:bodyPr wrap="square" rtlCol="0">
+            <a:spAutoFit/>
+          </a:bodyPr>
+          <a:lstStyle/>
+          <a:p>
+            <a:pPr algn="just"/>
+            <a:r>
+              <a:rPr lang="es-ES" dirty="0" smtClean="0">
+                <a:solidFill>
+                  <a:srgbClr val="FF0000"/>
+                </a:solidFill>
+              </a:rPr>
+              <a:t>Una vez instalado, buscar el programa “Global Protect” en el menú de Windows o bien en la barra de tareas. </a:t>
+            </a:r>
+          </a:p>
+        </p:txBody>
+      </p:sp>
+      <p:cxnSp>
+        <p:nvCxnSpPr>
+          <p:cNvPr id="6" name="5 Conector recto de flecha"/>
+          <p:cNvCxnSpPr/>
+          <p:nvPr/>
+        </p:nvCxnSpPr>
+        <p:spPr>
+          <a:xfrm flipV="1">
+            <a:off x="4017388" y="698794"/>
+            <a:ext cx="1690816" cy="180020"/>
+          </a:xfrm>
+          <a:prstGeom prst="straightConnector1">
+            <a:avLst/>
+          </a:prstGeom>
+          <a:ln>
+            <a:tailEnd type="arrow"/>
+          </a:ln>
+        </p:spPr>
+        <p:style>
+          <a:lnRef idx="1">
+            <a:schemeClr val="accent1"/>
+          </a:lnRef>
+          <a:fillRef idx="0">
+            <a:schemeClr val="accent1"/>
+          </a:fillRef>
+          <a:effectRef idx="0">
+            <a:schemeClr val="accent1"/>
+          </a:effectRef>
+          <a:fontRef idx="minor">
+            <a:schemeClr val="tx1"/>
+          </a:fontRef>
+        </p:style>
+      </p:cxnSp>
       <p:pic>
         <p:nvPicPr>
-          <p:cNvPr id="6146" name="Picture 2" descr="E:\docencia_investigacion\Git_repos\REPOS_R\R_practicas_inferencia\images\rstudio_login.png"/>
+          <p:cNvPr id="5122" name="Picture 2"/>
           <p:cNvPicPr>
             <a:picLocks noChangeAspect="1" noChangeArrowheads="1"/>
           </p:cNvPicPr>
@@ -4580,68 +5796,121 @@
         </p:blipFill>
         <p:spPr bwMode="auto">
           <a:xfrm>
-            <a:off x="246790" y="465161"/>
-            <a:ext cx="8717698" cy="5124079"/>
+            <a:off x="5940152" y="332657"/>
+            <a:ext cx="2424025" cy="3229322"/>
           </a:xfrm>
           <a:prstGeom prst="rect">
             <a:avLst/>
           </a:prstGeom>
           <a:noFill/>
+          <a:ln>
+            <a:noFill/>
+          </a:ln>
+          <a:effectLst/>
           <a:extLst>
             <a:ext uri="{909E8E84-426E-40DD-AFC4-6F175D3DCCD1}">
               <a14:hiddenFill xmlns:a14="http://schemas.microsoft.com/office/drawing/2010/main">
                 <a:solidFill>
-                  <a:srgbClr val="FFFFFF"/>
+                  <a:schemeClr val="accent1"/>
                 </a:solidFill>
               </a14:hiddenFill>
             </a:ext>
+            <a:ext uri="{91240B29-F687-4F45-9708-019B960494DF}">
+              <a14:hiddenLine xmlns:a14="http://schemas.microsoft.com/office/drawing/2010/main" w="9525">
+                <a:solidFill>
+                  <a:schemeClr val="tx1"/>
+                </a:solidFill>
+                <a:miter lim="800000"/>
+                <a:headEnd/>
+                <a:tailEnd/>
+              </a14:hiddenLine>
+            </a:ext>
+            <a:ext uri="{AF507438-7753-43E0-B8FC-AC1667EBCBE1}">
+              <a14:hiddenEffects xmlns:a14="http://schemas.microsoft.com/office/drawing/2010/main">
+                <a:effectLst>
+                  <a:outerShdw dist="35921" dir="2700000" algn="ctr" rotWithShape="0">
+                    <a:schemeClr val="bg2"/>
+                  </a:outerShdw>
+                </a:effectLst>
+              </a14:hiddenEffects>
+            </a:ext>
           </a:extLst>
         </p:spPr>
       </p:pic>
-      <p:sp>
-        <p:nvSpPr>
-          <p:cNvPr id="3" name="2 CuadroTexto"/>
-          <p:cNvSpPr txBox="1"/>
-          <p:nvPr/>
-        </p:nvSpPr>
-        <p:spPr>
-          <a:xfrm>
-            <a:off x="251520" y="2128788"/>
-            <a:ext cx="2808311" cy="1754326"/>
+      <p:pic>
+        <p:nvPicPr>
+          <p:cNvPr id="5123" name="Picture 3"/>
+          <p:cNvPicPr>
+            <a:picLocks noChangeAspect="1" noChangeArrowheads="1"/>
+          </p:cNvPicPr>
+          <p:nvPr/>
+        </p:nvPicPr>
+        <p:blipFill>
+          <a:blip r:embed="rId3">
+            <a:extLst>
+              <a:ext uri="{28A0092B-C50C-407E-A947-70E740481C1C}">
+                <a14:useLocalDpi xmlns:a14="http://schemas.microsoft.com/office/drawing/2010/main" val="0"/>
+              </a:ext>
+            </a:extLst>
+          </a:blip>
+          <a:srcRect/>
+          <a:stretch>
+            <a:fillRect/>
+          </a:stretch>
+        </p:blipFill>
+        <p:spPr bwMode="auto">
+          <a:xfrm>
+            <a:off x="134162" y="2564904"/>
+            <a:ext cx="5600700" cy="781050"/>
           </a:xfrm>
           <a:prstGeom prst="rect">
             <a:avLst/>
           </a:prstGeom>
           <a:noFill/>
-        </p:spPr>
-        <p:txBody>
-          <a:bodyPr wrap="square" rtlCol="0">
-            <a:spAutoFit/>
-          </a:bodyPr>
-          <a:lstStyle/>
-          <a:p>
-            <a:pPr algn="just"/>
-            <a:r>
-              <a:rPr lang="es-ES" dirty="0" smtClean="0">
-                <a:solidFill>
-                  <a:srgbClr val="FF0000"/>
-                </a:solidFill>
-              </a:rPr>
-              <a:t>Introducir en la barra de direcciones del navegador la dirección IP que cada uno obtiene del paso anterior seguida de :8087 (puedes añadirla a Mis Favoritos)</a:t>
-            </a:r>
-          </a:p>
-        </p:txBody>
-      </p:sp>
+          <a:ln>
+            <a:noFill/>
+          </a:ln>
+          <a:effectLst/>
+          <a:extLst>
+            <a:ext uri="{909E8E84-426E-40DD-AFC4-6F175D3DCCD1}">
+              <a14:hiddenFill xmlns:a14="http://schemas.microsoft.com/office/drawing/2010/main">
+                <a:solidFill>
+                  <a:schemeClr val="accent1"/>
+                </a:solidFill>
+              </a14:hiddenFill>
+            </a:ext>
+            <a:ext uri="{91240B29-F687-4F45-9708-019B960494DF}">
+              <a14:hiddenLine xmlns:a14="http://schemas.microsoft.com/office/drawing/2010/main" w="9525">
+                <a:solidFill>
+                  <a:schemeClr val="tx1"/>
+                </a:solidFill>
+                <a:miter lim="800000"/>
+                <a:headEnd/>
+                <a:tailEnd/>
+              </a14:hiddenLine>
+            </a:ext>
+            <a:ext uri="{AF507438-7753-43E0-B8FC-AC1667EBCBE1}">
+              <a14:hiddenEffects xmlns:a14="http://schemas.microsoft.com/office/drawing/2010/main">
+                <a:effectLst>
+                  <a:outerShdw dist="35921" dir="2700000" algn="ctr" rotWithShape="0">
+                    <a:schemeClr val="bg2"/>
+                  </a:outerShdw>
+                </a:effectLst>
+              </a14:hiddenEffects>
+            </a:ext>
+          </a:extLst>
+        </p:spPr>
+      </p:pic>
       <p:cxnSp>
         <p:nvCxnSpPr>
-          <p:cNvPr id="4" name="3 Conector recto de flecha"/>
+          <p:cNvPr id="9" name="8 Conector recto de flecha"/>
           <p:cNvCxnSpPr/>
           <p:nvPr/>
         </p:nvCxnSpPr>
         <p:spPr>
-          <a:xfrm flipV="1">
-            <a:off x="1403648" y="908720"/>
-            <a:ext cx="337760" cy="1224136"/>
+          <a:xfrm>
+            <a:off x="1331640" y="1388969"/>
+            <a:ext cx="288032" cy="1566460"/>
           </a:xfrm>
           <a:prstGeom prst="straightConnector1">
             <a:avLst/>
@@ -4665,50 +5934,243 @@
           </a:fontRef>
         </p:style>
       </p:cxnSp>
-      <p:sp>
-        <p:nvSpPr>
-          <p:cNvPr id="7" name="6 CuadroTexto"/>
-          <p:cNvSpPr txBox="1"/>
-          <p:nvPr/>
-        </p:nvSpPr>
-        <p:spPr>
-          <a:xfrm>
-            <a:off x="1350931" y="472614"/>
-            <a:ext cx="1266693" cy="261610"/>
+      <p:pic>
+        <p:nvPicPr>
+          <p:cNvPr id="5124" name="Picture 4"/>
+          <p:cNvPicPr>
+            <a:picLocks noChangeAspect="1" noChangeArrowheads="1"/>
+          </p:cNvPicPr>
+          <p:nvPr/>
+        </p:nvPicPr>
+        <p:blipFill>
+          <a:blip r:embed="rId4">
+            <a:extLst>
+              <a:ext uri="{28A0092B-C50C-407E-A947-70E740481C1C}">
+                <a14:useLocalDpi xmlns:a14="http://schemas.microsoft.com/office/drawing/2010/main" val="0"/>
+              </a:ext>
+            </a:extLst>
+          </a:blip>
+          <a:srcRect/>
+          <a:stretch>
+            <a:fillRect/>
+          </a:stretch>
+        </p:blipFill>
+        <p:spPr bwMode="auto">
+          <a:xfrm>
+            <a:off x="776828" y="3916144"/>
+            <a:ext cx="2647950" cy="2790825"/>
           </a:xfrm>
           <a:prstGeom prst="rect">
             <a:avLst/>
           </a:prstGeom>
-          <a:solidFill>
-            <a:schemeClr val="bg1">
-              <a:lumMod val="95000"/>
-            </a:schemeClr>
-          </a:solidFill>
-        </p:spPr>
-        <p:txBody>
-          <a:bodyPr wrap="none" rtlCol="0">
-            <a:spAutoFit/>
-          </a:bodyPr>
-          <a:lstStyle/>
-          <a:p>
-            <a:r>
-              <a:rPr lang="es-ES" sz="1100" b="1" dirty="0" smtClean="0"/>
-              <a:t>10.6.128.255:8087</a:t>
-            </a:r>
-            <a:endParaRPr lang="es-ES" sz="1100" b="1" dirty="0"/>
-          </a:p>
-        </p:txBody>
-      </p:sp>
-      <p:sp>
-        <p:nvSpPr>
-          <p:cNvPr id="5" name="4 Elipse"/>
+          <a:noFill/>
+          <a:ln>
+            <a:noFill/>
+          </a:ln>
+          <a:effectLst/>
+          <a:extLst>
+            <a:ext uri="{909E8E84-426E-40DD-AFC4-6F175D3DCCD1}">
+              <a14:hiddenFill xmlns:a14="http://schemas.microsoft.com/office/drawing/2010/main">
+                <a:solidFill>
+                  <a:schemeClr val="accent1"/>
+                </a:solidFill>
+              </a14:hiddenFill>
+            </a:ext>
+            <a:ext uri="{91240B29-F687-4F45-9708-019B960494DF}">
+              <a14:hiddenLine xmlns:a14="http://schemas.microsoft.com/office/drawing/2010/main" w="9525">
+                <a:solidFill>
+                  <a:schemeClr val="tx1"/>
+                </a:solidFill>
+                <a:miter lim="800000"/>
+                <a:headEnd/>
+                <a:tailEnd/>
+              </a14:hiddenLine>
+            </a:ext>
+            <a:ext uri="{AF507438-7753-43E0-B8FC-AC1667EBCBE1}">
+              <a14:hiddenEffects xmlns:a14="http://schemas.microsoft.com/office/drawing/2010/main">
+                <a:effectLst>
+                  <a:outerShdw dist="35921" dir="2700000" algn="ctr" rotWithShape="0">
+                    <a:schemeClr val="bg2"/>
+                  </a:outerShdw>
+                </a:effectLst>
+              </a14:hiddenEffects>
+            </a:ext>
+          </a:extLst>
+        </p:spPr>
+      </p:pic>
+      <p:cxnSp>
+        <p:nvCxnSpPr>
+          <p:cNvPr id="12" name="11 Conector recto de flecha"/>
+          <p:cNvCxnSpPr/>
+          <p:nvPr/>
+        </p:nvCxnSpPr>
+        <p:spPr>
+          <a:xfrm>
+            <a:off x="1763688" y="3345954"/>
+            <a:ext cx="1296144" cy="731118"/>
+          </a:xfrm>
+          <a:prstGeom prst="straightConnector1">
+            <a:avLst/>
+          </a:prstGeom>
+          <a:ln>
+            <a:tailEnd type="arrow"/>
+          </a:ln>
+        </p:spPr>
+        <p:style>
+          <a:lnRef idx="1">
+            <a:schemeClr val="accent1"/>
+          </a:lnRef>
+          <a:fillRef idx="0">
+            <a:schemeClr val="accent1"/>
+          </a:fillRef>
+          <a:effectRef idx="0">
+            <a:schemeClr val="accent1"/>
+          </a:effectRef>
+          <a:fontRef idx="minor">
+            <a:schemeClr val="tx1"/>
+          </a:fontRef>
+        </p:style>
+      </p:cxnSp>
+      <p:cxnSp>
+        <p:nvCxnSpPr>
+          <p:cNvPr id="14" name="13 Conector recto de flecha"/>
+          <p:cNvCxnSpPr/>
+          <p:nvPr/>
+        </p:nvCxnSpPr>
+        <p:spPr>
+          <a:xfrm flipH="1">
+            <a:off x="3424778" y="3212976"/>
+            <a:ext cx="3163446" cy="864096"/>
+          </a:xfrm>
+          <a:prstGeom prst="straightConnector1">
+            <a:avLst/>
+          </a:prstGeom>
+          <a:ln>
+            <a:tailEnd type="arrow"/>
+          </a:ln>
+        </p:spPr>
+        <p:style>
+          <a:lnRef idx="1">
+            <a:schemeClr val="accent1"/>
+          </a:lnRef>
+          <a:fillRef idx="0">
+            <a:schemeClr val="accent1"/>
+          </a:fillRef>
+          <a:effectRef idx="0">
+            <a:schemeClr val="accent1"/>
+          </a:effectRef>
+          <a:fontRef idx="minor">
+            <a:schemeClr val="tx1"/>
+          </a:fontRef>
+        </p:style>
+      </p:cxnSp>
+      <p:pic>
+        <p:nvPicPr>
+          <p:cNvPr id="5125" name="Picture 5"/>
+          <p:cNvPicPr>
+            <a:picLocks noChangeAspect="1" noChangeArrowheads="1"/>
+          </p:cNvPicPr>
+          <p:nvPr/>
+        </p:nvPicPr>
+        <p:blipFill>
+          <a:blip r:embed="rId5">
+            <a:extLst>
+              <a:ext uri="{28A0092B-C50C-407E-A947-70E740481C1C}">
+                <a14:useLocalDpi xmlns:a14="http://schemas.microsoft.com/office/drawing/2010/main" val="0"/>
+              </a:ext>
+            </a:extLst>
+          </a:blip>
+          <a:srcRect/>
+          <a:stretch>
+            <a:fillRect/>
+          </a:stretch>
+        </p:blipFill>
+        <p:spPr bwMode="auto">
+          <a:xfrm>
+            <a:off x="5220072" y="3916143"/>
+            <a:ext cx="3600400" cy="2838919"/>
+          </a:xfrm>
+          <a:prstGeom prst="rect">
+            <a:avLst/>
+          </a:prstGeom>
+          <a:noFill/>
+          <a:ln>
+            <a:noFill/>
+          </a:ln>
+          <a:effectLst/>
+          <a:extLst>
+            <a:ext uri="{909E8E84-426E-40DD-AFC4-6F175D3DCCD1}">
+              <a14:hiddenFill xmlns:a14="http://schemas.microsoft.com/office/drawing/2010/main">
+                <a:solidFill>
+                  <a:schemeClr val="accent1"/>
+                </a:solidFill>
+              </a14:hiddenFill>
+            </a:ext>
+            <a:ext uri="{91240B29-F687-4F45-9708-019B960494DF}">
+              <a14:hiddenLine xmlns:a14="http://schemas.microsoft.com/office/drawing/2010/main" w="9525">
+                <a:solidFill>
+                  <a:schemeClr val="tx1"/>
+                </a:solidFill>
+                <a:miter lim="800000"/>
+                <a:headEnd/>
+                <a:tailEnd/>
+              </a14:hiddenLine>
+            </a:ext>
+            <a:ext uri="{AF507438-7753-43E0-B8FC-AC1667EBCBE1}">
+              <a14:hiddenEffects xmlns:a14="http://schemas.microsoft.com/office/drawing/2010/main">
+                <a:effectLst>
+                  <a:outerShdw dist="35921" dir="2700000" algn="ctr" rotWithShape="0">
+                    <a:schemeClr val="bg2"/>
+                  </a:outerShdw>
+                </a:effectLst>
+              </a14:hiddenEffects>
+            </a:ext>
+          </a:extLst>
+        </p:spPr>
+      </p:pic>
+      <p:cxnSp>
+        <p:nvCxnSpPr>
+          <p:cNvPr id="25" name="24 Conector recto de flecha"/>
+          <p:cNvCxnSpPr/>
+          <p:nvPr/>
+        </p:nvCxnSpPr>
+        <p:spPr>
+          <a:xfrm>
+            <a:off x="3419872" y="4210050"/>
+            <a:ext cx="2016224" cy="1307182"/>
+          </a:xfrm>
+          <a:prstGeom prst="straightConnector1">
+            <a:avLst/>
+          </a:prstGeom>
+          <a:ln>
+            <a:tailEnd type="arrow"/>
+          </a:ln>
+        </p:spPr>
+        <p:style>
+          <a:lnRef idx="1">
+            <a:schemeClr val="accent1"/>
+          </a:lnRef>
+          <a:fillRef idx="0">
+            <a:schemeClr val="accent1"/>
+          </a:fillRef>
+          <a:effectRef idx="0">
+            <a:schemeClr val="accent1"/>
+          </a:effectRef>
+          <a:fontRef idx="minor">
+            <a:schemeClr val="tx1"/>
+          </a:fontRef>
+        </p:style>
+      </p:cxnSp>
+      <p:sp>
+        <p:nvSpPr>
+          <p:cNvPr id="27" name="26 Elipse"/>
           <p:cNvSpPr/>
           <p:nvPr/>
         </p:nvSpPr>
         <p:spPr>
           <a:xfrm>
-            <a:off x="1099732" y="353864"/>
-            <a:ext cx="1589899" cy="452368"/>
+            <a:off x="5436096" y="5517232"/>
+            <a:ext cx="684076" cy="252029"/>
           </a:xfrm>
           <a:prstGeom prst="ellipse">
             <a:avLst/>
@@ -4745,130 +6207,23 @@
           </a:p>
         </p:txBody>
       </p:sp>
-      <p:cxnSp>
-        <p:nvCxnSpPr>
-          <p:cNvPr id="8" name="7 Conector recto de flecha"/>
-          <p:cNvCxnSpPr/>
-          <p:nvPr/>
-        </p:nvCxnSpPr>
-        <p:spPr>
-          <a:xfrm flipV="1">
-            <a:off x="2195736" y="3027202"/>
-            <a:ext cx="3744416" cy="1697942"/>
-          </a:xfrm>
-          <a:prstGeom prst="straightConnector1">
-            <a:avLst/>
-          </a:prstGeom>
-          <a:ln>
-            <a:tailEnd type="arrow"/>
-          </a:ln>
-        </p:spPr>
-        <p:style>
-          <a:lnRef idx="1">
-            <a:schemeClr val="accent1"/>
-          </a:lnRef>
-          <a:fillRef idx="0">
-            <a:schemeClr val="accent1"/>
-          </a:fillRef>
-          <a:effectRef idx="0">
-            <a:schemeClr val="accent1"/>
-          </a:effectRef>
-          <a:fontRef idx="minor">
-            <a:schemeClr val="tx1"/>
-          </a:fontRef>
-        </p:style>
-      </p:cxnSp>
-      <p:sp>
-        <p:nvSpPr>
-          <p:cNvPr id="9" name="8 CuadroTexto"/>
+      <p:sp>
+        <p:nvSpPr>
+          <p:cNvPr id="29" name="28 CuadroTexto"/>
           <p:cNvSpPr txBox="1"/>
           <p:nvPr/>
         </p:nvSpPr>
         <p:spPr>
           <a:xfrm>
-            <a:off x="5908890" y="2852936"/>
-            <a:ext cx="618374" cy="369332"/>
+            <a:off x="5076056" y="3933056"/>
+            <a:ext cx="3744416" cy="1200329"/>
           </a:xfrm>
           <a:prstGeom prst="rect">
             <a:avLst/>
           </a:prstGeom>
-          <a:noFill/>
-        </p:spPr>
-        <p:txBody>
-          <a:bodyPr wrap="none" rtlCol="0">
-            <a:spAutoFit/>
-          </a:bodyPr>
-          <a:lstStyle/>
-          <a:p>
-            <a:r>
-              <a:rPr lang="es-ES" dirty="0" smtClean="0">
-                <a:solidFill>
-                  <a:srgbClr val="FF0000"/>
-                </a:solidFill>
-              </a:rPr>
-              <a:t>infer</a:t>
-            </a:r>
-            <a:endParaRPr lang="es-ES" dirty="0">
-              <a:solidFill>
-                <a:srgbClr val="FF0000"/>
-              </a:solidFill>
-            </a:endParaRPr>
-          </a:p>
-        </p:txBody>
-      </p:sp>
-      <p:sp>
-        <p:nvSpPr>
-          <p:cNvPr id="12" name="11 CuadroTexto"/>
-          <p:cNvSpPr txBox="1"/>
-          <p:nvPr/>
-        </p:nvSpPr>
-        <p:spPr>
-          <a:xfrm>
-            <a:off x="5908784" y="3307060"/>
-            <a:ext cx="618374" cy="369332"/>
-          </a:xfrm>
-          <a:prstGeom prst="rect">
-            <a:avLst/>
-          </a:prstGeom>
-          <a:noFill/>
-        </p:spPr>
-        <p:txBody>
-          <a:bodyPr wrap="none" rtlCol="0">
-            <a:spAutoFit/>
-          </a:bodyPr>
-          <a:lstStyle/>
-          <a:p>
-            <a:r>
-              <a:rPr lang="es-ES" dirty="0" smtClean="0">
-                <a:solidFill>
-                  <a:srgbClr val="FF0000"/>
-                </a:solidFill>
-              </a:rPr>
-              <a:t>infer</a:t>
-            </a:r>
-            <a:endParaRPr lang="es-ES" dirty="0">
-              <a:solidFill>
-                <a:srgbClr val="FF0000"/>
-              </a:solidFill>
-            </a:endParaRPr>
-          </a:p>
-        </p:txBody>
-      </p:sp>
-      <p:sp>
-        <p:nvSpPr>
-          <p:cNvPr id="13" name="12 CuadroTexto"/>
-          <p:cNvSpPr txBox="1"/>
-          <p:nvPr/>
-        </p:nvSpPr>
-        <p:spPr>
-          <a:xfrm>
-            <a:off x="251520" y="4122946"/>
-            <a:ext cx="4752528" cy="1754326"/>
-          </a:xfrm>
-          <a:prstGeom prst="rect">
-            <a:avLst/>
-          </a:prstGeom>
-          <a:noFill/>
+          <a:solidFill>
+            <a:schemeClr val="bg1"/>
+          </a:solidFill>
         </p:spPr>
         <p:txBody>
           <a:bodyPr wrap="square" rtlCol="0">
@@ -4883,35 +6238,7 @@
                   <a:srgbClr val="FF0000"/>
                 </a:solidFill>
               </a:rPr>
-              <a:t>Para acceder a la aplicación Rstudio se utiliza el </a:t>
-            </a:r>
-          </a:p>
-          <a:p>
-            <a:pPr marL="285750" indent="-285750" algn="just">
-              <a:buFont typeface="Arial" panose="020B0604020202020204" pitchFamily="34" charset="0"/>
-              <a:buChar char="•"/>
-            </a:pPr>
-            <a:r>
-              <a:rPr lang="es-ES" dirty="0" smtClean="0">
-                <a:solidFill>
-                  <a:srgbClr val="FF0000"/>
-                </a:solidFill>
-              </a:rPr>
-              <a:t>username: infer </a:t>
-            </a:r>
-          </a:p>
-          <a:p>
-            <a:pPr marL="285750" indent="-285750" algn="just">
-              <a:buFont typeface="Arial" panose="020B0604020202020204" pitchFamily="34" charset="0"/>
-              <a:buChar char="•"/>
-            </a:pPr>
-            <a:r>
-              <a:rPr lang="es-ES" dirty="0" smtClean="0">
-                <a:solidFill>
-                  <a:srgbClr val="FF0000"/>
-                </a:solidFill>
-              </a:rPr>
-              <a:t>password: infer</a:t>
+              <a:t>Al abrir el programa “Global Protect” hay que añadir como portal de conexión “vpn.ull.es”</a:t>
             </a:r>
           </a:p>
           <a:p>
@@ -4922,23 +6249,12 @@
               </a:solidFill>
             </a:endParaRPr>
           </a:p>
-          <a:p>
-            <a:pPr algn="just"/>
-            <a:r>
-              <a:rPr lang="es-ES" dirty="0" smtClean="0">
-                <a:solidFill>
-                  <a:srgbClr val="FF0000"/>
-                </a:solidFill>
-              </a:rPr>
-              <a:t>Este password se puede cambiar siguiendo las instrucciones que aparecen en la web</a:t>
-            </a:r>
-          </a:p>
         </p:txBody>
       </p:sp>
     </p:spTree>
     <p:extLst>
       <p:ext uri="{BB962C8B-B14F-4D97-AF65-F5344CB8AC3E}">
-        <p14:creationId xmlns:p14="http://schemas.microsoft.com/office/powerpoint/2010/main" val="1235298018"/>
+        <p14:creationId xmlns:p14="http://schemas.microsoft.com/office/powerpoint/2010/main" val="4215115762"/>
       </p:ext>
     </p:extLst>
   </p:cSld>
@@ -4965,9 +6281,43 @@
           <a:chExt cx="0" cy="0"/>
         </a:xfrm>
       </p:grpSpPr>
+      <p:sp>
+        <p:nvSpPr>
+          <p:cNvPr id="5" name="4 CuadroTexto"/>
+          <p:cNvSpPr txBox="1"/>
+          <p:nvPr/>
+        </p:nvSpPr>
+        <p:spPr>
+          <a:xfrm>
+            <a:off x="307936" y="2001614"/>
+            <a:ext cx="3600400" cy="923330"/>
+          </a:xfrm>
+          <a:prstGeom prst="rect">
+            <a:avLst/>
+          </a:prstGeom>
+          <a:noFill/>
+        </p:spPr>
+        <p:txBody>
+          <a:bodyPr wrap="square" rtlCol="0">
+            <a:spAutoFit/>
+          </a:bodyPr>
+          <a:lstStyle/>
+          <a:p>
+            <a:pPr algn="just"/>
+            <a:r>
+              <a:rPr lang="es-ES" dirty="0" smtClean="0">
+                <a:solidFill>
+                  <a:srgbClr val="FF0000"/>
+                </a:solidFill>
+              </a:rPr>
+              <a:t>Iniciar la conexión por VPN introduciendo el usuario y contraseña de ULL</a:t>
+            </a:r>
+          </a:p>
+        </p:txBody>
+      </p:sp>
       <p:pic>
         <p:nvPicPr>
-          <p:cNvPr id="4098" name="Picture 2" descr="E:\docencia_investigacion\Git_repos\REPOS_R\R_practicas_inferencia\images\rstudio.png"/>
+          <p:cNvPr id="6146" name="Picture 2"/>
           <p:cNvPicPr>
             <a:picLocks noChangeAspect="1" noChangeArrowheads="1"/>
           </p:cNvPicPr>
@@ -4988,42 +6338,63 @@
         </p:blipFill>
         <p:spPr bwMode="auto">
           <a:xfrm>
-            <a:off x="107504" y="271739"/>
-            <a:ext cx="8806316" cy="6037581"/>
+            <a:off x="5415300" y="229786"/>
+            <a:ext cx="3310880" cy="3992532"/>
           </a:xfrm>
           <a:prstGeom prst="rect">
             <a:avLst/>
           </a:prstGeom>
           <a:noFill/>
+          <a:ln>
+            <a:noFill/>
+          </a:ln>
+          <a:effectLst/>
           <a:extLst>
             <a:ext uri="{909E8E84-426E-40DD-AFC4-6F175D3DCCD1}">
               <a14:hiddenFill xmlns:a14="http://schemas.microsoft.com/office/drawing/2010/main">
                 <a:solidFill>
-                  <a:srgbClr val="FFFFFF"/>
+                  <a:schemeClr val="accent1"/>
                 </a:solidFill>
               </a14:hiddenFill>
             </a:ext>
+            <a:ext uri="{91240B29-F687-4F45-9708-019B960494DF}">
+              <a14:hiddenLine xmlns:a14="http://schemas.microsoft.com/office/drawing/2010/main" w="9525">
+                <a:solidFill>
+                  <a:schemeClr val="tx1"/>
+                </a:solidFill>
+                <a:miter lim="800000"/>
+                <a:headEnd/>
+                <a:tailEnd/>
+              </a14:hiddenLine>
+            </a:ext>
+            <a:ext uri="{AF507438-7753-43E0-B8FC-AC1667EBCBE1}">
+              <a14:hiddenEffects xmlns:a14="http://schemas.microsoft.com/office/drawing/2010/main">
+                <a:effectLst>
+                  <a:outerShdw dist="35921" dir="2700000" algn="ctr" rotWithShape="0">
+                    <a:schemeClr val="bg2"/>
+                  </a:outerShdw>
+                </a:effectLst>
+              </a14:hiddenEffects>
+            </a:ext>
           </a:extLst>
         </p:spPr>
       </p:pic>
       <p:sp>
         <p:nvSpPr>
-          <p:cNvPr id="3" name="2 CuadroTexto"/>
+          <p:cNvPr id="16" name="15 CuadroTexto"/>
           <p:cNvSpPr txBox="1"/>
           <p:nvPr/>
         </p:nvSpPr>
         <p:spPr>
           <a:xfrm>
-            <a:off x="1573171" y="544622"/>
-            <a:ext cx="1266693" cy="261610"/>
+            <a:off x="5850514" y="2114292"/>
+            <a:ext cx="1208985" cy="307777"/>
           </a:xfrm>
           <a:prstGeom prst="rect">
             <a:avLst/>
           </a:prstGeom>
           <a:solidFill>
-            <a:schemeClr val="bg1">
-              <a:lumMod val="95000"/>
-            </a:schemeClr>
+            <a:schemeClr val="bg1"/>
           </a:solidFill>
         </p:spPr>
         <p:txBody>
@@ -5033,54 +6404,14 @@
           <a:lstStyle/>
           <a:p>
             <a:r>
-              <a:rPr lang="es-ES" sz="1100" b="1" dirty="0" smtClean="0"/>
-              <a:t>10.6.128.255:8087</a:t>
-            </a:r>
-            <a:endParaRPr lang="es-ES" sz="1100" b="1" dirty="0"/>
-          </a:p>
-        </p:txBody>
-      </p:sp>
-      <p:sp>
-        <p:nvSpPr>
-          <p:cNvPr id="4" name="3 CuadroTexto"/>
-          <p:cNvSpPr txBox="1"/>
-          <p:nvPr/>
-        </p:nvSpPr>
-        <p:spPr>
-          <a:xfrm>
-            <a:off x="899593" y="2383720"/>
-            <a:ext cx="3816423" cy="1477328"/>
-          </a:xfrm>
-          <a:prstGeom prst="rect">
-            <a:avLst/>
-          </a:prstGeom>
-          <a:noFill/>
-        </p:spPr>
-        <p:txBody>
-          <a:bodyPr wrap="square" rtlCol="0">
-            <a:spAutoFit/>
-          </a:bodyPr>
-          <a:lstStyle/>
-          <a:p>
-            <a:r>
-              <a:rPr lang="es-ES" dirty="0" smtClean="0">
+              <a:rPr lang="es-ES" sz="1400" b="1" dirty="0" err="1" smtClean="0">
                 <a:solidFill>
                   <a:srgbClr val="FF0000"/>
                 </a:solidFill>
               </a:rPr>
-              <a:t>Este es el entorno de Rstudio en la nube que podrás utilizar durante el curso en esta asignatura.</a:t>
-            </a:r>
-          </a:p>
-          <a:p>
-            <a:r>
-              <a:rPr lang="es-ES" dirty="0" smtClean="0">
-                <a:solidFill>
-                  <a:srgbClr val="FF0000"/>
-                </a:solidFill>
-              </a:rPr>
-              <a:t>Cuando acabes la práctica puedes cerrar las pestañas del navegador.</a:t>
-            </a:r>
-            <a:endParaRPr lang="es-ES" dirty="0">
+              <a:t>aluXXXXXXXX</a:t>
+            </a:r>
+            <a:endParaRPr lang="es-ES" sz="1400" b="1" dirty="0">
               <a:solidFill>
                 <a:srgbClr val="FF0000"/>
               </a:solidFill>
@@ -5088,82 +6419,56 @@
           </a:p>
         </p:txBody>
       </p:sp>
+      <p:sp>
+        <p:nvSpPr>
+          <p:cNvPr id="17" name="16 CuadroTexto"/>
+          <p:cNvSpPr txBox="1"/>
+          <p:nvPr/>
+        </p:nvSpPr>
+        <p:spPr>
+          <a:xfrm>
+            <a:off x="5837664" y="2554744"/>
+            <a:ext cx="1172116" cy="307777"/>
+          </a:xfrm>
+          <a:prstGeom prst="rect">
+            <a:avLst/>
+          </a:prstGeom>
+          <a:solidFill>
+            <a:schemeClr val="bg1"/>
+          </a:solidFill>
+        </p:spPr>
+        <p:txBody>
+          <a:bodyPr wrap="none" rtlCol="0">
+            <a:spAutoFit/>
+          </a:bodyPr>
+          <a:lstStyle/>
+          <a:p>
+            <a:r>
+              <a:rPr lang="es-ES" sz="1400" b="1" dirty="0" smtClean="0">
+                <a:solidFill>
+                  <a:srgbClr val="FF0000"/>
+                </a:solidFill>
+              </a:rPr>
+              <a:t>***********</a:t>
+            </a:r>
+            <a:endParaRPr lang="es-ES" sz="1400" b="1" dirty="0">
+              <a:solidFill>
+                <a:srgbClr val="FF0000"/>
+              </a:solidFill>
+            </a:endParaRPr>
+          </a:p>
+        </p:txBody>
+      </p:sp>
       <p:cxnSp>
         <p:nvCxnSpPr>
-          <p:cNvPr id="5" name="4 Conector recto de flecha"/>
+          <p:cNvPr id="6" name="5 Conector recto de flecha"/>
           <p:cNvCxnSpPr/>
           <p:nvPr/>
         </p:nvCxnSpPr>
         <p:spPr>
-          <a:xfrm flipV="1">
-            <a:off x="3611646" y="476672"/>
-            <a:ext cx="1536418" cy="1842760"/>
-          </a:xfrm>
-          <a:prstGeom prst="straightConnector1">
-            <a:avLst/>
-          </a:prstGeom>
-          <a:ln>
-            <a:tailEnd type="arrow"/>
-          </a:ln>
-        </p:spPr>
-        <p:style>
-          <a:lnRef idx="1">
-            <a:schemeClr val="accent1"/>
-          </a:lnRef>
-          <a:fillRef idx="0">
-            <a:schemeClr val="accent1"/>
-          </a:fillRef>
-          <a:effectRef idx="0">
-            <a:schemeClr val="accent1"/>
-          </a:effectRef>
-          <a:fontRef idx="minor">
-            <a:schemeClr val="tx1"/>
-          </a:fontRef>
-        </p:style>
-      </p:cxnSp>
-      <p:cxnSp>
-        <p:nvCxnSpPr>
-          <p:cNvPr id="7" name="6 Conector recto de flecha"/>
-          <p:cNvCxnSpPr/>
-          <p:nvPr/>
-        </p:nvCxnSpPr>
-        <p:spPr>
-          <a:xfrm flipV="1">
-            <a:off x="2987824" y="544622"/>
-            <a:ext cx="432048" cy="1732250"/>
-          </a:xfrm>
-          <a:prstGeom prst="straightConnector1">
-            <a:avLst/>
-          </a:prstGeom>
-          <a:ln>
-            <a:tailEnd type="arrow"/>
-          </a:ln>
-        </p:spPr>
-        <p:style>
-          <a:lnRef idx="1">
-            <a:schemeClr val="accent1"/>
-          </a:lnRef>
-          <a:fillRef idx="0">
-            <a:schemeClr val="accent1"/>
-          </a:fillRef>
-          <a:effectRef idx="0">
-            <a:schemeClr val="accent1"/>
-          </a:effectRef>
-          <a:fontRef idx="minor">
-            <a:schemeClr val="tx1"/>
-          </a:fontRef>
-        </p:style>
-      </p:cxnSp>
-      <p:cxnSp>
-        <p:nvCxnSpPr>
-          <p:cNvPr id="9" name="8 Conector recto de flecha"/>
-          <p:cNvCxnSpPr/>
-          <p:nvPr/>
-        </p:nvCxnSpPr>
-        <p:spPr>
-          <a:xfrm flipH="1" flipV="1">
-            <a:off x="1691681" y="476672"/>
-            <a:ext cx="792087" cy="1800200"/>
+          <a:xfrm>
+            <a:off x="3908336" y="2553289"/>
+            <a:ext cx="1690816" cy="1455"/>
           </a:xfrm>
           <a:prstGeom prst="straightConnector1">
             <a:avLst/>
@@ -5190,7 +6495,7 @@
     </p:spTree>
     <p:extLst>
       <p:ext uri="{BB962C8B-B14F-4D97-AF65-F5344CB8AC3E}">
-        <p14:creationId xmlns:p14="http://schemas.microsoft.com/office/powerpoint/2010/main" val="1301546952"/>
+        <p14:creationId xmlns:p14="http://schemas.microsoft.com/office/powerpoint/2010/main" val="4076702898"/>
       </p:ext>
     </p:extLst>
   </p:cSld>
@@ -5219,7 +6524,7 @@
       </p:grpSpPr>
       <p:pic>
         <p:nvPicPr>
-          <p:cNvPr id="3074" name="Picture 2" descr="E:\docencia_investigacion\Git_repos\REPOS_R\R_practicas_inferencia\images\virt_machine_started.png"/>
+          <p:cNvPr id="5123" name="Picture 3" descr="E:\docencia_investigacion\Git_repos\REPOS_R\R_practicas_inferencia\images\autentificado.png"/>
           <p:cNvPicPr>
             <a:picLocks noChangeAspect="1" noChangeArrowheads="1"/>
           </p:cNvPicPr>
@@ -5240,8 +6545,8 @@
         </p:blipFill>
         <p:spPr bwMode="auto">
           <a:xfrm>
-            <a:off x="179512" y="620689"/>
-            <a:ext cx="8784976" cy="5688632"/>
+            <a:off x="107504" y="75104"/>
+            <a:ext cx="8702207" cy="6673937"/>
           </a:xfrm>
           <a:prstGeom prst="rect">
             <a:avLst/>
@@ -5260,96 +6565,14 @@
       </p:pic>
       <p:sp>
         <p:nvSpPr>
-          <p:cNvPr id="3" name="2 CuadroTexto"/>
-          <p:cNvSpPr txBox="1"/>
-          <p:nvPr/>
-        </p:nvSpPr>
-        <p:spPr>
-          <a:xfrm>
-            <a:off x="35496" y="3789040"/>
-            <a:ext cx="3024336" cy="2862322"/>
-          </a:xfrm>
-          <a:prstGeom prst="rect">
-            <a:avLst/>
-          </a:prstGeom>
-          <a:noFill/>
-        </p:spPr>
-        <p:txBody>
-          <a:bodyPr wrap="square" rtlCol="0">
-            <a:spAutoFit/>
-          </a:bodyPr>
-          <a:lstStyle/>
-          <a:p>
-            <a:pPr algn="just"/>
-            <a:r>
-              <a:rPr lang="es-ES" dirty="0" smtClean="0">
-                <a:solidFill>
-                  <a:srgbClr val="FF0000"/>
-                </a:solidFill>
-              </a:rPr>
-              <a:t>Al finalizar la práctica se recomienda apagar la máquina virtual para evitar saturar este servicio que usan otros alumnos de la universidad.</a:t>
-            </a:r>
-          </a:p>
-          <a:p>
-            <a:pPr algn="just"/>
-            <a:r>
-              <a:rPr lang="es-ES" dirty="0" smtClean="0">
-                <a:solidFill>
-                  <a:srgbClr val="FF0000"/>
-                </a:solidFill>
-              </a:rPr>
-              <a:t>La próxima vez que necesitemos utilizar la máquina repetimos los pasos que hemos seguido aquí.</a:t>
-            </a:r>
-            <a:endParaRPr lang="es-ES" dirty="0">
-              <a:solidFill>
-                <a:srgbClr val="FF0000"/>
-              </a:solidFill>
-            </a:endParaRPr>
-          </a:p>
-        </p:txBody>
-      </p:sp>
-      <p:sp>
-        <p:nvSpPr>
-          <p:cNvPr id="6" name="5 CuadroTexto"/>
-          <p:cNvSpPr txBox="1"/>
-          <p:nvPr/>
-        </p:nvSpPr>
-        <p:spPr>
-          <a:xfrm>
-            <a:off x="4644008" y="3192193"/>
-            <a:ext cx="1007007" cy="276999"/>
-          </a:xfrm>
-          <a:prstGeom prst="rect">
-            <a:avLst/>
-          </a:prstGeom>
-          <a:solidFill>
-            <a:schemeClr val="bg1"/>
-          </a:solidFill>
-        </p:spPr>
-        <p:txBody>
-          <a:bodyPr wrap="none" rtlCol="0">
-            <a:spAutoFit/>
-          </a:bodyPr>
-          <a:lstStyle/>
-          <a:p>
-            <a:r>
-              <a:rPr lang="es-ES" sz="1200" dirty="0" smtClean="0"/>
-              <a:t>10.6.128.255</a:t>
-            </a:r>
-            <a:endParaRPr lang="es-ES" sz="1200" dirty="0"/>
-          </a:p>
-        </p:txBody>
-      </p:sp>
-      <p:sp>
-        <p:nvSpPr>
-          <p:cNvPr id="2" name="1 Elipse"/>
+          <p:cNvPr id="3" name="2 Elipse"/>
           <p:cNvSpPr/>
           <p:nvPr/>
         </p:nvSpPr>
         <p:spPr>
           <a:xfrm>
-            <a:off x="6804248" y="1556792"/>
-            <a:ext cx="648072" cy="432048"/>
+            <a:off x="1043608" y="60307"/>
+            <a:ext cx="1368152" cy="252029"/>
           </a:xfrm>
           <a:prstGeom prst="ellipse">
             <a:avLst/>
@@ -5386,16 +6609,80 @@
           </a:p>
         </p:txBody>
       </p:sp>
+      <p:sp>
+        <p:nvSpPr>
+          <p:cNvPr id="5" name="4 CuadroTexto"/>
+          <p:cNvSpPr txBox="1"/>
+          <p:nvPr/>
+        </p:nvSpPr>
+        <p:spPr>
+          <a:xfrm>
+            <a:off x="179513" y="1556792"/>
+            <a:ext cx="3600400" cy="2031325"/>
+          </a:xfrm>
+          <a:prstGeom prst="rect">
+            <a:avLst/>
+          </a:prstGeom>
+          <a:noFill/>
+        </p:spPr>
+        <p:txBody>
+          <a:bodyPr wrap="square" rtlCol="0">
+            <a:spAutoFit/>
+          </a:bodyPr>
+          <a:lstStyle/>
+          <a:p>
+            <a:pPr algn="just"/>
+            <a:r>
+              <a:rPr lang="es-ES" dirty="0" smtClean="0">
+                <a:solidFill>
+                  <a:srgbClr val="FF0000"/>
+                </a:solidFill>
+              </a:rPr>
+              <a:t>Acceder </a:t>
+            </a:r>
+            <a:r>
+              <a:rPr lang="es-ES" dirty="0" smtClean="0">
+                <a:solidFill>
+                  <a:srgbClr val="FF0000"/>
+                </a:solidFill>
+              </a:rPr>
+              <a:t>al campus virtual de la asignatura o bien a la dirección </a:t>
+            </a:r>
+            <a:r>
+              <a:rPr lang="es-ES" dirty="0" smtClean="0">
+                <a:solidFill>
+                  <a:srgbClr val="FF0000"/>
+                </a:solidFill>
+                <a:hlinkClick r:id="rId3"/>
+              </a:rPr>
+              <a:t>http://acceso.ull.es</a:t>
+            </a:r>
+            <a:r>
+              <a:rPr lang="es-ES" dirty="0" smtClean="0">
+                <a:solidFill>
+                  <a:srgbClr val="FF0000"/>
+                </a:solidFill>
+              </a:rPr>
+              <a:t> y comprobar que estás autentificado. En caso contrario, autentificarse ya que, de lo contrario, no podrás hacer los siguientes pasos.</a:t>
+            </a:r>
+            <a:endParaRPr lang="es-ES" dirty="0">
+              <a:solidFill>
+                <a:srgbClr val="FF0000"/>
+              </a:solidFill>
+            </a:endParaRPr>
+          </a:p>
+        </p:txBody>
+      </p:sp>
       <p:cxnSp>
         <p:nvCxnSpPr>
-          <p:cNvPr id="5" name="4 Conector recto de flecha"/>
+          <p:cNvPr id="4" name="3 Conector recto de flecha"/>
           <p:cNvCxnSpPr/>
           <p:nvPr/>
         </p:nvCxnSpPr>
         <p:spPr>
           <a:xfrm flipV="1">
-            <a:off x="2627784" y="1916832"/>
-            <a:ext cx="4176464" cy="1872208"/>
+            <a:off x="1331640" y="404664"/>
+            <a:ext cx="288032" cy="1080120"/>
           </a:xfrm>
           <a:prstGeom prst="straightConnector1">
             <a:avLst/>
@@ -5422,7 +6709,320 @@
     </p:spTree>
     <p:extLst>
       <p:ext uri="{BB962C8B-B14F-4D97-AF65-F5344CB8AC3E}">
-        <p14:creationId xmlns:p14="http://schemas.microsoft.com/office/powerpoint/2010/main" val="3431569138"/>
+        <p14:creationId xmlns:p14="http://schemas.microsoft.com/office/powerpoint/2010/main" val="1489948912"/>
+      </p:ext>
+    </p:extLst>
+  </p:cSld>
+  <p:clrMapOvr>
+    <a:masterClrMapping/>
+  </p:clrMapOvr>
+</p:sld>
+</file>
+
+<file path=ppt/slides/slide9.xml><?xml version="1.0" encoding="utf-8"?>
+<p:sld xmlns:a="http://schemas.openxmlformats.org/drawingml/2006/main" xmlns:r="http://schemas.openxmlformats.org/officeDocument/2006/relationships" xmlns:p="http://schemas.openxmlformats.org/presentationml/2006/main">
+  <p:cSld>
+    <p:spTree>
+      <p:nvGrpSpPr>
+        <p:cNvPr id="1" name=""/>
+        <p:cNvGrpSpPr/>
+        <p:nvPr/>
+      </p:nvGrpSpPr>
+      <p:grpSpPr>
+        <a:xfrm>
+          <a:off x="0" y="0"/>
+          <a:ext cx="0" cy="0"/>
+          <a:chOff x="0" y="0"/>
+          <a:chExt cx="0" cy="0"/>
+        </a:xfrm>
+      </p:grpSpPr>
+      <p:pic>
+        <p:nvPicPr>
+          <p:cNvPr id="1026" name="Picture 2" descr="E:\docencia_investigacion\Git_repos\REPOS_R\R_practicas_inferencia\images\iaas_web.png"/>
+          <p:cNvPicPr>
+            <a:picLocks noChangeAspect="1" noChangeArrowheads="1"/>
+          </p:cNvPicPr>
+          <p:nvPr/>
+        </p:nvPicPr>
+        <p:blipFill>
+          <a:blip r:embed="rId2">
+            <a:extLst>
+              <a:ext uri="{28A0092B-C50C-407E-A947-70E740481C1C}">
+                <a14:useLocalDpi xmlns:a14="http://schemas.microsoft.com/office/drawing/2010/main" val="0"/>
+              </a:ext>
+            </a:extLst>
+          </a:blip>
+          <a:srcRect/>
+          <a:stretch>
+            <a:fillRect/>
+          </a:stretch>
+        </p:blipFill>
+        <p:spPr bwMode="auto">
+          <a:xfrm>
+            <a:off x="323528" y="188640"/>
+            <a:ext cx="8195217" cy="6386398"/>
+          </a:xfrm>
+          <a:prstGeom prst="rect">
+            <a:avLst/>
+          </a:prstGeom>
+          <a:noFill/>
+          <a:extLst>
+            <a:ext uri="{909E8E84-426E-40DD-AFC4-6F175D3DCCD1}">
+              <a14:hiddenFill xmlns:a14="http://schemas.microsoft.com/office/drawing/2010/main">
+                <a:solidFill>
+                  <a:srgbClr val="FFFFFF"/>
+                </a:solidFill>
+              </a14:hiddenFill>
+            </a:ext>
+          </a:extLst>
+        </p:spPr>
+      </p:pic>
+      <p:sp>
+        <p:nvSpPr>
+          <p:cNvPr id="2" name="1 CuadroTexto"/>
+          <p:cNvSpPr txBox="1"/>
+          <p:nvPr/>
+        </p:nvSpPr>
+        <p:spPr>
+          <a:xfrm>
+            <a:off x="1702728" y="4633684"/>
+            <a:ext cx="1431802" cy="369332"/>
+          </a:xfrm>
+          <a:prstGeom prst="rect">
+            <a:avLst/>
+          </a:prstGeom>
+          <a:noFill/>
+        </p:spPr>
+        <p:txBody>
+          <a:bodyPr wrap="none" rtlCol="0">
+            <a:spAutoFit/>
+          </a:bodyPr>
+          <a:lstStyle/>
+          <a:p>
+            <a:r>
+              <a:rPr lang="es-ES" dirty="0" err="1" smtClean="0">
+                <a:solidFill>
+                  <a:srgbClr val="FF0000"/>
+                </a:solidFill>
+              </a:rPr>
+              <a:t>aluXXXXXXXX</a:t>
+            </a:r>
+            <a:endParaRPr lang="es-ES" dirty="0">
+              <a:solidFill>
+                <a:srgbClr val="FF0000"/>
+              </a:solidFill>
+            </a:endParaRPr>
+          </a:p>
+        </p:txBody>
+      </p:sp>
+      <p:sp>
+        <p:nvSpPr>
+          <p:cNvPr id="4" name="3 CuadroTexto"/>
+          <p:cNvSpPr txBox="1"/>
+          <p:nvPr/>
+        </p:nvSpPr>
+        <p:spPr>
+          <a:xfrm>
+            <a:off x="1700038" y="5003884"/>
+            <a:ext cx="1454244" cy="369332"/>
+          </a:xfrm>
+          <a:prstGeom prst="rect">
+            <a:avLst/>
+          </a:prstGeom>
+          <a:noFill/>
+        </p:spPr>
+        <p:txBody>
+          <a:bodyPr wrap="none" rtlCol="0">
+            <a:spAutoFit/>
+          </a:bodyPr>
+          <a:lstStyle/>
+          <a:p>
+            <a:r>
+              <a:rPr lang="es-ES" dirty="0" smtClean="0">
+                <a:solidFill>
+                  <a:srgbClr val="FF0000"/>
+                </a:solidFill>
+              </a:rPr>
+              <a:t>***********</a:t>
+            </a:r>
+            <a:endParaRPr lang="es-ES" dirty="0">
+              <a:solidFill>
+                <a:srgbClr val="FF0000"/>
+              </a:solidFill>
+            </a:endParaRPr>
+          </a:p>
+        </p:txBody>
+      </p:sp>
+      <p:sp>
+        <p:nvSpPr>
+          <p:cNvPr id="5" name="4 Elipse"/>
+          <p:cNvSpPr/>
+          <p:nvPr/>
+        </p:nvSpPr>
+        <p:spPr>
+          <a:xfrm>
+            <a:off x="1115616" y="204323"/>
+            <a:ext cx="1368152" cy="252029"/>
+          </a:xfrm>
+          <a:prstGeom prst="ellipse">
+            <a:avLst/>
+          </a:prstGeom>
+          <a:noFill/>
+          <a:ln>
+            <a:solidFill>
+              <a:srgbClr val="FF0000"/>
+            </a:solidFill>
+          </a:ln>
+        </p:spPr>
+        <p:style>
+          <a:lnRef idx="2">
+            <a:schemeClr val="accent1">
+              <a:shade val="50000"/>
+            </a:schemeClr>
+          </a:lnRef>
+          <a:fillRef idx="1">
+            <a:schemeClr val="accent1"/>
+          </a:fillRef>
+          <a:effectRef idx="0">
+            <a:schemeClr val="accent1"/>
+          </a:effectRef>
+          <a:fontRef idx="minor">
+            <a:schemeClr val="lt1"/>
+          </a:fontRef>
+        </p:style>
+        <p:txBody>
+          <a:bodyPr rtlCol="0" anchor="ctr"/>
+          <a:lstStyle/>
+          <a:p>
+            <a:pPr algn="ctr"/>
+            <a:endParaRPr lang="es-ES"/>
+          </a:p>
+        </p:txBody>
+      </p:sp>
+      <p:cxnSp>
+        <p:nvCxnSpPr>
+          <p:cNvPr id="6" name="5 Conector recto de flecha"/>
+          <p:cNvCxnSpPr/>
+          <p:nvPr/>
+        </p:nvCxnSpPr>
+        <p:spPr>
+          <a:xfrm flipV="1">
+            <a:off x="1403648" y="548680"/>
+            <a:ext cx="288032" cy="1080120"/>
+          </a:xfrm>
+          <a:prstGeom prst="straightConnector1">
+            <a:avLst/>
+          </a:prstGeom>
+          <a:ln>
+            <a:tailEnd type="arrow"/>
+          </a:ln>
+        </p:spPr>
+        <p:style>
+          <a:lnRef idx="1">
+            <a:schemeClr val="accent1"/>
+          </a:lnRef>
+          <a:fillRef idx="0">
+            <a:schemeClr val="accent1"/>
+          </a:fillRef>
+          <a:effectRef idx="0">
+            <a:schemeClr val="accent1"/>
+          </a:effectRef>
+          <a:fontRef idx="minor">
+            <a:schemeClr val="tx1"/>
+          </a:fontRef>
+        </p:style>
+      </p:cxnSp>
+      <p:sp>
+        <p:nvSpPr>
+          <p:cNvPr id="7" name="6 CuadroTexto"/>
+          <p:cNvSpPr txBox="1"/>
+          <p:nvPr/>
+        </p:nvSpPr>
+        <p:spPr>
+          <a:xfrm>
+            <a:off x="395537" y="1674674"/>
+            <a:ext cx="3816423" cy="923330"/>
+          </a:xfrm>
+          <a:prstGeom prst="rect">
+            <a:avLst/>
+          </a:prstGeom>
+          <a:noFill/>
+        </p:spPr>
+        <p:txBody>
+          <a:bodyPr wrap="square" rtlCol="0">
+            <a:spAutoFit/>
+          </a:bodyPr>
+          <a:lstStyle/>
+          <a:p>
+            <a:r>
+              <a:rPr lang="es-ES" dirty="0" smtClean="0">
+                <a:solidFill>
+                  <a:srgbClr val="FF0000"/>
+                </a:solidFill>
+              </a:rPr>
+              <a:t>Acceder a </a:t>
+            </a:r>
+            <a:r>
+              <a:rPr lang="es-ES" dirty="0" smtClean="0">
+                <a:solidFill>
+                  <a:srgbClr val="FFFF00"/>
+                </a:solidFill>
+              </a:rPr>
+              <a:t>http://iaas.ull.es </a:t>
+            </a:r>
+            <a:r>
+              <a:rPr lang="es-ES" dirty="0" smtClean="0">
+                <a:solidFill>
+                  <a:srgbClr val="FF0000"/>
+                </a:solidFill>
+              </a:rPr>
+              <a:t>y autentificarse también en esta pantalla.</a:t>
+            </a:r>
+            <a:endParaRPr lang="es-ES" dirty="0">
+              <a:solidFill>
+                <a:srgbClr val="FF0000"/>
+              </a:solidFill>
+            </a:endParaRPr>
+          </a:p>
+        </p:txBody>
+      </p:sp>
+      <p:cxnSp>
+        <p:nvCxnSpPr>
+          <p:cNvPr id="8" name="7 Conector recto de flecha"/>
+          <p:cNvCxnSpPr/>
+          <p:nvPr/>
+        </p:nvCxnSpPr>
+        <p:spPr>
+          <a:xfrm>
+            <a:off x="1403648" y="2598004"/>
+            <a:ext cx="372406" cy="2035680"/>
+          </a:xfrm>
+          <a:prstGeom prst="straightConnector1">
+            <a:avLst/>
+          </a:prstGeom>
+          <a:ln>
+            <a:tailEnd type="arrow"/>
+          </a:ln>
+        </p:spPr>
+        <p:style>
+          <a:lnRef idx="1">
+            <a:schemeClr val="accent1"/>
+          </a:lnRef>
+          <a:fillRef idx="0">
+            <a:schemeClr val="accent1"/>
+          </a:fillRef>
+          <a:effectRef idx="0">
+            <a:schemeClr val="accent1"/>
+          </a:effectRef>
+          <a:fontRef idx="minor">
+            <a:schemeClr val="tx1"/>
+          </a:fontRef>
+        </p:style>
+      </p:cxnSp>
+    </p:spTree>
+    <p:extLst>
+      <p:ext uri="{BB962C8B-B14F-4D97-AF65-F5344CB8AC3E}">
+        <p14:creationId xmlns:p14="http://schemas.microsoft.com/office/powerpoint/2010/main" val="811849116"/>
       </p:ext>
     </p:extLst>
   </p:cSld>

--- a/images/Presentación1.pptx
+++ b/images/Presentación1.pptx
@@ -11,14 +11,15 @@
     <p:sldId id="266" r:id="rId5"/>
     <p:sldId id="267" r:id="rId6"/>
     <p:sldId id="268" r:id="rId7"/>
-    <p:sldId id="269" r:id="rId8"/>
-    <p:sldId id="261" r:id="rId9"/>
-    <p:sldId id="257" r:id="rId10"/>
-    <p:sldId id="258" r:id="rId11"/>
-    <p:sldId id="259" r:id="rId12"/>
-    <p:sldId id="262" r:id="rId13"/>
-    <p:sldId id="260" r:id="rId14"/>
-    <p:sldId id="263" r:id="rId15"/>
+    <p:sldId id="270" r:id="rId8"/>
+    <p:sldId id="269" r:id="rId9"/>
+    <p:sldId id="261" r:id="rId10"/>
+    <p:sldId id="257" r:id="rId11"/>
+    <p:sldId id="258" r:id="rId12"/>
+    <p:sldId id="259" r:id="rId13"/>
+    <p:sldId id="262" r:id="rId14"/>
+    <p:sldId id="260" r:id="rId15"/>
+    <p:sldId id="263" r:id="rId16"/>
   </p:sldIdLst>
   <p:sldSz cx="9144000" cy="6858000" type="screen4x3"/>
   <p:notesSz cx="6858000" cy="9144000"/>
@@ -301,7 +302,7 @@
           <a:p>
             <a:fld id="{9E2B9D65-9CB5-44CB-B647-17247A1ADF60}" type="datetimeFigureOut">
               <a:rPr lang="es-ES" smtClean="0"/>
-              <a:t>26/10/2020</a:t>
+              <a:t>27/10/2020</a:t>
             </a:fld>
             <a:endParaRPr lang="es-ES"/>
           </a:p>
@@ -471,7 +472,7 @@
           <a:p>
             <a:fld id="{9E2B9D65-9CB5-44CB-B647-17247A1ADF60}" type="datetimeFigureOut">
               <a:rPr lang="es-ES" smtClean="0"/>
-              <a:t>26/10/2020</a:t>
+              <a:t>27/10/2020</a:t>
             </a:fld>
             <a:endParaRPr lang="es-ES"/>
           </a:p>
@@ -651,7 +652,7 @@
           <a:p>
             <a:fld id="{9E2B9D65-9CB5-44CB-B647-17247A1ADF60}" type="datetimeFigureOut">
               <a:rPr lang="es-ES" smtClean="0"/>
-              <a:t>26/10/2020</a:t>
+              <a:t>27/10/2020</a:t>
             </a:fld>
             <a:endParaRPr lang="es-ES"/>
           </a:p>
@@ -821,7 +822,7 @@
           <a:p>
             <a:fld id="{9E2B9D65-9CB5-44CB-B647-17247A1ADF60}" type="datetimeFigureOut">
               <a:rPr lang="es-ES" smtClean="0"/>
-              <a:t>26/10/2020</a:t>
+              <a:t>27/10/2020</a:t>
             </a:fld>
             <a:endParaRPr lang="es-ES"/>
           </a:p>
@@ -1067,7 +1068,7 @@
           <a:p>
             <a:fld id="{9E2B9D65-9CB5-44CB-B647-17247A1ADF60}" type="datetimeFigureOut">
               <a:rPr lang="es-ES" smtClean="0"/>
-              <a:t>26/10/2020</a:t>
+              <a:t>27/10/2020</a:t>
             </a:fld>
             <a:endParaRPr lang="es-ES"/>
           </a:p>
@@ -1355,7 +1356,7 @@
           <a:p>
             <a:fld id="{9E2B9D65-9CB5-44CB-B647-17247A1ADF60}" type="datetimeFigureOut">
               <a:rPr lang="es-ES" smtClean="0"/>
-              <a:t>26/10/2020</a:t>
+              <a:t>27/10/2020</a:t>
             </a:fld>
             <a:endParaRPr lang="es-ES"/>
           </a:p>
@@ -1777,7 +1778,7 @@
           <a:p>
             <a:fld id="{9E2B9D65-9CB5-44CB-B647-17247A1ADF60}" type="datetimeFigureOut">
               <a:rPr lang="es-ES" smtClean="0"/>
-              <a:t>26/10/2020</a:t>
+              <a:t>27/10/2020</a:t>
             </a:fld>
             <a:endParaRPr lang="es-ES"/>
           </a:p>
@@ -1895,7 +1896,7 @@
           <a:p>
             <a:fld id="{9E2B9D65-9CB5-44CB-B647-17247A1ADF60}" type="datetimeFigureOut">
               <a:rPr lang="es-ES" smtClean="0"/>
-              <a:t>26/10/2020</a:t>
+              <a:t>27/10/2020</a:t>
             </a:fld>
             <a:endParaRPr lang="es-ES"/>
           </a:p>
@@ -1990,7 +1991,7 @@
           <a:p>
             <a:fld id="{9E2B9D65-9CB5-44CB-B647-17247A1ADF60}" type="datetimeFigureOut">
               <a:rPr lang="es-ES" smtClean="0"/>
-              <a:t>26/10/2020</a:t>
+              <a:t>27/10/2020</a:t>
             </a:fld>
             <a:endParaRPr lang="es-ES"/>
           </a:p>
@@ -2267,7 +2268,7 @@
           <a:p>
             <a:fld id="{9E2B9D65-9CB5-44CB-B647-17247A1ADF60}" type="datetimeFigureOut">
               <a:rPr lang="es-ES" smtClean="0"/>
-              <a:t>26/10/2020</a:t>
+              <a:t>27/10/2020</a:t>
             </a:fld>
             <a:endParaRPr lang="es-ES"/>
           </a:p>
@@ -2520,7 +2521,7 @@
           <a:p>
             <a:fld id="{9E2B9D65-9CB5-44CB-B647-17247A1ADF60}" type="datetimeFigureOut">
               <a:rPr lang="es-ES" smtClean="0"/>
-              <a:t>26/10/2020</a:t>
+              <a:t>27/10/2020</a:t>
             </a:fld>
             <a:endParaRPr lang="es-ES"/>
           </a:p>
@@ -2733,7 +2734,7 @@
           <a:p>
             <a:fld id="{9E2B9D65-9CB5-44CB-B647-17247A1ADF60}" type="datetimeFigureOut">
               <a:rPr lang="es-ES" smtClean="0"/>
-              <a:t>26/10/2020</a:t>
+              <a:t>27/10/2020</a:t>
             </a:fld>
             <a:endParaRPr lang="es-ES"/>
           </a:p>
@@ -3544,7 +3545,7 @@
       </p:grpSpPr>
       <p:pic>
         <p:nvPicPr>
-          <p:cNvPr id="2050" name="Picture 2" descr="E:\docencia_investigacion\Git_repos\REPOS_R\R_practicas_inferencia\images\virt_machine.png"/>
+          <p:cNvPr id="1026" name="Picture 2" descr="E:\docencia_investigacion\Git_repos\REPOS_R\R_practicas_inferencia\images\iaas_web.png"/>
           <p:cNvPicPr>
             <a:picLocks noChangeAspect="1" noChangeArrowheads="1"/>
           </p:cNvPicPr>
@@ -3565,8 +3566,8 @@
         </p:blipFill>
         <p:spPr bwMode="auto">
           <a:xfrm>
-            <a:off x="251520" y="548680"/>
-            <a:ext cx="8496944" cy="5970289"/>
+            <a:off x="323528" y="188640"/>
+            <a:ext cx="8195217" cy="6386398"/>
           </a:xfrm>
           <a:prstGeom prst="rect">
             <a:avLst/>
@@ -3591,8 +3592,8 @@
         </p:nvSpPr>
         <p:spPr>
           <a:xfrm>
-            <a:off x="3131841" y="3284984"/>
-            <a:ext cx="3816423" cy="923330"/>
+            <a:off x="1702728" y="4633684"/>
+            <a:ext cx="1431802" cy="369332"/>
           </a:xfrm>
           <a:prstGeom prst="rect">
             <a:avLst/>
@@ -3600,38 +3601,18 @@
           <a:noFill/>
         </p:spPr>
         <p:txBody>
-          <a:bodyPr wrap="square" rtlCol="0">
+          <a:bodyPr wrap="none" rtlCol="0">
             <a:spAutoFit/>
           </a:bodyPr>
           <a:lstStyle/>
           <a:p>
             <a:r>
-              <a:rPr lang="es-ES" dirty="0" smtClean="0">
+              <a:rPr lang="es-ES" dirty="0" err="1" smtClean="0">
                 <a:solidFill>
                   <a:srgbClr val="FF0000"/>
                 </a:solidFill>
               </a:rPr>
-              <a:t>Hacer click en “Ejecutar” y </a:t>
-            </a:r>
-          </a:p>
-          <a:p>
-            <a:r>
-              <a:rPr lang="es-ES" dirty="0" smtClean="0">
-                <a:solidFill>
-                  <a:srgbClr val="FF0000"/>
-                </a:solidFill>
-              </a:rPr>
-              <a:t>la máquina virtual comenzará a cargar</a:t>
-            </a:r>
-          </a:p>
-          <a:p>
-            <a:r>
-              <a:rPr lang="es-ES" dirty="0" smtClean="0">
-                <a:solidFill>
-                  <a:srgbClr val="FF0000"/>
-                </a:solidFill>
-              </a:rPr>
-              <a:t>PACIENCIA tarda un rato</a:t>
+              <a:t>aluXXXXXXXX</a:t>
             </a:r>
             <a:endParaRPr lang="es-ES" dirty="0">
               <a:solidFill>
@@ -3641,93 +3622,63 @@
           </a:p>
         </p:txBody>
       </p:sp>
-      <p:cxnSp>
-        <p:nvCxnSpPr>
-          <p:cNvPr id="4" name="3 Conector recto de flecha"/>
-          <p:cNvCxnSpPr/>
-          <p:nvPr/>
-        </p:nvCxnSpPr>
-        <p:spPr>
-          <a:xfrm flipH="1">
-            <a:off x="1763688" y="3533824"/>
-            <a:ext cx="1368153" cy="1839392"/>
-          </a:xfrm>
-          <a:prstGeom prst="straightConnector1">
-            <a:avLst/>
-          </a:prstGeom>
+      <p:sp>
+        <p:nvSpPr>
+          <p:cNvPr id="4" name="3 CuadroTexto"/>
+          <p:cNvSpPr txBox="1"/>
+          <p:nvPr/>
+        </p:nvSpPr>
+        <p:spPr>
+          <a:xfrm>
+            <a:off x="1700038" y="5003884"/>
+            <a:ext cx="1454244" cy="369332"/>
+          </a:xfrm>
+          <a:prstGeom prst="rect">
+            <a:avLst/>
+          </a:prstGeom>
+          <a:noFill/>
+        </p:spPr>
+        <p:txBody>
+          <a:bodyPr wrap="none" rtlCol="0">
+            <a:spAutoFit/>
+          </a:bodyPr>
+          <a:lstStyle/>
+          <a:p>
+            <a:r>
+              <a:rPr lang="es-ES" dirty="0" smtClean="0">
+                <a:solidFill>
+                  <a:srgbClr val="FF0000"/>
+                </a:solidFill>
+              </a:rPr>
+              <a:t>***********</a:t>
+            </a:r>
+            <a:endParaRPr lang="es-ES" dirty="0">
+              <a:solidFill>
+                <a:srgbClr val="FF0000"/>
+              </a:solidFill>
+            </a:endParaRPr>
+          </a:p>
+        </p:txBody>
+      </p:sp>
+      <p:sp>
+        <p:nvSpPr>
+          <p:cNvPr id="5" name="4 Elipse"/>
+          <p:cNvSpPr/>
+          <p:nvPr/>
+        </p:nvSpPr>
+        <p:spPr>
+          <a:xfrm>
+            <a:off x="1115616" y="204323"/>
+            <a:ext cx="1368152" cy="252029"/>
+          </a:xfrm>
+          <a:prstGeom prst="ellipse">
+            <a:avLst/>
+          </a:prstGeom>
+          <a:noFill/>
           <a:ln>
-            <a:tailEnd type="arrow"/>
-          </a:ln>
-        </p:spPr>
-        <p:style>
-          <a:lnRef idx="1">
-            <a:schemeClr val="accent1"/>
-          </a:lnRef>
-          <a:fillRef idx="0">
-            <a:schemeClr val="accent1"/>
-          </a:fillRef>
-          <a:effectRef idx="0">
-            <a:schemeClr val="accent1"/>
-          </a:effectRef>
-          <a:fontRef idx="minor">
-            <a:schemeClr val="tx1"/>
-          </a:fontRef>
-        </p:style>
-      </p:cxnSp>
-      <p:cxnSp>
-        <p:nvCxnSpPr>
-          <p:cNvPr id="7" name="6 Conector recto de flecha"/>
-          <p:cNvCxnSpPr/>
-          <p:nvPr/>
-        </p:nvCxnSpPr>
-        <p:spPr>
-          <a:xfrm flipH="1" flipV="1">
-            <a:off x="5940152" y="2031230"/>
-            <a:ext cx="576064" cy="1613794"/>
-          </a:xfrm>
-          <a:prstGeom prst="straightConnector1">
-            <a:avLst/>
-          </a:prstGeom>
-          <a:ln>
-            <a:tailEnd type="arrow"/>
-          </a:ln>
-        </p:spPr>
-        <p:style>
-          <a:lnRef idx="1">
-            <a:schemeClr val="accent1"/>
-          </a:lnRef>
-          <a:fillRef idx="0">
-            <a:schemeClr val="accent1"/>
-          </a:fillRef>
-          <a:effectRef idx="0">
-            <a:schemeClr val="accent1"/>
-          </a:effectRef>
-          <a:fontRef idx="minor">
-            <a:schemeClr val="tx1"/>
-          </a:fontRef>
-        </p:style>
-      </p:cxnSp>
-      <p:sp>
-        <p:nvSpPr>
-          <p:cNvPr id="10" name="9 Rectángulo"/>
-          <p:cNvSpPr/>
-          <p:nvPr/>
-        </p:nvSpPr>
-        <p:spPr>
-          <a:xfrm>
-            <a:off x="2051720" y="950248"/>
-            <a:ext cx="1224136" cy="144016"/>
-          </a:xfrm>
-          <a:prstGeom prst="rect">
-            <a:avLst/>
-          </a:prstGeom>
-          <a:solidFill>
-            <a:schemeClr val="bg1">
-              <a:lumMod val="95000"/>
-            </a:schemeClr>
-          </a:solidFill>
-          <a:ln>
-            <a:noFill/>
+            <a:solidFill>
+              <a:srgbClr val="FF0000"/>
+            </a:solidFill>
           </a:ln>
         </p:spPr>
         <p:style>
@@ -3755,10 +3706,130 @@
           </a:p>
         </p:txBody>
       </p:sp>
+      <p:cxnSp>
+        <p:nvCxnSpPr>
+          <p:cNvPr id="6" name="5 Conector recto de flecha"/>
+          <p:cNvCxnSpPr/>
+          <p:nvPr/>
+        </p:nvCxnSpPr>
+        <p:spPr>
+          <a:xfrm flipV="1">
+            <a:off x="1403648" y="548680"/>
+            <a:ext cx="288032" cy="1080120"/>
+          </a:xfrm>
+          <a:prstGeom prst="straightConnector1">
+            <a:avLst/>
+          </a:prstGeom>
+          <a:ln>
+            <a:tailEnd type="arrow"/>
+          </a:ln>
+        </p:spPr>
+        <p:style>
+          <a:lnRef idx="1">
+            <a:schemeClr val="accent1"/>
+          </a:lnRef>
+          <a:fillRef idx="0">
+            <a:schemeClr val="accent1"/>
+          </a:fillRef>
+          <a:effectRef idx="0">
+            <a:schemeClr val="accent1"/>
+          </a:effectRef>
+          <a:fontRef idx="minor">
+            <a:schemeClr val="tx1"/>
+          </a:fontRef>
+        </p:style>
+      </p:cxnSp>
+      <p:sp>
+        <p:nvSpPr>
+          <p:cNvPr id="7" name="6 CuadroTexto"/>
+          <p:cNvSpPr txBox="1"/>
+          <p:nvPr/>
+        </p:nvSpPr>
+        <p:spPr>
+          <a:xfrm>
+            <a:off x="395537" y="1674674"/>
+            <a:ext cx="3816423" cy="923330"/>
+          </a:xfrm>
+          <a:prstGeom prst="rect">
+            <a:avLst/>
+          </a:prstGeom>
+          <a:noFill/>
+        </p:spPr>
+        <p:txBody>
+          <a:bodyPr wrap="square" rtlCol="0">
+            <a:spAutoFit/>
+          </a:bodyPr>
+          <a:lstStyle/>
+          <a:p>
+            <a:r>
+              <a:rPr lang="es-ES" dirty="0" smtClean="0">
+                <a:solidFill>
+                  <a:srgbClr val="FF0000"/>
+                </a:solidFill>
+              </a:rPr>
+              <a:t>Acceder a </a:t>
+            </a:r>
+            <a:r>
+              <a:rPr lang="es-ES" dirty="0" smtClean="0">
+                <a:solidFill>
+                  <a:srgbClr val="FFFF00"/>
+                </a:solidFill>
+              </a:rPr>
+              <a:t>http://iaas.ull.es </a:t>
+            </a:r>
+            <a:r>
+              <a:rPr lang="es-ES" dirty="0" smtClean="0">
+                <a:solidFill>
+                  <a:srgbClr val="FF0000"/>
+                </a:solidFill>
+              </a:rPr>
+              <a:t>y autentificarse también en esta pantalla.</a:t>
+            </a:r>
+            <a:endParaRPr lang="es-ES" dirty="0">
+              <a:solidFill>
+                <a:srgbClr val="FF0000"/>
+              </a:solidFill>
+            </a:endParaRPr>
+          </a:p>
+        </p:txBody>
+      </p:sp>
+      <p:cxnSp>
+        <p:nvCxnSpPr>
+          <p:cNvPr id="8" name="7 Conector recto de flecha"/>
+          <p:cNvCxnSpPr/>
+          <p:nvPr/>
+        </p:nvCxnSpPr>
+        <p:spPr>
+          <a:xfrm>
+            <a:off x="1403648" y="2598004"/>
+            <a:ext cx="372406" cy="2035680"/>
+          </a:xfrm>
+          <a:prstGeom prst="straightConnector1">
+            <a:avLst/>
+          </a:prstGeom>
+          <a:ln>
+            <a:tailEnd type="arrow"/>
+          </a:ln>
+        </p:spPr>
+        <p:style>
+          <a:lnRef idx="1">
+            <a:schemeClr val="accent1"/>
+          </a:lnRef>
+          <a:fillRef idx="0">
+            <a:schemeClr val="accent1"/>
+          </a:fillRef>
+          <a:effectRef idx="0">
+            <a:schemeClr val="accent1"/>
+          </a:effectRef>
+          <a:fontRef idx="minor">
+            <a:schemeClr val="tx1"/>
+          </a:fontRef>
+        </p:style>
+      </p:cxnSp>
     </p:spTree>
     <p:extLst>
       <p:ext uri="{BB962C8B-B14F-4D97-AF65-F5344CB8AC3E}">
-        <p14:creationId xmlns:p14="http://schemas.microsoft.com/office/powerpoint/2010/main" val="2269043217"/>
+        <p14:creationId xmlns:p14="http://schemas.microsoft.com/office/powerpoint/2010/main" val="811849116"/>
       </p:ext>
     </p:extLst>
   </p:cSld>
@@ -3787,7 +3858,7 @@
       </p:grpSpPr>
       <p:pic>
         <p:nvPicPr>
-          <p:cNvPr id="3074" name="Picture 2" descr="E:\docencia_investigacion\Git_repos\REPOS_R\R_practicas_inferencia\images\virt_machine_started.png"/>
+          <p:cNvPr id="2050" name="Picture 2" descr="E:\docencia_investigacion\Git_repos\REPOS_R\R_practicas_inferencia\images\virt_machine.png"/>
           <p:cNvPicPr>
             <a:picLocks noChangeAspect="1" noChangeArrowheads="1"/>
           </p:cNvPicPr>
@@ -3808,8 +3879,8 @@
         </p:blipFill>
         <p:spPr bwMode="auto">
           <a:xfrm>
-            <a:off x="179512" y="620689"/>
-            <a:ext cx="8784976" cy="5688632"/>
+            <a:off x="251520" y="548680"/>
+            <a:ext cx="8496944" cy="5970289"/>
           </a:xfrm>
           <a:prstGeom prst="rect">
             <a:avLst/>
@@ -3828,14 +3899,14 @@
       </p:pic>
       <p:sp>
         <p:nvSpPr>
-          <p:cNvPr id="3" name="2 CuadroTexto"/>
+          <p:cNvPr id="2" name="1 CuadroTexto"/>
           <p:cNvSpPr txBox="1"/>
           <p:nvPr/>
         </p:nvSpPr>
         <p:spPr>
           <a:xfrm>
-            <a:off x="467544" y="4437112"/>
-            <a:ext cx="2808311" cy="2031325"/>
+            <a:off x="3131841" y="3284984"/>
+            <a:ext cx="3816423" cy="923330"/>
           </a:xfrm>
           <a:prstGeom prst="rect">
             <a:avLst/>
@@ -3848,25 +3919,33 @@
           </a:bodyPr>
           <a:lstStyle/>
           <a:p>
-            <a:pPr algn="just"/>
             <a:r>
               <a:rPr lang="es-ES" dirty="0" smtClean="0">
                 <a:solidFill>
                   <a:srgbClr val="FF0000"/>
                 </a:solidFill>
               </a:rPr>
-              <a:t>Esta es la dirección IP de la máquina. </a:t>
-            </a:r>
-          </a:p>
-          <a:p>
-            <a:pPr algn="just"/>
+              <a:t>Hacer click en “Ejecutar” y </a:t>
+            </a:r>
+          </a:p>
+          <a:p>
             <a:r>
               <a:rPr lang="es-ES" dirty="0" smtClean="0">
                 <a:solidFill>
                   <a:srgbClr val="FF0000"/>
                 </a:solidFill>
               </a:rPr>
-              <a:t>A cada alumno le sale su propia IP (la que sale en este gráfico es ficticia) así que hay que anotarla para utilizarla más adelante.</a:t>
+              <a:t>la máquina virtual comenzará a cargar</a:t>
+            </a:r>
+          </a:p>
+          <a:p>
+            <a:r>
+              <a:rPr lang="es-ES" dirty="0" smtClean="0">
+                <a:solidFill>
+                  <a:srgbClr val="FF0000"/>
+                </a:solidFill>
+              </a:rPr>
+              <a:t>PACIENCIA tarda un rato</a:t>
             </a:r>
             <a:endParaRPr lang="es-ES" dirty="0">
               <a:solidFill>
@@ -3878,14 +3957,14 @@
       </p:sp>
       <p:cxnSp>
         <p:nvCxnSpPr>
-          <p:cNvPr id="5" name="4 Conector recto de flecha"/>
+          <p:cNvPr id="4" name="3 Conector recto de flecha"/>
           <p:cNvCxnSpPr/>
           <p:nvPr/>
         </p:nvCxnSpPr>
         <p:spPr>
-          <a:xfrm flipV="1">
-            <a:off x="2843808" y="3433638"/>
-            <a:ext cx="1728192" cy="1003474"/>
+          <a:xfrm flipH="1">
+            <a:off x="1763688" y="3533824"/>
+            <a:ext cx="1368153" cy="1839392"/>
           </a:xfrm>
           <a:prstGeom prst="straightConnector1">
             <a:avLst/>
@@ -3909,57 +3988,60 @@
           </a:fontRef>
         </p:style>
       </p:cxnSp>
-      <p:sp>
-        <p:nvSpPr>
-          <p:cNvPr id="6" name="5 CuadroTexto"/>
-          <p:cNvSpPr txBox="1"/>
-          <p:nvPr/>
-        </p:nvSpPr>
-        <p:spPr>
-          <a:xfrm>
-            <a:off x="4644008" y="3068960"/>
-            <a:ext cx="1410964" cy="369332"/>
+      <p:cxnSp>
+        <p:nvCxnSpPr>
+          <p:cNvPr id="7" name="6 Conector recto de flecha"/>
+          <p:cNvCxnSpPr/>
+          <p:nvPr/>
+        </p:nvCxnSpPr>
+        <p:spPr>
+          <a:xfrm flipH="1" flipV="1">
+            <a:off x="5940152" y="2031230"/>
+            <a:ext cx="576064" cy="1613794"/>
+          </a:xfrm>
+          <a:prstGeom prst="straightConnector1">
+            <a:avLst/>
+          </a:prstGeom>
+          <a:ln>
+            <a:tailEnd type="arrow"/>
+          </a:ln>
+        </p:spPr>
+        <p:style>
+          <a:lnRef idx="1">
+            <a:schemeClr val="accent1"/>
+          </a:lnRef>
+          <a:fillRef idx="0">
+            <a:schemeClr val="accent1"/>
+          </a:fillRef>
+          <a:effectRef idx="0">
+            <a:schemeClr val="accent1"/>
+          </a:effectRef>
+          <a:fontRef idx="minor">
+            <a:schemeClr val="tx1"/>
+          </a:fontRef>
+        </p:style>
+      </p:cxnSp>
+      <p:sp>
+        <p:nvSpPr>
+          <p:cNvPr id="10" name="9 Rectángulo"/>
+          <p:cNvSpPr/>
+          <p:nvPr/>
+        </p:nvSpPr>
+        <p:spPr>
+          <a:xfrm>
+            <a:off x="2051720" y="950248"/>
+            <a:ext cx="1224136" cy="144016"/>
           </a:xfrm>
           <a:prstGeom prst="rect">
             <a:avLst/>
           </a:prstGeom>
           <a:solidFill>
-            <a:schemeClr val="bg1"/>
+            <a:schemeClr val="bg1">
+              <a:lumMod val="95000"/>
+            </a:schemeClr>
           </a:solidFill>
-        </p:spPr>
-        <p:txBody>
-          <a:bodyPr wrap="none" rtlCol="0">
-            <a:spAutoFit/>
-          </a:bodyPr>
-          <a:lstStyle/>
-          <a:p>
-            <a:r>
-              <a:rPr lang="es-ES" dirty="0" smtClean="0"/>
-              <a:t>10.6.128.255</a:t>
-            </a:r>
-            <a:endParaRPr lang="es-ES" dirty="0"/>
-          </a:p>
-        </p:txBody>
-      </p:sp>
-      <p:sp>
-        <p:nvSpPr>
-          <p:cNvPr id="2" name="1 Elipse"/>
-          <p:cNvSpPr/>
-          <p:nvPr/>
-        </p:nvSpPr>
-        <p:spPr>
-          <a:xfrm>
-            <a:off x="4572000" y="3038480"/>
-            <a:ext cx="1482972" cy="432048"/>
-          </a:xfrm>
-          <a:prstGeom prst="ellipse">
-            <a:avLst/>
-          </a:prstGeom>
-          <a:noFill/>
           <a:ln>
-            <a:solidFill>
-              <a:srgbClr val="FF0000"/>
-            </a:solidFill>
+            <a:noFill/>
           </a:ln>
         </p:spPr>
         <p:style>
@@ -3990,7 +4072,7 @@
     </p:spTree>
     <p:extLst>
       <p:ext uri="{BB962C8B-B14F-4D97-AF65-F5344CB8AC3E}">
-        <p14:creationId xmlns:p14="http://schemas.microsoft.com/office/powerpoint/2010/main" val="3669325879"/>
+        <p14:creationId xmlns:p14="http://schemas.microsoft.com/office/powerpoint/2010/main" val="2269043217"/>
       </p:ext>
     </p:extLst>
   </p:cSld>
@@ -4019,7 +4101,7 @@
       </p:grpSpPr>
       <p:pic>
         <p:nvPicPr>
-          <p:cNvPr id="6146" name="Picture 2" descr="E:\docencia_investigacion\Git_repos\REPOS_R\R_practicas_inferencia\images\rstudio_login.png"/>
+          <p:cNvPr id="3074" name="Picture 2" descr="E:\docencia_investigacion\Git_repos\REPOS_R\R_practicas_inferencia\images\virt_machine_started.png"/>
           <p:cNvPicPr>
             <a:picLocks noChangeAspect="1" noChangeArrowheads="1"/>
           </p:cNvPicPr>
@@ -4040,8 +4122,8 @@
         </p:blipFill>
         <p:spPr bwMode="auto">
           <a:xfrm>
-            <a:off x="246790" y="465161"/>
-            <a:ext cx="8717698" cy="5124079"/>
+            <a:off x="179512" y="620689"/>
+            <a:ext cx="8784976" cy="5688632"/>
           </a:xfrm>
           <a:prstGeom prst="rect">
             <a:avLst/>
@@ -4066,8 +4148,8 @@
         </p:nvSpPr>
         <p:spPr>
           <a:xfrm>
-            <a:off x="251520" y="2128788"/>
-            <a:ext cx="2808311" cy="1754326"/>
+            <a:off x="467544" y="4437112"/>
+            <a:ext cx="2808311" cy="2031325"/>
           </a:xfrm>
           <a:prstGeom prst="rect">
             <a:avLst/>
@@ -4087,21 +4169,37 @@
                   <a:srgbClr val="FF0000"/>
                 </a:solidFill>
               </a:rPr>
-              <a:t>Introducir en la barra de direcciones del navegador la dirección IP que cada uno obtiene del paso anterior seguida de :8087 (puedes añadirla a Mis Favoritos)</a:t>
-            </a:r>
+              <a:t>Esta es la dirección IP de la máquina. </a:t>
+            </a:r>
+          </a:p>
+          <a:p>
+            <a:pPr algn="just"/>
+            <a:r>
+              <a:rPr lang="es-ES" dirty="0" smtClean="0">
+                <a:solidFill>
+                  <a:srgbClr val="FF0000"/>
+                </a:solidFill>
+              </a:rPr>
+              <a:t>A cada alumno le sale su propia IP (la que sale en este gráfico es ficticia) así que hay que anotarla para utilizarla más adelante.</a:t>
+            </a:r>
+            <a:endParaRPr lang="es-ES" dirty="0">
+              <a:solidFill>
+                <a:srgbClr val="FF0000"/>
+              </a:solidFill>
+            </a:endParaRPr>
           </a:p>
         </p:txBody>
       </p:sp>
       <p:cxnSp>
         <p:nvCxnSpPr>
-          <p:cNvPr id="4" name="3 Conector recto de flecha"/>
+          <p:cNvPr id="5" name="4 Conector recto de flecha"/>
           <p:cNvCxnSpPr/>
           <p:nvPr/>
         </p:nvCxnSpPr>
         <p:spPr>
           <a:xfrm flipV="1">
-            <a:off x="1403648" y="908720"/>
-            <a:ext cx="337760" cy="1224136"/>
+            <a:off x="2843808" y="3433638"/>
+            <a:ext cx="1728192" cy="1003474"/>
           </a:xfrm>
           <a:prstGeom prst="straightConnector1">
             <a:avLst/>
@@ -4127,22 +4225,20 @@
       </p:cxnSp>
       <p:sp>
         <p:nvSpPr>
-          <p:cNvPr id="7" name="6 CuadroTexto"/>
+          <p:cNvPr id="6" name="5 CuadroTexto"/>
           <p:cNvSpPr txBox="1"/>
           <p:nvPr/>
         </p:nvSpPr>
         <p:spPr>
           <a:xfrm>
-            <a:off x="1350931" y="472614"/>
-            <a:ext cx="1266693" cy="261610"/>
+            <a:off x="4644008" y="3068960"/>
+            <a:ext cx="1410964" cy="369332"/>
           </a:xfrm>
           <a:prstGeom prst="rect">
             <a:avLst/>
           </a:prstGeom>
           <a:solidFill>
-            <a:schemeClr val="bg1">
-              <a:lumMod val="95000"/>
-            </a:schemeClr>
+            <a:schemeClr val="bg1"/>
           </a:solidFill>
         </p:spPr>
         <p:txBody>
@@ -4152,23 +4248,23 @@
           <a:lstStyle/>
           <a:p>
             <a:r>
-              <a:rPr lang="es-ES" sz="1100" b="1" dirty="0" smtClean="0"/>
-              <a:t>10.6.128.255:8087</a:t>
-            </a:r>
-            <a:endParaRPr lang="es-ES" sz="1100" b="1" dirty="0"/>
-          </a:p>
-        </p:txBody>
-      </p:sp>
-      <p:sp>
-        <p:nvSpPr>
-          <p:cNvPr id="5" name="4 Elipse"/>
+              <a:rPr lang="es-ES" dirty="0" smtClean="0"/>
+              <a:t>10.6.128.255</a:t>
+            </a:r>
+            <a:endParaRPr lang="es-ES" dirty="0"/>
+          </a:p>
+        </p:txBody>
+      </p:sp>
+      <p:sp>
+        <p:nvSpPr>
+          <p:cNvPr id="2" name="1 Elipse"/>
           <p:cNvSpPr/>
           <p:nvPr/>
         </p:nvSpPr>
         <p:spPr>
           <a:xfrm>
-            <a:off x="1099732" y="353864"/>
-            <a:ext cx="1589899" cy="452368"/>
+            <a:off x="4572000" y="3038480"/>
+            <a:ext cx="1482972" cy="432048"/>
           </a:xfrm>
           <a:prstGeom prst="ellipse">
             <a:avLst/>
@@ -4205,200 +4301,10 @@
           </a:p>
         </p:txBody>
       </p:sp>
-      <p:cxnSp>
-        <p:nvCxnSpPr>
-          <p:cNvPr id="8" name="7 Conector recto de flecha"/>
-          <p:cNvCxnSpPr/>
-          <p:nvPr/>
-        </p:nvCxnSpPr>
-        <p:spPr>
-          <a:xfrm flipV="1">
-            <a:off x="2195736" y="3027202"/>
-            <a:ext cx="3744416" cy="1697942"/>
-          </a:xfrm>
-          <a:prstGeom prst="straightConnector1">
-            <a:avLst/>
-          </a:prstGeom>
-          <a:ln>
-            <a:tailEnd type="arrow"/>
-          </a:ln>
-        </p:spPr>
-        <p:style>
-          <a:lnRef idx="1">
-            <a:schemeClr val="accent1"/>
-          </a:lnRef>
-          <a:fillRef idx="0">
-            <a:schemeClr val="accent1"/>
-          </a:fillRef>
-          <a:effectRef idx="0">
-            <a:schemeClr val="accent1"/>
-          </a:effectRef>
-          <a:fontRef idx="minor">
-            <a:schemeClr val="tx1"/>
-          </a:fontRef>
-        </p:style>
-      </p:cxnSp>
-      <p:sp>
-        <p:nvSpPr>
-          <p:cNvPr id="9" name="8 CuadroTexto"/>
-          <p:cNvSpPr txBox="1"/>
-          <p:nvPr/>
-        </p:nvSpPr>
-        <p:spPr>
-          <a:xfrm>
-            <a:off x="5908890" y="2852936"/>
-            <a:ext cx="618374" cy="369332"/>
-          </a:xfrm>
-          <a:prstGeom prst="rect">
-            <a:avLst/>
-          </a:prstGeom>
-          <a:noFill/>
-        </p:spPr>
-        <p:txBody>
-          <a:bodyPr wrap="none" rtlCol="0">
-            <a:spAutoFit/>
-          </a:bodyPr>
-          <a:lstStyle/>
-          <a:p>
-            <a:r>
-              <a:rPr lang="es-ES" dirty="0" smtClean="0">
-                <a:solidFill>
-                  <a:srgbClr val="FF0000"/>
-                </a:solidFill>
-              </a:rPr>
-              <a:t>infer</a:t>
-            </a:r>
-            <a:endParaRPr lang="es-ES" dirty="0">
-              <a:solidFill>
-                <a:srgbClr val="FF0000"/>
-              </a:solidFill>
-            </a:endParaRPr>
-          </a:p>
-        </p:txBody>
-      </p:sp>
-      <p:sp>
-        <p:nvSpPr>
-          <p:cNvPr id="12" name="11 CuadroTexto"/>
-          <p:cNvSpPr txBox="1"/>
-          <p:nvPr/>
-        </p:nvSpPr>
-        <p:spPr>
-          <a:xfrm>
-            <a:off x="5908784" y="3307060"/>
-            <a:ext cx="618374" cy="369332"/>
-          </a:xfrm>
-          <a:prstGeom prst="rect">
-            <a:avLst/>
-          </a:prstGeom>
-          <a:noFill/>
-        </p:spPr>
-        <p:txBody>
-          <a:bodyPr wrap="none" rtlCol="0">
-            <a:spAutoFit/>
-          </a:bodyPr>
-          <a:lstStyle/>
-          <a:p>
-            <a:r>
-              <a:rPr lang="es-ES" dirty="0" smtClean="0">
-                <a:solidFill>
-                  <a:srgbClr val="FF0000"/>
-                </a:solidFill>
-              </a:rPr>
-              <a:t>infer</a:t>
-            </a:r>
-            <a:endParaRPr lang="es-ES" dirty="0">
-              <a:solidFill>
-                <a:srgbClr val="FF0000"/>
-              </a:solidFill>
-            </a:endParaRPr>
-          </a:p>
-        </p:txBody>
-      </p:sp>
-      <p:sp>
-        <p:nvSpPr>
-          <p:cNvPr id="13" name="12 CuadroTexto"/>
-          <p:cNvSpPr txBox="1"/>
-          <p:nvPr/>
-        </p:nvSpPr>
-        <p:spPr>
-          <a:xfrm>
-            <a:off x="251520" y="4122946"/>
-            <a:ext cx="4752528" cy="1754326"/>
-          </a:xfrm>
-          <a:prstGeom prst="rect">
-            <a:avLst/>
-          </a:prstGeom>
-          <a:noFill/>
-        </p:spPr>
-        <p:txBody>
-          <a:bodyPr wrap="square" rtlCol="0">
-            <a:spAutoFit/>
-          </a:bodyPr>
-          <a:lstStyle/>
-          <a:p>
-            <a:pPr algn="just"/>
-            <a:r>
-              <a:rPr lang="es-ES" dirty="0" smtClean="0">
-                <a:solidFill>
-                  <a:srgbClr val="FF0000"/>
-                </a:solidFill>
-              </a:rPr>
-              <a:t>Para acceder a la aplicación Rstudio se utiliza el </a:t>
-            </a:r>
-          </a:p>
-          <a:p>
-            <a:pPr marL="285750" indent="-285750" algn="just">
-              <a:buFont typeface="Arial" panose="020B0604020202020204" pitchFamily="34" charset="0"/>
-              <a:buChar char="•"/>
-            </a:pPr>
-            <a:r>
-              <a:rPr lang="es-ES" dirty="0" smtClean="0">
-                <a:solidFill>
-                  <a:srgbClr val="FF0000"/>
-                </a:solidFill>
-              </a:rPr>
-              <a:t>username: infer </a:t>
-            </a:r>
-          </a:p>
-          <a:p>
-            <a:pPr marL="285750" indent="-285750" algn="just">
-              <a:buFont typeface="Arial" panose="020B0604020202020204" pitchFamily="34" charset="0"/>
-              <a:buChar char="•"/>
-            </a:pPr>
-            <a:r>
-              <a:rPr lang="es-ES" dirty="0" smtClean="0">
-                <a:solidFill>
-                  <a:srgbClr val="FF0000"/>
-                </a:solidFill>
-              </a:rPr>
-              <a:t>password: infer</a:t>
-            </a:r>
-          </a:p>
-          <a:p>
-            <a:pPr algn="just"/>
-            <a:endParaRPr lang="es-ES" dirty="0">
-              <a:solidFill>
-                <a:srgbClr val="FF0000"/>
-              </a:solidFill>
-            </a:endParaRPr>
-          </a:p>
-          <a:p>
-            <a:pPr algn="just"/>
-            <a:r>
-              <a:rPr lang="es-ES" dirty="0" smtClean="0">
-                <a:solidFill>
-                  <a:srgbClr val="FF0000"/>
-                </a:solidFill>
-              </a:rPr>
-              <a:t>Este password se puede cambiar siguiendo las instrucciones que aparecen en la web</a:t>
-            </a:r>
-          </a:p>
-        </p:txBody>
-      </p:sp>
     </p:spTree>
     <p:extLst>
       <p:ext uri="{BB962C8B-B14F-4D97-AF65-F5344CB8AC3E}">
-        <p14:creationId xmlns:p14="http://schemas.microsoft.com/office/powerpoint/2010/main" val="1235298018"/>
+        <p14:creationId xmlns:p14="http://schemas.microsoft.com/office/powerpoint/2010/main" val="3669325879"/>
       </p:ext>
     </p:extLst>
   </p:cSld>
@@ -4427,6 +4333,414 @@
       </p:grpSpPr>
       <p:pic>
         <p:nvPicPr>
+          <p:cNvPr id="6146" name="Picture 2" descr="E:\docencia_investigacion\Git_repos\REPOS_R\R_practicas_inferencia\images\rstudio_login.png"/>
+          <p:cNvPicPr>
+            <a:picLocks noChangeAspect="1" noChangeArrowheads="1"/>
+          </p:cNvPicPr>
+          <p:nvPr/>
+        </p:nvPicPr>
+        <p:blipFill>
+          <a:blip r:embed="rId2">
+            <a:extLst>
+              <a:ext uri="{28A0092B-C50C-407E-A947-70E740481C1C}">
+                <a14:useLocalDpi xmlns:a14="http://schemas.microsoft.com/office/drawing/2010/main" val="0"/>
+              </a:ext>
+            </a:extLst>
+          </a:blip>
+          <a:srcRect/>
+          <a:stretch>
+            <a:fillRect/>
+          </a:stretch>
+        </p:blipFill>
+        <p:spPr bwMode="auto">
+          <a:xfrm>
+            <a:off x="246790" y="465161"/>
+            <a:ext cx="8717698" cy="5124079"/>
+          </a:xfrm>
+          <a:prstGeom prst="rect">
+            <a:avLst/>
+          </a:prstGeom>
+          <a:noFill/>
+          <a:extLst>
+            <a:ext uri="{909E8E84-426E-40DD-AFC4-6F175D3DCCD1}">
+              <a14:hiddenFill xmlns:a14="http://schemas.microsoft.com/office/drawing/2010/main">
+                <a:solidFill>
+                  <a:srgbClr val="FFFFFF"/>
+                </a:solidFill>
+              </a14:hiddenFill>
+            </a:ext>
+          </a:extLst>
+        </p:spPr>
+      </p:pic>
+      <p:sp>
+        <p:nvSpPr>
+          <p:cNvPr id="3" name="2 CuadroTexto"/>
+          <p:cNvSpPr txBox="1"/>
+          <p:nvPr/>
+        </p:nvSpPr>
+        <p:spPr>
+          <a:xfrm>
+            <a:off x="251520" y="2128788"/>
+            <a:ext cx="2808311" cy="1754326"/>
+          </a:xfrm>
+          <a:prstGeom prst="rect">
+            <a:avLst/>
+          </a:prstGeom>
+          <a:noFill/>
+        </p:spPr>
+        <p:txBody>
+          <a:bodyPr wrap="square" rtlCol="0">
+            <a:spAutoFit/>
+          </a:bodyPr>
+          <a:lstStyle/>
+          <a:p>
+            <a:pPr algn="just"/>
+            <a:r>
+              <a:rPr lang="es-ES" dirty="0" smtClean="0">
+                <a:solidFill>
+                  <a:srgbClr val="FF0000"/>
+                </a:solidFill>
+              </a:rPr>
+              <a:t>Introducir en la barra de direcciones del navegador la dirección IP que cada uno obtiene del paso anterior seguida de :8087 (puedes añadirla a Mis Favoritos)</a:t>
+            </a:r>
+          </a:p>
+        </p:txBody>
+      </p:sp>
+      <p:cxnSp>
+        <p:nvCxnSpPr>
+          <p:cNvPr id="4" name="3 Conector recto de flecha"/>
+          <p:cNvCxnSpPr/>
+          <p:nvPr/>
+        </p:nvCxnSpPr>
+        <p:spPr>
+          <a:xfrm flipV="1">
+            <a:off x="1403648" y="908720"/>
+            <a:ext cx="337760" cy="1224136"/>
+          </a:xfrm>
+          <a:prstGeom prst="straightConnector1">
+            <a:avLst/>
+          </a:prstGeom>
+          <a:ln>
+            <a:tailEnd type="arrow"/>
+          </a:ln>
+        </p:spPr>
+        <p:style>
+          <a:lnRef idx="1">
+            <a:schemeClr val="accent1"/>
+          </a:lnRef>
+          <a:fillRef idx="0">
+            <a:schemeClr val="accent1"/>
+          </a:fillRef>
+          <a:effectRef idx="0">
+            <a:schemeClr val="accent1"/>
+          </a:effectRef>
+          <a:fontRef idx="minor">
+            <a:schemeClr val="tx1"/>
+          </a:fontRef>
+        </p:style>
+      </p:cxnSp>
+      <p:sp>
+        <p:nvSpPr>
+          <p:cNvPr id="7" name="6 CuadroTexto"/>
+          <p:cNvSpPr txBox="1"/>
+          <p:nvPr/>
+        </p:nvSpPr>
+        <p:spPr>
+          <a:xfrm>
+            <a:off x="1350931" y="472614"/>
+            <a:ext cx="1266693" cy="261610"/>
+          </a:xfrm>
+          <a:prstGeom prst="rect">
+            <a:avLst/>
+          </a:prstGeom>
+          <a:solidFill>
+            <a:schemeClr val="bg1">
+              <a:lumMod val="95000"/>
+            </a:schemeClr>
+          </a:solidFill>
+        </p:spPr>
+        <p:txBody>
+          <a:bodyPr wrap="none" rtlCol="0">
+            <a:spAutoFit/>
+          </a:bodyPr>
+          <a:lstStyle/>
+          <a:p>
+            <a:r>
+              <a:rPr lang="es-ES" sz="1100" b="1" dirty="0" smtClean="0"/>
+              <a:t>10.6.128.255:8087</a:t>
+            </a:r>
+            <a:endParaRPr lang="es-ES" sz="1100" b="1" dirty="0"/>
+          </a:p>
+        </p:txBody>
+      </p:sp>
+      <p:sp>
+        <p:nvSpPr>
+          <p:cNvPr id="5" name="4 Elipse"/>
+          <p:cNvSpPr/>
+          <p:nvPr/>
+        </p:nvSpPr>
+        <p:spPr>
+          <a:xfrm>
+            <a:off x="1099732" y="353864"/>
+            <a:ext cx="1589899" cy="452368"/>
+          </a:xfrm>
+          <a:prstGeom prst="ellipse">
+            <a:avLst/>
+          </a:prstGeom>
+          <a:noFill/>
+          <a:ln>
+            <a:solidFill>
+              <a:srgbClr val="FF0000"/>
+            </a:solidFill>
+          </a:ln>
+        </p:spPr>
+        <p:style>
+          <a:lnRef idx="2">
+            <a:schemeClr val="accent1">
+              <a:shade val="50000"/>
+            </a:schemeClr>
+          </a:lnRef>
+          <a:fillRef idx="1">
+            <a:schemeClr val="accent1"/>
+          </a:fillRef>
+          <a:effectRef idx="0">
+            <a:schemeClr val="accent1"/>
+          </a:effectRef>
+          <a:fontRef idx="minor">
+            <a:schemeClr val="lt1"/>
+          </a:fontRef>
+        </p:style>
+        <p:txBody>
+          <a:bodyPr rtlCol="0" anchor="ctr"/>
+          <a:lstStyle/>
+          <a:p>
+            <a:pPr algn="ctr"/>
+            <a:endParaRPr lang="es-ES"/>
+          </a:p>
+        </p:txBody>
+      </p:sp>
+      <p:cxnSp>
+        <p:nvCxnSpPr>
+          <p:cNvPr id="8" name="7 Conector recto de flecha"/>
+          <p:cNvCxnSpPr/>
+          <p:nvPr/>
+        </p:nvCxnSpPr>
+        <p:spPr>
+          <a:xfrm flipV="1">
+            <a:off x="2195736" y="3027202"/>
+            <a:ext cx="3744416" cy="1697942"/>
+          </a:xfrm>
+          <a:prstGeom prst="straightConnector1">
+            <a:avLst/>
+          </a:prstGeom>
+          <a:ln>
+            <a:tailEnd type="arrow"/>
+          </a:ln>
+        </p:spPr>
+        <p:style>
+          <a:lnRef idx="1">
+            <a:schemeClr val="accent1"/>
+          </a:lnRef>
+          <a:fillRef idx="0">
+            <a:schemeClr val="accent1"/>
+          </a:fillRef>
+          <a:effectRef idx="0">
+            <a:schemeClr val="accent1"/>
+          </a:effectRef>
+          <a:fontRef idx="minor">
+            <a:schemeClr val="tx1"/>
+          </a:fontRef>
+        </p:style>
+      </p:cxnSp>
+      <p:sp>
+        <p:nvSpPr>
+          <p:cNvPr id="9" name="8 CuadroTexto"/>
+          <p:cNvSpPr txBox="1"/>
+          <p:nvPr/>
+        </p:nvSpPr>
+        <p:spPr>
+          <a:xfrm>
+            <a:off x="5908890" y="2852936"/>
+            <a:ext cx="618374" cy="369332"/>
+          </a:xfrm>
+          <a:prstGeom prst="rect">
+            <a:avLst/>
+          </a:prstGeom>
+          <a:noFill/>
+        </p:spPr>
+        <p:txBody>
+          <a:bodyPr wrap="none" rtlCol="0">
+            <a:spAutoFit/>
+          </a:bodyPr>
+          <a:lstStyle/>
+          <a:p>
+            <a:r>
+              <a:rPr lang="es-ES" dirty="0" smtClean="0">
+                <a:solidFill>
+                  <a:srgbClr val="FF0000"/>
+                </a:solidFill>
+              </a:rPr>
+              <a:t>infer</a:t>
+            </a:r>
+            <a:endParaRPr lang="es-ES" dirty="0">
+              <a:solidFill>
+                <a:srgbClr val="FF0000"/>
+              </a:solidFill>
+            </a:endParaRPr>
+          </a:p>
+        </p:txBody>
+      </p:sp>
+      <p:sp>
+        <p:nvSpPr>
+          <p:cNvPr id="12" name="11 CuadroTexto"/>
+          <p:cNvSpPr txBox="1"/>
+          <p:nvPr/>
+        </p:nvSpPr>
+        <p:spPr>
+          <a:xfrm>
+            <a:off x="5908784" y="3307060"/>
+            <a:ext cx="618374" cy="369332"/>
+          </a:xfrm>
+          <a:prstGeom prst="rect">
+            <a:avLst/>
+          </a:prstGeom>
+          <a:noFill/>
+        </p:spPr>
+        <p:txBody>
+          <a:bodyPr wrap="none" rtlCol="0">
+            <a:spAutoFit/>
+          </a:bodyPr>
+          <a:lstStyle/>
+          <a:p>
+            <a:r>
+              <a:rPr lang="es-ES" dirty="0" smtClean="0">
+                <a:solidFill>
+                  <a:srgbClr val="FF0000"/>
+                </a:solidFill>
+              </a:rPr>
+              <a:t>infer</a:t>
+            </a:r>
+            <a:endParaRPr lang="es-ES" dirty="0">
+              <a:solidFill>
+                <a:srgbClr val="FF0000"/>
+              </a:solidFill>
+            </a:endParaRPr>
+          </a:p>
+        </p:txBody>
+      </p:sp>
+      <p:sp>
+        <p:nvSpPr>
+          <p:cNvPr id="13" name="12 CuadroTexto"/>
+          <p:cNvSpPr txBox="1"/>
+          <p:nvPr/>
+        </p:nvSpPr>
+        <p:spPr>
+          <a:xfrm>
+            <a:off x="251520" y="4122946"/>
+            <a:ext cx="4752528" cy="1754326"/>
+          </a:xfrm>
+          <a:prstGeom prst="rect">
+            <a:avLst/>
+          </a:prstGeom>
+          <a:noFill/>
+        </p:spPr>
+        <p:txBody>
+          <a:bodyPr wrap="square" rtlCol="0">
+            <a:spAutoFit/>
+          </a:bodyPr>
+          <a:lstStyle/>
+          <a:p>
+            <a:pPr algn="just"/>
+            <a:r>
+              <a:rPr lang="es-ES" dirty="0" smtClean="0">
+                <a:solidFill>
+                  <a:srgbClr val="FF0000"/>
+                </a:solidFill>
+              </a:rPr>
+              <a:t>Para acceder a la aplicación Rstudio se utiliza el </a:t>
+            </a:r>
+          </a:p>
+          <a:p>
+            <a:pPr marL="285750" indent="-285750" algn="just">
+              <a:buFont typeface="Arial" panose="020B0604020202020204" pitchFamily="34" charset="0"/>
+              <a:buChar char="•"/>
+            </a:pPr>
+            <a:r>
+              <a:rPr lang="es-ES" dirty="0" smtClean="0">
+                <a:solidFill>
+                  <a:srgbClr val="FF0000"/>
+                </a:solidFill>
+              </a:rPr>
+              <a:t>username: infer </a:t>
+            </a:r>
+          </a:p>
+          <a:p>
+            <a:pPr marL="285750" indent="-285750" algn="just">
+              <a:buFont typeface="Arial" panose="020B0604020202020204" pitchFamily="34" charset="0"/>
+              <a:buChar char="•"/>
+            </a:pPr>
+            <a:r>
+              <a:rPr lang="es-ES" dirty="0" smtClean="0">
+                <a:solidFill>
+                  <a:srgbClr val="FF0000"/>
+                </a:solidFill>
+              </a:rPr>
+              <a:t>password: infer</a:t>
+            </a:r>
+          </a:p>
+          <a:p>
+            <a:pPr algn="just"/>
+            <a:endParaRPr lang="es-ES" dirty="0">
+              <a:solidFill>
+                <a:srgbClr val="FF0000"/>
+              </a:solidFill>
+            </a:endParaRPr>
+          </a:p>
+          <a:p>
+            <a:pPr algn="just"/>
+            <a:r>
+              <a:rPr lang="es-ES" dirty="0" smtClean="0">
+                <a:solidFill>
+                  <a:srgbClr val="FF0000"/>
+                </a:solidFill>
+              </a:rPr>
+              <a:t>Este password se puede cambiar siguiendo las instrucciones que aparecen en la web</a:t>
+            </a:r>
+          </a:p>
+        </p:txBody>
+      </p:sp>
+    </p:spTree>
+    <p:extLst>
+      <p:ext uri="{BB962C8B-B14F-4D97-AF65-F5344CB8AC3E}">
+        <p14:creationId xmlns:p14="http://schemas.microsoft.com/office/powerpoint/2010/main" val="1235298018"/>
+      </p:ext>
+    </p:extLst>
+  </p:cSld>
+  <p:clrMapOvr>
+    <a:masterClrMapping/>
+  </p:clrMapOvr>
+</p:sld>
+</file>
+
+<file path=ppt/slides/slide14.xml><?xml version="1.0" encoding="utf-8"?>
+<p:sld xmlns:a="http://schemas.openxmlformats.org/drawingml/2006/main" xmlns:r="http://schemas.openxmlformats.org/officeDocument/2006/relationships" xmlns:p="http://schemas.openxmlformats.org/presentationml/2006/main">
+  <p:cSld>
+    <p:spTree>
+      <p:nvGrpSpPr>
+        <p:cNvPr id="1" name=""/>
+        <p:cNvGrpSpPr/>
+        <p:nvPr/>
+      </p:nvGrpSpPr>
+      <p:grpSpPr>
+        <a:xfrm>
+          <a:off x="0" y="0"/>
+          <a:ext cx="0" cy="0"/>
+          <a:chOff x="0" y="0"/>
+          <a:chExt cx="0" cy="0"/>
+        </a:xfrm>
+      </p:grpSpPr>
+      <p:pic>
+        <p:nvPicPr>
           <p:cNvPr id="4098" name="Picture 2" descr="E:\docencia_investigacion\Git_repos\REPOS_R\R_practicas_inferencia\images\rstudio.png"/>
           <p:cNvPicPr>
             <a:picLocks noChangeAspect="1" noChangeArrowheads="1"/>
@@ -4660,7 +4974,7 @@
 </p:sld>
 </file>
 
-<file path=ppt/slides/slide14.xml><?xml version="1.0" encoding="utf-8"?>
+<file path=ppt/slides/slide15.xml><?xml version="1.0" encoding="utf-8"?>
 <p:sld xmlns:a="http://schemas.openxmlformats.org/drawingml/2006/main" xmlns:r="http://schemas.openxmlformats.org/officeDocument/2006/relationships" xmlns:p="http://schemas.openxmlformats.org/presentationml/2006/main">
   <p:cSld>
     <p:spTree>
@@ -5038,23 +5352,7 @@
                   <a:srgbClr val="FF0000"/>
                 </a:solidFill>
               </a:rPr>
-              <a:t>Abrir un navegador </a:t>
-            </a:r>
-            <a:r>
-              <a:rPr lang="es-ES" dirty="0" smtClean="0">
-                <a:solidFill>
-                  <a:srgbClr val="FF0000"/>
-                </a:solidFill>
-              </a:rPr>
-              <a:t>web y acceder a </a:t>
-            </a:r>
-            <a:r>
-              <a:rPr lang="es-ES" dirty="0" smtClean="0">
-                <a:solidFill>
-                  <a:srgbClr val="FF0000"/>
-                </a:solidFill>
-              </a:rPr>
-              <a:t>la dirección </a:t>
+              <a:t>Abrir un navegador web y acceder a la dirección </a:t>
             </a:r>
             <a:r>
               <a:rPr lang="es-ES" dirty="0" smtClean="0">
@@ -5063,34 +5361,7 @@
                 </a:solidFill>
                 <a:hlinkClick r:id="rId3"/>
               </a:rPr>
-              <a:t>http</a:t>
-            </a:r>
-            <a:r>
-              <a:rPr lang="es-ES" dirty="0" smtClean="0">
-                <a:solidFill>
-                  <a:srgbClr val="FF0000"/>
-                </a:solidFill>
-                <a:hlinkClick r:id="rId3"/>
-              </a:rPr>
-              <a:t>://</a:t>
-            </a:r>
-            <a:r>
-              <a:rPr lang="es-ES" dirty="0" smtClean="0">
-                <a:solidFill>
-                  <a:srgbClr val="FF0000"/>
-                </a:solidFill>
-                <a:hlinkClick r:id="rId3"/>
-              </a:rPr>
-              <a:t>usuarios</a:t>
-            </a:r>
-            <a:r>
-              <a:rPr lang="es-ES" dirty="0" smtClean="0">
-                <a:solidFill>
-                  <a:srgbClr val="FF0000"/>
-                </a:solidFill>
-                <a:hlinkClick r:id="rId3"/>
-              </a:rPr>
-              <a:t>.ull.es/vpn</a:t>
+              <a:t>http://usuarios.ull.es/vpn</a:t>
             </a:r>
             <a:r>
               <a:rPr lang="es-ES" dirty="0" smtClean="0">
@@ -6289,8 +6560,8 @@
         </p:nvSpPr>
         <p:spPr>
           <a:xfrm>
-            <a:off x="307936" y="2001614"/>
-            <a:ext cx="3600400" cy="923330"/>
+            <a:off x="307936" y="188640"/>
+            <a:ext cx="3600400" cy="1200329"/>
           </a:xfrm>
           <a:prstGeom prst="rect">
             <a:avLst/>
@@ -6310,14 +6581,47 @@
                   <a:srgbClr val="FF0000"/>
                 </a:solidFill>
               </a:rPr>
-              <a:t>Iniciar la conexión por VPN introduciendo el usuario y contraseña de ULL</a:t>
-            </a:r>
-          </a:p>
-        </p:txBody>
-      </p:sp>
+              <a:t>Una vez instalado, buscar el programa “Global Protect” en el menú de Windows o bien en la barra de tareas. </a:t>
+            </a:r>
+          </a:p>
+        </p:txBody>
+      </p:sp>
+      <p:cxnSp>
+        <p:nvCxnSpPr>
+          <p:cNvPr id="6" name="5 Conector recto de flecha"/>
+          <p:cNvCxnSpPr/>
+          <p:nvPr/>
+        </p:nvCxnSpPr>
+        <p:spPr>
+          <a:xfrm flipV="1">
+            <a:off x="4017388" y="698794"/>
+            <a:ext cx="1690816" cy="180020"/>
+          </a:xfrm>
+          <a:prstGeom prst="straightConnector1">
+            <a:avLst/>
+          </a:prstGeom>
+          <a:ln>
+            <a:tailEnd type="arrow"/>
+          </a:ln>
+        </p:spPr>
+        <p:style>
+          <a:lnRef idx="1">
+            <a:schemeClr val="accent1"/>
+          </a:lnRef>
+          <a:fillRef idx="0">
+            <a:schemeClr val="accent1"/>
+          </a:fillRef>
+          <a:effectRef idx="0">
+            <a:schemeClr val="accent1"/>
+          </a:effectRef>
+          <a:fontRef idx="minor">
+            <a:schemeClr val="tx1"/>
+          </a:fontRef>
+        </p:style>
+      </p:cxnSp>
       <p:pic>
         <p:nvPicPr>
-          <p:cNvPr id="6146" name="Picture 2"/>
+          <p:cNvPr id="5122" name="Picture 2"/>
           <p:cNvPicPr>
             <a:picLocks noChangeAspect="1" noChangeArrowheads="1"/>
           </p:cNvPicPr>
@@ -6338,8 +6642,8 @@
         </p:blipFill>
         <p:spPr bwMode="auto">
           <a:xfrm>
-            <a:off x="5415300" y="229786"/>
-            <a:ext cx="3310880" cy="3992532"/>
+            <a:off x="5940152" y="332657"/>
+            <a:ext cx="2424025" cy="3229322"/>
           </a:xfrm>
           <a:prstGeom prst="rect">
             <a:avLst/>
@@ -6379,96 +6683,80 @@
           </a:extLst>
         </p:spPr>
       </p:pic>
-      <p:sp>
-        <p:nvSpPr>
-          <p:cNvPr id="16" name="15 CuadroTexto"/>
-          <p:cNvSpPr txBox="1"/>
-          <p:nvPr/>
-        </p:nvSpPr>
-        <p:spPr>
-          <a:xfrm>
-            <a:off x="5850514" y="2114292"/>
-            <a:ext cx="1208985" cy="307777"/>
+      <p:pic>
+        <p:nvPicPr>
+          <p:cNvPr id="5123" name="Picture 3"/>
+          <p:cNvPicPr>
+            <a:picLocks noChangeAspect="1" noChangeArrowheads="1"/>
+          </p:cNvPicPr>
+          <p:nvPr/>
+        </p:nvPicPr>
+        <p:blipFill>
+          <a:blip r:embed="rId3">
+            <a:extLst>
+              <a:ext uri="{28A0092B-C50C-407E-A947-70E740481C1C}">
+                <a14:useLocalDpi xmlns:a14="http://schemas.microsoft.com/office/drawing/2010/main" val="0"/>
+              </a:ext>
+            </a:extLst>
+          </a:blip>
+          <a:srcRect/>
+          <a:stretch>
+            <a:fillRect/>
+          </a:stretch>
+        </p:blipFill>
+        <p:spPr bwMode="auto">
+          <a:xfrm>
+            <a:off x="134162" y="2564904"/>
+            <a:ext cx="5600700" cy="781050"/>
           </a:xfrm>
           <a:prstGeom prst="rect">
             <a:avLst/>
           </a:prstGeom>
-          <a:solidFill>
-            <a:schemeClr val="bg1"/>
-          </a:solidFill>
-        </p:spPr>
-        <p:txBody>
-          <a:bodyPr wrap="none" rtlCol="0">
-            <a:spAutoFit/>
-          </a:bodyPr>
-          <a:lstStyle/>
-          <a:p>
-            <a:r>
-              <a:rPr lang="es-ES" sz="1400" b="1" dirty="0" err="1" smtClean="0">
-                <a:solidFill>
-                  <a:srgbClr val="FF0000"/>
-                </a:solidFill>
-              </a:rPr>
-              <a:t>aluXXXXXXXX</a:t>
-            </a:r>
-            <a:endParaRPr lang="es-ES" sz="1400" b="1" dirty="0">
-              <a:solidFill>
-                <a:srgbClr val="FF0000"/>
-              </a:solidFill>
-            </a:endParaRPr>
-          </a:p>
-        </p:txBody>
-      </p:sp>
-      <p:sp>
-        <p:nvSpPr>
-          <p:cNvPr id="17" name="16 CuadroTexto"/>
-          <p:cNvSpPr txBox="1"/>
-          <p:nvPr/>
-        </p:nvSpPr>
-        <p:spPr>
-          <a:xfrm>
-            <a:off x="5837664" y="2554744"/>
-            <a:ext cx="1172116" cy="307777"/>
-          </a:xfrm>
-          <a:prstGeom prst="rect">
-            <a:avLst/>
-          </a:prstGeom>
-          <a:solidFill>
-            <a:schemeClr val="bg1"/>
-          </a:solidFill>
-        </p:spPr>
-        <p:txBody>
-          <a:bodyPr wrap="none" rtlCol="0">
-            <a:spAutoFit/>
-          </a:bodyPr>
-          <a:lstStyle/>
-          <a:p>
-            <a:r>
-              <a:rPr lang="es-ES" sz="1400" b="1" dirty="0" smtClean="0">
-                <a:solidFill>
-                  <a:srgbClr val="FF0000"/>
-                </a:solidFill>
-              </a:rPr>
-              <a:t>***********</a:t>
-            </a:r>
-            <a:endParaRPr lang="es-ES" sz="1400" b="1" dirty="0">
-              <a:solidFill>
-                <a:srgbClr val="FF0000"/>
-              </a:solidFill>
-            </a:endParaRPr>
-          </a:p>
-        </p:txBody>
-      </p:sp>
+          <a:noFill/>
+          <a:ln>
+            <a:noFill/>
+          </a:ln>
+          <a:effectLst/>
+          <a:extLst>
+            <a:ext uri="{909E8E84-426E-40DD-AFC4-6F175D3DCCD1}">
+              <a14:hiddenFill xmlns:a14="http://schemas.microsoft.com/office/drawing/2010/main">
+                <a:solidFill>
+                  <a:schemeClr val="accent1"/>
+                </a:solidFill>
+              </a14:hiddenFill>
+            </a:ext>
+            <a:ext uri="{91240B29-F687-4F45-9708-019B960494DF}">
+              <a14:hiddenLine xmlns:a14="http://schemas.microsoft.com/office/drawing/2010/main" w="9525">
+                <a:solidFill>
+                  <a:schemeClr val="tx1"/>
+                </a:solidFill>
+                <a:miter lim="800000"/>
+                <a:headEnd/>
+                <a:tailEnd/>
+              </a14:hiddenLine>
+            </a:ext>
+            <a:ext uri="{AF507438-7753-43E0-B8FC-AC1667EBCBE1}">
+              <a14:hiddenEffects xmlns:a14="http://schemas.microsoft.com/office/drawing/2010/main">
+                <a:effectLst>
+                  <a:outerShdw dist="35921" dir="2700000" algn="ctr" rotWithShape="0">
+                    <a:schemeClr val="bg2"/>
+                  </a:outerShdw>
+                </a:effectLst>
+              </a14:hiddenEffects>
+            </a:ext>
+          </a:extLst>
+        </p:spPr>
+      </p:pic>
       <p:cxnSp>
         <p:nvCxnSpPr>
-          <p:cNvPr id="6" name="5 Conector recto de flecha"/>
+          <p:cNvPr id="9" name="8 Conector recto de flecha"/>
           <p:cNvCxnSpPr/>
           <p:nvPr/>
         </p:nvCxnSpPr>
         <p:spPr>
           <a:xfrm>
-            <a:off x="3908336" y="2553289"/>
-            <a:ext cx="1690816" cy="1455"/>
+            <a:off x="1331640" y="1388969"/>
+            <a:ext cx="288032" cy="1566460"/>
           </a:xfrm>
           <a:prstGeom prst="straightConnector1">
             <a:avLst/>
@@ -6492,10 +6780,187 @@
           </a:fontRef>
         </p:style>
       </p:cxnSp>
+      <p:sp>
+        <p:nvSpPr>
+          <p:cNvPr id="29" name="28 CuadroTexto"/>
+          <p:cNvSpPr txBox="1"/>
+          <p:nvPr/>
+        </p:nvSpPr>
+        <p:spPr>
+          <a:xfrm>
+            <a:off x="179512" y="4460919"/>
+            <a:ext cx="3744416" cy="1200329"/>
+          </a:xfrm>
+          <a:prstGeom prst="rect">
+            <a:avLst/>
+          </a:prstGeom>
+          <a:solidFill>
+            <a:schemeClr val="bg1"/>
+          </a:solidFill>
+        </p:spPr>
+        <p:txBody>
+          <a:bodyPr wrap="square" rtlCol="0">
+            <a:spAutoFit/>
+          </a:bodyPr>
+          <a:lstStyle/>
+          <a:p>
+            <a:pPr algn="just"/>
+            <a:r>
+              <a:rPr lang="es-ES" dirty="0" smtClean="0">
+                <a:solidFill>
+                  <a:srgbClr val="FF0000"/>
+                </a:solidFill>
+              </a:rPr>
+              <a:t>Al abrir el programa “Global Protect” hay que añadir como portal de conexión “vpn.ull.es”</a:t>
+            </a:r>
+          </a:p>
+          <a:p>
+            <a:pPr algn="just"/>
+            <a:endParaRPr lang="es-ES" dirty="0">
+              <a:solidFill>
+                <a:srgbClr val="FF0000"/>
+              </a:solidFill>
+            </a:endParaRPr>
+          </a:p>
+        </p:txBody>
+      </p:sp>
+      <p:pic>
+        <p:nvPicPr>
+          <p:cNvPr id="1026" name="Picture 2"/>
+          <p:cNvPicPr>
+            <a:picLocks noChangeAspect="1" noChangeArrowheads="1"/>
+          </p:cNvPicPr>
+          <p:nvPr/>
+        </p:nvPicPr>
+        <p:blipFill>
+          <a:blip r:embed="rId4">
+            <a:extLst>
+              <a:ext uri="{28A0092B-C50C-407E-A947-70E740481C1C}">
+                <a14:useLocalDpi xmlns:a14="http://schemas.microsoft.com/office/drawing/2010/main" val="0"/>
+              </a:ext>
+            </a:extLst>
+          </a:blip>
+          <a:srcRect/>
+          <a:stretch>
+            <a:fillRect/>
+          </a:stretch>
+        </p:blipFill>
+        <p:spPr bwMode="auto">
+          <a:xfrm>
+            <a:off x="5031408" y="4234666"/>
+            <a:ext cx="4191000" cy="1962150"/>
+          </a:xfrm>
+          <a:prstGeom prst="rect">
+            <a:avLst/>
+          </a:prstGeom>
+          <a:noFill/>
+          <a:ln>
+            <a:noFill/>
+          </a:ln>
+          <a:extLst>
+            <a:ext uri="{909E8E84-426E-40DD-AFC4-6F175D3DCCD1}">
+              <a14:hiddenFill xmlns:a14="http://schemas.microsoft.com/office/drawing/2010/main">
+                <a:solidFill>
+                  <a:schemeClr val="accent1"/>
+                </a:solidFill>
+              </a14:hiddenFill>
+            </a:ext>
+            <a:ext uri="{91240B29-F687-4F45-9708-019B960494DF}">
+              <a14:hiddenLine xmlns:a14="http://schemas.microsoft.com/office/drawing/2010/main" w="9525">
+                <a:solidFill>
+                  <a:schemeClr val="tx1"/>
+                </a:solidFill>
+                <a:miter lim="800000"/>
+                <a:headEnd/>
+                <a:tailEnd/>
+              </a14:hiddenLine>
+            </a:ext>
+          </a:extLst>
+        </p:spPr>
+      </p:pic>
+      <p:cxnSp>
+        <p:nvCxnSpPr>
+          <p:cNvPr id="25" name="24 Conector recto de flecha"/>
+          <p:cNvCxnSpPr/>
+          <p:nvPr/>
+        </p:nvCxnSpPr>
+        <p:spPr>
+          <a:xfrm>
+            <a:off x="2411760" y="5215741"/>
+            <a:ext cx="3980760" cy="301491"/>
+          </a:xfrm>
+          <a:prstGeom prst="straightConnector1">
+            <a:avLst/>
+          </a:prstGeom>
+          <a:ln>
+            <a:tailEnd type="arrow"/>
+          </a:ln>
+        </p:spPr>
+        <p:style>
+          <a:lnRef idx="1">
+            <a:schemeClr val="accent1"/>
+          </a:lnRef>
+          <a:fillRef idx="0">
+            <a:schemeClr val="accent1"/>
+          </a:fillRef>
+          <a:effectRef idx="0">
+            <a:schemeClr val="accent1"/>
+          </a:effectRef>
+          <a:fontRef idx="minor">
+            <a:schemeClr val="tx1"/>
+          </a:fontRef>
+        </p:style>
+      </p:cxnSp>
+      <p:sp>
+        <p:nvSpPr>
+          <p:cNvPr id="27" name="26 Elipse"/>
+          <p:cNvSpPr/>
+          <p:nvPr/>
+        </p:nvSpPr>
+        <p:spPr>
+          <a:xfrm>
+            <a:off x="6392520" y="5485864"/>
+            <a:ext cx="684076" cy="252029"/>
+          </a:xfrm>
+          <a:prstGeom prst="ellipse">
+            <a:avLst/>
+          </a:prstGeom>
+          <a:noFill/>
+          <a:ln>
+            <a:solidFill>
+              <a:srgbClr val="FF0000"/>
+            </a:solidFill>
+          </a:ln>
+        </p:spPr>
+        <p:style>
+          <a:lnRef idx="2">
+            <a:schemeClr val="accent1">
+              <a:shade val="50000"/>
+            </a:schemeClr>
+          </a:lnRef>
+          <a:fillRef idx="1">
+            <a:schemeClr val="accent1"/>
+          </a:fillRef>
+          <a:effectRef idx="0">
+            <a:schemeClr val="accent1"/>
+          </a:effectRef>
+          <a:fontRef idx="minor">
+            <a:schemeClr val="lt1"/>
+          </a:fontRef>
+        </p:style>
+        <p:txBody>
+          <a:bodyPr rtlCol="0" anchor="ctr"/>
+          <a:lstStyle/>
+          <a:p>
+            <a:pPr algn="ctr"/>
+            <a:endParaRPr lang="es-ES"/>
+          </a:p>
+        </p:txBody>
+      </p:sp>
     </p:spTree>
     <p:extLst>
       <p:ext uri="{BB962C8B-B14F-4D97-AF65-F5344CB8AC3E}">
-        <p14:creationId xmlns:p14="http://schemas.microsoft.com/office/powerpoint/2010/main" val="4076702898"/>
+        <p14:creationId xmlns:p14="http://schemas.microsoft.com/office/powerpoint/2010/main" val="228208493"/>
       </p:ext>
     </p:extLst>
   </p:cSld>
@@ -6522,9 +6987,43 @@
           <a:chExt cx="0" cy="0"/>
         </a:xfrm>
       </p:grpSpPr>
+      <p:sp>
+        <p:nvSpPr>
+          <p:cNvPr id="5" name="4 CuadroTexto"/>
+          <p:cNvSpPr txBox="1"/>
+          <p:nvPr/>
+        </p:nvSpPr>
+        <p:spPr>
+          <a:xfrm>
+            <a:off x="307936" y="2001614"/>
+            <a:ext cx="3600400" cy="923330"/>
+          </a:xfrm>
+          <a:prstGeom prst="rect">
+            <a:avLst/>
+          </a:prstGeom>
+          <a:noFill/>
+        </p:spPr>
+        <p:txBody>
+          <a:bodyPr wrap="square" rtlCol="0">
+            <a:spAutoFit/>
+          </a:bodyPr>
+          <a:lstStyle/>
+          <a:p>
+            <a:pPr algn="just"/>
+            <a:r>
+              <a:rPr lang="es-ES" dirty="0" smtClean="0">
+                <a:solidFill>
+                  <a:srgbClr val="FF0000"/>
+                </a:solidFill>
+              </a:rPr>
+              <a:t>Iniciar la conexión por VPN introduciendo el usuario y contraseña de ULL</a:t>
+            </a:r>
+          </a:p>
+        </p:txBody>
+      </p:sp>
       <p:pic>
         <p:nvPicPr>
-          <p:cNvPr id="5123" name="Picture 3" descr="E:\docencia_investigacion\Git_repos\REPOS_R\R_practicas_inferencia\images\autentificado.png"/>
+          <p:cNvPr id="6146" name="Picture 2"/>
           <p:cNvPicPr>
             <a:picLocks noChangeAspect="1" noChangeArrowheads="1"/>
           </p:cNvPicPr>
@@ -6545,127 +7044,80 @@
         </p:blipFill>
         <p:spPr bwMode="auto">
           <a:xfrm>
-            <a:off x="107504" y="75104"/>
-            <a:ext cx="8702207" cy="6673937"/>
+            <a:off x="5415300" y="229786"/>
+            <a:ext cx="3310880" cy="3992532"/>
           </a:xfrm>
           <a:prstGeom prst="rect">
             <a:avLst/>
           </a:prstGeom>
           <a:noFill/>
+          <a:ln>
+            <a:noFill/>
+          </a:ln>
+          <a:effectLst/>
           <a:extLst>
             <a:ext uri="{909E8E84-426E-40DD-AFC4-6F175D3DCCD1}">
               <a14:hiddenFill xmlns:a14="http://schemas.microsoft.com/office/drawing/2010/main">
                 <a:solidFill>
-                  <a:srgbClr val="FFFFFF"/>
+                  <a:schemeClr val="accent1"/>
                 </a:solidFill>
               </a14:hiddenFill>
             </a:ext>
+            <a:ext uri="{91240B29-F687-4F45-9708-019B960494DF}">
+              <a14:hiddenLine xmlns:a14="http://schemas.microsoft.com/office/drawing/2010/main" w="9525">
+                <a:solidFill>
+                  <a:schemeClr val="tx1"/>
+                </a:solidFill>
+                <a:miter lim="800000"/>
+                <a:headEnd/>
+                <a:tailEnd/>
+              </a14:hiddenLine>
+            </a:ext>
+            <a:ext uri="{AF507438-7753-43E0-B8FC-AC1667EBCBE1}">
+              <a14:hiddenEffects xmlns:a14="http://schemas.microsoft.com/office/drawing/2010/main">
+                <a:effectLst>
+                  <a:outerShdw dist="35921" dir="2700000" algn="ctr" rotWithShape="0">
+                    <a:schemeClr val="bg2"/>
+                  </a:outerShdw>
+                </a:effectLst>
+              </a14:hiddenEffects>
+            </a:ext>
           </a:extLst>
         </p:spPr>
       </p:pic>
       <p:sp>
         <p:nvSpPr>
-          <p:cNvPr id="3" name="2 Elipse"/>
-          <p:cNvSpPr/>
-          <p:nvPr/>
-        </p:nvSpPr>
-        <p:spPr>
-          <a:xfrm>
-            <a:off x="1043608" y="60307"/>
-            <a:ext cx="1368152" cy="252029"/>
-          </a:xfrm>
-          <a:prstGeom prst="ellipse">
-            <a:avLst/>
-          </a:prstGeom>
-          <a:noFill/>
-          <a:ln>
-            <a:solidFill>
-              <a:srgbClr val="FF0000"/>
-            </a:solidFill>
-          </a:ln>
-        </p:spPr>
-        <p:style>
-          <a:lnRef idx="2">
-            <a:schemeClr val="accent1">
-              <a:shade val="50000"/>
-            </a:schemeClr>
-          </a:lnRef>
-          <a:fillRef idx="1">
-            <a:schemeClr val="accent1"/>
-          </a:fillRef>
-          <a:effectRef idx="0">
-            <a:schemeClr val="accent1"/>
-          </a:effectRef>
-          <a:fontRef idx="minor">
-            <a:schemeClr val="lt1"/>
-          </a:fontRef>
-        </p:style>
-        <p:txBody>
-          <a:bodyPr rtlCol="0" anchor="ctr"/>
-          <a:lstStyle/>
-          <a:p>
-            <a:pPr algn="ctr"/>
-            <a:endParaRPr lang="es-ES"/>
-          </a:p>
-        </p:txBody>
-      </p:sp>
-      <p:sp>
-        <p:nvSpPr>
-          <p:cNvPr id="5" name="4 CuadroTexto"/>
+          <p:cNvPr id="16" name="15 CuadroTexto"/>
           <p:cNvSpPr txBox="1"/>
           <p:nvPr/>
         </p:nvSpPr>
         <p:spPr>
           <a:xfrm>
-            <a:off x="179513" y="1556792"/>
-            <a:ext cx="3600400" cy="2031325"/>
+            <a:off x="5850514" y="2114292"/>
+            <a:ext cx="1208985" cy="307777"/>
           </a:xfrm>
           <a:prstGeom prst="rect">
             <a:avLst/>
           </a:prstGeom>
-          <a:noFill/>
-        </p:spPr>
-        <p:txBody>
-          <a:bodyPr wrap="square" rtlCol="0">
+          <a:solidFill>
+            <a:schemeClr val="bg1"/>
+          </a:solidFill>
+        </p:spPr>
+        <p:txBody>
+          <a:bodyPr wrap="none" rtlCol="0">
             <a:spAutoFit/>
           </a:bodyPr>
           <a:lstStyle/>
           <a:p>
-            <a:pPr algn="just"/>
-            <a:r>
-              <a:rPr lang="es-ES" dirty="0" smtClean="0">
+            <a:r>
+              <a:rPr lang="es-ES" sz="1400" b="1" dirty="0" err="1" smtClean="0">
                 <a:solidFill>
                   <a:srgbClr val="FF0000"/>
                 </a:solidFill>
               </a:rPr>
-              <a:t>Acceder </a:t>
-            </a:r>
-            <a:r>
-              <a:rPr lang="es-ES" dirty="0" smtClean="0">
-                <a:solidFill>
-                  <a:srgbClr val="FF0000"/>
-                </a:solidFill>
-              </a:rPr>
-              <a:t>al campus virtual de la asignatura o bien a la dirección </a:t>
-            </a:r>
-            <a:r>
-              <a:rPr lang="es-ES" dirty="0" smtClean="0">
-                <a:solidFill>
-                  <a:srgbClr val="FF0000"/>
-                </a:solidFill>
-                <a:hlinkClick r:id="rId3"/>
-              </a:rPr>
-              <a:t>http://acceso.ull.es</a:t>
-            </a:r>
-            <a:r>
-              <a:rPr lang="es-ES" dirty="0" smtClean="0">
-                <a:solidFill>
-                  <a:srgbClr val="FF0000"/>
-                </a:solidFill>
-              </a:rPr>
-              <a:t> y comprobar que estás autentificado. En caso contrario, autentificarse ya que, de lo contrario, no podrás hacer los siguientes pasos.</a:t>
-            </a:r>
-            <a:endParaRPr lang="es-ES" dirty="0">
+              <a:t>aluXXXXXXXX</a:t>
+            </a:r>
+            <a:endParaRPr lang="es-ES" sz="1400" b="1" dirty="0">
               <a:solidFill>
                 <a:srgbClr val="FF0000"/>
               </a:solidFill>
@@ -6673,16 +7125,56 @@
           </a:p>
         </p:txBody>
       </p:sp>
+      <p:sp>
+        <p:nvSpPr>
+          <p:cNvPr id="17" name="16 CuadroTexto"/>
+          <p:cNvSpPr txBox="1"/>
+          <p:nvPr/>
+        </p:nvSpPr>
+        <p:spPr>
+          <a:xfrm>
+            <a:off x="5837664" y="2554744"/>
+            <a:ext cx="1172116" cy="307777"/>
+          </a:xfrm>
+          <a:prstGeom prst="rect">
+            <a:avLst/>
+          </a:prstGeom>
+          <a:solidFill>
+            <a:schemeClr val="bg1"/>
+          </a:solidFill>
+        </p:spPr>
+        <p:txBody>
+          <a:bodyPr wrap="none" rtlCol="0">
+            <a:spAutoFit/>
+          </a:bodyPr>
+          <a:lstStyle/>
+          <a:p>
+            <a:r>
+              <a:rPr lang="es-ES" sz="1400" b="1" dirty="0" smtClean="0">
+                <a:solidFill>
+                  <a:srgbClr val="FF0000"/>
+                </a:solidFill>
+              </a:rPr>
+              <a:t>***********</a:t>
+            </a:r>
+            <a:endParaRPr lang="es-ES" sz="1400" b="1" dirty="0">
+              <a:solidFill>
+                <a:srgbClr val="FF0000"/>
+              </a:solidFill>
+            </a:endParaRPr>
+          </a:p>
+        </p:txBody>
+      </p:sp>
       <p:cxnSp>
         <p:nvCxnSpPr>
-          <p:cNvPr id="4" name="3 Conector recto de flecha"/>
+          <p:cNvPr id="6" name="5 Conector recto de flecha"/>
           <p:cNvCxnSpPr/>
           <p:nvPr/>
         </p:nvCxnSpPr>
         <p:spPr>
-          <a:xfrm flipV="1">
-            <a:off x="1331640" y="404664"/>
-            <a:ext cx="288032" cy="1080120"/>
+          <a:xfrm>
+            <a:off x="3908336" y="2553289"/>
+            <a:ext cx="1690816" cy="1455"/>
           </a:xfrm>
           <a:prstGeom prst="straightConnector1">
             <a:avLst/>
@@ -6709,7 +7201,7 @@
     </p:spTree>
     <p:extLst>
       <p:ext uri="{BB962C8B-B14F-4D97-AF65-F5344CB8AC3E}">
-        <p14:creationId xmlns:p14="http://schemas.microsoft.com/office/powerpoint/2010/main" val="1489948912"/>
+        <p14:creationId xmlns:p14="http://schemas.microsoft.com/office/powerpoint/2010/main" val="4076702898"/>
       </p:ext>
     </p:extLst>
   </p:cSld>
@@ -6738,7 +7230,7 @@
       </p:grpSpPr>
       <p:pic>
         <p:nvPicPr>
-          <p:cNvPr id="1026" name="Picture 2" descr="E:\docencia_investigacion\Git_repos\REPOS_R\R_practicas_inferencia\images\iaas_web.png"/>
+          <p:cNvPr id="5123" name="Picture 3" descr="E:\docencia_investigacion\Git_repos\REPOS_R\R_practicas_inferencia\images\autentificado.png"/>
           <p:cNvPicPr>
             <a:picLocks noChangeAspect="1" noChangeArrowheads="1"/>
           </p:cNvPicPr>
@@ -6759,8 +7251,8 @@
         </p:blipFill>
         <p:spPr bwMode="auto">
           <a:xfrm>
-            <a:off x="323528" y="188640"/>
-            <a:ext cx="8195217" cy="6386398"/>
+            <a:off x="107504" y="75104"/>
+            <a:ext cx="8702207" cy="6673937"/>
           </a:xfrm>
           <a:prstGeom prst="rect">
             <a:avLst/>
@@ -6779,89 +7271,13 @@
       </p:pic>
       <p:sp>
         <p:nvSpPr>
-          <p:cNvPr id="2" name="1 CuadroTexto"/>
-          <p:cNvSpPr txBox="1"/>
-          <p:nvPr/>
-        </p:nvSpPr>
-        <p:spPr>
-          <a:xfrm>
-            <a:off x="1702728" y="4633684"/>
-            <a:ext cx="1431802" cy="369332"/>
-          </a:xfrm>
-          <a:prstGeom prst="rect">
-            <a:avLst/>
-          </a:prstGeom>
-          <a:noFill/>
-        </p:spPr>
-        <p:txBody>
-          <a:bodyPr wrap="none" rtlCol="0">
-            <a:spAutoFit/>
-          </a:bodyPr>
-          <a:lstStyle/>
-          <a:p>
-            <a:r>
-              <a:rPr lang="es-ES" dirty="0" err="1" smtClean="0">
-                <a:solidFill>
-                  <a:srgbClr val="FF0000"/>
-                </a:solidFill>
-              </a:rPr>
-              <a:t>aluXXXXXXXX</a:t>
-            </a:r>
-            <a:endParaRPr lang="es-ES" dirty="0">
-              <a:solidFill>
-                <a:srgbClr val="FF0000"/>
-              </a:solidFill>
-            </a:endParaRPr>
-          </a:p>
-        </p:txBody>
-      </p:sp>
-      <p:sp>
-        <p:nvSpPr>
-          <p:cNvPr id="4" name="3 CuadroTexto"/>
-          <p:cNvSpPr txBox="1"/>
-          <p:nvPr/>
-        </p:nvSpPr>
-        <p:spPr>
-          <a:xfrm>
-            <a:off x="1700038" y="5003884"/>
-            <a:ext cx="1454244" cy="369332"/>
-          </a:xfrm>
-          <a:prstGeom prst="rect">
-            <a:avLst/>
-          </a:prstGeom>
-          <a:noFill/>
-        </p:spPr>
-        <p:txBody>
-          <a:bodyPr wrap="none" rtlCol="0">
-            <a:spAutoFit/>
-          </a:bodyPr>
-          <a:lstStyle/>
-          <a:p>
-            <a:r>
-              <a:rPr lang="es-ES" dirty="0" smtClean="0">
-                <a:solidFill>
-                  <a:srgbClr val="FF0000"/>
-                </a:solidFill>
-              </a:rPr>
-              <a:t>***********</a:t>
-            </a:r>
-            <a:endParaRPr lang="es-ES" dirty="0">
-              <a:solidFill>
-                <a:srgbClr val="FF0000"/>
-              </a:solidFill>
-            </a:endParaRPr>
-          </a:p>
-        </p:txBody>
-      </p:sp>
-      <p:sp>
-        <p:nvSpPr>
-          <p:cNvPr id="5" name="4 Elipse"/>
+          <p:cNvPr id="3" name="2 Elipse"/>
           <p:cNvSpPr/>
           <p:nvPr/>
         </p:nvSpPr>
         <p:spPr>
           <a:xfrm>
-            <a:off x="1115616" y="204323"/>
+            <a:off x="1043608" y="60307"/>
             <a:ext cx="1368152" cy="252029"/>
           </a:xfrm>
           <a:prstGeom prst="ellipse">
@@ -6899,49 +7315,16 @@
           </a:p>
         </p:txBody>
       </p:sp>
-      <p:cxnSp>
-        <p:nvCxnSpPr>
-          <p:cNvPr id="6" name="5 Conector recto de flecha"/>
-          <p:cNvCxnSpPr/>
-          <p:nvPr/>
-        </p:nvCxnSpPr>
-        <p:spPr>
-          <a:xfrm flipV="1">
-            <a:off x="1403648" y="548680"/>
-            <a:ext cx="288032" cy="1080120"/>
-          </a:xfrm>
-          <a:prstGeom prst="straightConnector1">
-            <a:avLst/>
-          </a:prstGeom>
-          <a:ln>
-            <a:tailEnd type="arrow"/>
-          </a:ln>
-        </p:spPr>
-        <p:style>
-          <a:lnRef idx="1">
-            <a:schemeClr val="accent1"/>
-          </a:lnRef>
-          <a:fillRef idx="0">
-            <a:schemeClr val="accent1"/>
-          </a:fillRef>
-          <a:effectRef idx="0">
-            <a:schemeClr val="accent1"/>
-          </a:effectRef>
-          <a:fontRef idx="minor">
-            <a:schemeClr val="tx1"/>
-          </a:fontRef>
-        </p:style>
-      </p:cxnSp>
-      <p:sp>
-        <p:nvSpPr>
-          <p:cNvPr id="7" name="6 CuadroTexto"/>
+      <p:sp>
+        <p:nvSpPr>
+          <p:cNvPr id="5" name="4 CuadroTexto"/>
           <p:cNvSpPr txBox="1"/>
           <p:nvPr/>
         </p:nvSpPr>
         <p:spPr>
           <a:xfrm>
-            <a:off x="395537" y="1674674"/>
-            <a:ext cx="3816423" cy="923330"/>
+            <a:off x="179513" y="1556792"/>
+            <a:ext cx="3600400" cy="2031325"/>
           </a:xfrm>
           <a:prstGeom prst="rect">
             <a:avLst/>
@@ -6954,21 +7337,23 @@
           </a:bodyPr>
           <a:lstStyle/>
           <a:p>
+            <a:pPr algn="just"/>
             <a:r>
               <a:rPr lang="es-ES" dirty="0" smtClean="0">
                 <a:solidFill>
                   <a:srgbClr val="FF0000"/>
                 </a:solidFill>
               </a:rPr>
-              <a:t>Acceder a </a:t>
+              <a:t>Acceder al campus virtual de la asignatura o bien a la dirección </a:t>
             </a:r>
             <a:r>
               <a:rPr lang="es-ES" dirty="0" smtClean="0">
                 <a:solidFill>
-                  <a:srgbClr val="FFFF00"/>
-                </a:solidFill>
+                  <a:srgbClr val="FF0000"/>
+                </a:solidFill>
+                <a:hlinkClick r:id="rId3"/>
               </a:rPr>
-              <a:t>http://iaas.ull.es </a:t>
+              <a:t>http://acceso.ull.es</a:t>
             </a:r>
             <a:r>
               <a:rPr lang="es-ES" dirty="0" smtClean="0">
@@ -6976,7 +7361,7 @@
                   <a:srgbClr val="FF0000"/>
                 </a:solidFill>
               </a:rPr>
-              <a:t>y autentificarse también en esta pantalla.</a:t>
+              <a:t> y comprobar que estás autentificado. En caso contrario, autentificarse ya que, de lo contrario, no podrás hacer los siguientes pasos.</a:t>
             </a:r>
             <a:endParaRPr lang="es-ES" dirty="0">
               <a:solidFill>
@@ -6988,14 +7373,14 @@
       </p:sp>
       <p:cxnSp>
         <p:nvCxnSpPr>
-          <p:cNvPr id="8" name="7 Conector recto de flecha"/>
+          <p:cNvPr id="4" name="3 Conector recto de flecha"/>
           <p:cNvCxnSpPr/>
           <p:nvPr/>
         </p:nvCxnSpPr>
         <p:spPr>
-          <a:xfrm>
-            <a:off x="1403648" y="2598004"/>
-            <a:ext cx="372406" cy="2035680"/>
+          <a:xfrm flipV="1">
+            <a:off x="1331640" y="404664"/>
+            <a:ext cx="288032" cy="1080120"/>
           </a:xfrm>
           <a:prstGeom prst="straightConnector1">
             <a:avLst/>
@@ -7022,7 +7407,7 @@
     </p:spTree>
     <p:extLst>
       <p:ext uri="{BB962C8B-B14F-4D97-AF65-F5344CB8AC3E}">
-        <p14:creationId xmlns:p14="http://schemas.microsoft.com/office/powerpoint/2010/main" val="811849116"/>
+        <p14:creationId xmlns:p14="http://schemas.microsoft.com/office/powerpoint/2010/main" val="1489948912"/>
       </p:ext>
     </p:extLst>
   </p:cSld>

--- a/images/Presentación1.pptx
+++ b/images/Presentación1.pptx
@@ -118,6 +118,22 @@
       </a:defRPr>
     </a:lvl9pPr>
   </p:defaultTextStyle>
+  <p:extLst>
+    <p:ext uri="{EFAFB233-063F-42B5-8137-9DF3F51BA10A}">
+      <p15:sldGuideLst xmlns:p15="http://schemas.microsoft.com/office/powerpoint/2012/main">
+        <p15:guide id="1" orient="horz" pos="2160">
+          <p15:clr>
+            <a:srgbClr val="A4A3A4"/>
+          </p15:clr>
+        </p15:guide>
+        <p15:guide id="2" pos="2880">
+          <p15:clr>
+            <a:srgbClr val="A4A3A4"/>
+          </p15:clr>
+        </p15:guide>
+      </p15:sldGuideLst>
+    </p:ext>
+  </p:extLst>
 </p:presentation>
 </file>
 
@@ -159,10 +175,9 @@
           <a:lstStyle/>
           <a:p>
             <a:r>
-              <a:rPr lang="es-ES" smtClean="0"/>
+              <a:rPr lang="es-ES"/>
               <a:t>Haga clic para modificar el estilo de título del patrón</a:t>
             </a:r>
-            <a:endParaRPr lang="es-ES"/>
           </a:p>
         </p:txBody>
       </p:sp>
@@ -278,10 +293,9 @@
           </a:lstStyle>
           <a:p>
             <a:r>
-              <a:rPr lang="es-ES" smtClean="0"/>
+              <a:rPr lang="es-ES"/>
               <a:t>Haga clic para modificar el estilo de subtítulo del patrón</a:t>
             </a:r>
-            <a:endParaRPr lang="es-ES"/>
           </a:p>
         </p:txBody>
       </p:sp>
@@ -302,7 +316,7 @@
           <a:p>
             <a:fld id="{9E2B9D65-9CB5-44CB-B647-17247A1ADF60}" type="datetimeFigureOut">
               <a:rPr lang="es-ES" smtClean="0"/>
-              <a:t>27/10/2020</a:t>
+              <a:t>26/09/2023</a:t>
             </a:fld>
             <a:endParaRPr lang="es-ES"/>
           </a:p>
@@ -396,10 +410,9 @@
           <a:lstStyle/>
           <a:p>
             <a:r>
-              <a:rPr lang="es-ES" smtClean="0"/>
+              <a:rPr lang="es-ES"/>
               <a:t>Haga clic para modificar el estilo de título del patrón</a:t>
             </a:r>
-            <a:endParaRPr lang="es-ES"/>
           </a:p>
         </p:txBody>
       </p:sp>
@@ -420,38 +433,37 @@
           <a:p>
             <a:pPr lvl="0"/>
             <a:r>
-              <a:rPr lang="es-ES" smtClean="0"/>
+              <a:rPr lang="es-ES"/>
               <a:t>Haga clic para modificar el estilo de texto del patrón</a:t>
             </a:r>
           </a:p>
           <a:p>
             <a:pPr lvl="1"/>
             <a:r>
-              <a:rPr lang="es-ES" smtClean="0"/>
+              <a:rPr lang="es-ES"/>
               <a:t>Segundo nivel</a:t>
             </a:r>
           </a:p>
           <a:p>
             <a:pPr lvl="2"/>
             <a:r>
-              <a:rPr lang="es-ES" smtClean="0"/>
+              <a:rPr lang="es-ES"/>
               <a:t>Tercer nivel</a:t>
             </a:r>
           </a:p>
           <a:p>
             <a:pPr lvl="3"/>
             <a:r>
-              <a:rPr lang="es-ES" smtClean="0"/>
+              <a:rPr lang="es-ES"/>
               <a:t>Cuarto nivel</a:t>
             </a:r>
           </a:p>
           <a:p>
             <a:pPr lvl="4"/>
             <a:r>
-              <a:rPr lang="es-ES" smtClean="0"/>
+              <a:rPr lang="es-ES"/>
               <a:t>Quinto nivel</a:t>
             </a:r>
-            <a:endParaRPr lang="es-ES"/>
           </a:p>
         </p:txBody>
       </p:sp>
@@ -472,7 +484,7 @@
           <a:p>
             <a:fld id="{9E2B9D65-9CB5-44CB-B647-17247A1ADF60}" type="datetimeFigureOut">
               <a:rPr lang="es-ES" smtClean="0"/>
-              <a:t>27/10/2020</a:t>
+              <a:t>26/09/2023</a:t>
             </a:fld>
             <a:endParaRPr lang="es-ES"/>
           </a:p>
@@ -571,10 +583,9 @@
           <a:lstStyle/>
           <a:p>
             <a:r>
-              <a:rPr lang="es-ES" smtClean="0"/>
+              <a:rPr lang="es-ES"/>
               <a:t>Haga clic para modificar el estilo de título del patrón</a:t>
             </a:r>
-            <a:endParaRPr lang="es-ES"/>
           </a:p>
         </p:txBody>
       </p:sp>
@@ -600,38 +611,37 @@
           <a:p>
             <a:pPr lvl="0"/>
             <a:r>
-              <a:rPr lang="es-ES" smtClean="0"/>
+              <a:rPr lang="es-ES"/>
               <a:t>Haga clic para modificar el estilo de texto del patrón</a:t>
             </a:r>
           </a:p>
           <a:p>
             <a:pPr lvl="1"/>
             <a:r>
-              <a:rPr lang="es-ES" smtClean="0"/>
+              <a:rPr lang="es-ES"/>
               <a:t>Segundo nivel</a:t>
             </a:r>
           </a:p>
           <a:p>
             <a:pPr lvl="2"/>
             <a:r>
-              <a:rPr lang="es-ES" smtClean="0"/>
+              <a:rPr lang="es-ES"/>
               <a:t>Tercer nivel</a:t>
             </a:r>
           </a:p>
           <a:p>
             <a:pPr lvl="3"/>
             <a:r>
-              <a:rPr lang="es-ES" smtClean="0"/>
+              <a:rPr lang="es-ES"/>
               <a:t>Cuarto nivel</a:t>
             </a:r>
           </a:p>
           <a:p>
             <a:pPr lvl="4"/>
             <a:r>
-              <a:rPr lang="es-ES" smtClean="0"/>
+              <a:rPr lang="es-ES"/>
               <a:t>Quinto nivel</a:t>
             </a:r>
-            <a:endParaRPr lang="es-ES"/>
           </a:p>
         </p:txBody>
       </p:sp>
@@ -652,7 +662,7 @@
           <a:p>
             <a:fld id="{9E2B9D65-9CB5-44CB-B647-17247A1ADF60}" type="datetimeFigureOut">
               <a:rPr lang="es-ES" smtClean="0"/>
-              <a:t>27/10/2020</a:t>
+              <a:t>26/09/2023</a:t>
             </a:fld>
             <a:endParaRPr lang="es-ES"/>
           </a:p>
@@ -746,10 +756,9 @@
           <a:lstStyle/>
           <a:p>
             <a:r>
-              <a:rPr lang="es-ES" smtClean="0"/>
+              <a:rPr lang="es-ES"/>
               <a:t>Haga clic para modificar el estilo de título del patrón</a:t>
             </a:r>
-            <a:endParaRPr lang="es-ES"/>
           </a:p>
         </p:txBody>
       </p:sp>
@@ -770,38 +779,37 @@
           <a:p>
             <a:pPr lvl="0"/>
             <a:r>
-              <a:rPr lang="es-ES" smtClean="0"/>
+              <a:rPr lang="es-ES"/>
               <a:t>Haga clic para modificar el estilo de texto del patrón</a:t>
             </a:r>
           </a:p>
           <a:p>
             <a:pPr lvl="1"/>
             <a:r>
-              <a:rPr lang="es-ES" smtClean="0"/>
+              <a:rPr lang="es-ES"/>
               <a:t>Segundo nivel</a:t>
             </a:r>
           </a:p>
           <a:p>
             <a:pPr lvl="2"/>
             <a:r>
-              <a:rPr lang="es-ES" smtClean="0"/>
+              <a:rPr lang="es-ES"/>
               <a:t>Tercer nivel</a:t>
             </a:r>
           </a:p>
           <a:p>
             <a:pPr lvl="3"/>
             <a:r>
-              <a:rPr lang="es-ES" smtClean="0"/>
+              <a:rPr lang="es-ES"/>
               <a:t>Cuarto nivel</a:t>
             </a:r>
           </a:p>
           <a:p>
             <a:pPr lvl="4"/>
             <a:r>
-              <a:rPr lang="es-ES" smtClean="0"/>
+              <a:rPr lang="es-ES"/>
               <a:t>Quinto nivel</a:t>
             </a:r>
-            <a:endParaRPr lang="es-ES"/>
           </a:p>
         </p:txBody>
       </p:sp>
@@ -822,7 +830,7 @@
           <a:p>
             <a:fld id="{9E2B9D65-9CB5-44CB-B647-17247A1ADF60}" type="datetimeFigureOut">
               <a:rPr lang="es-ES" smtClean="0"/>
-              <a:t>27/10/2020</a:t>
+              <a:t>26/09/2023</a:t>
             </a:fld>
             <a:endParaRPr lang="es-ES"/>
           </a:p>
@@ -925,10 +933,9 @@
           </a:lstStyle>
           <a:p>
             <a:r>
-              <a:rPr lang="es-ES" smtClean="0"/>
+              <a:rPr lang="es-ES"/>
               <a:t>Haga clic para modificar el estilo de título del patrón</a:t>
             </a:r>
-            <a:endParaRPr lang="es-ES"/>
           </a:p>
         </p:txBody>
       </p:sp>
@@ -1045,7 +1052,7 @@
           <a:p>
             <a:pPr lvl="0"/>
             <a:r>
-              <a:rPr lang="es-ES" smtClean="0"/>
+              <a:rPr lang="es-ES"/>
               <a:t>Haga clic para modificar el estilo de texto del patrón</a:t>
             </a:r>
           </a:p>
@@ -1068,7 +1075,7 @@
           <a:p>
             <a:fld id="{9E2B9D65-9CB5-44CB-B647-17247A1ADF60}" type="datetimeFigureOut">
               <a:rPr lang="es-ES" smtClean="0"/>
-              <a:t>27/10/2020</a:t>
+              <a:t>26/09/2023</a:t>
             </a:fld>
             <a:endParaRPr lang="es-ES"/>
           </a:p>
@@ -1162,10 +1169,9 @@
           <a:lstStyle/>
           <a:p>
             <a:r>
-              <a:rPr lang="es-ES" smtClean="0"/>
+              <a:rPr lang="es-ES"/>
               <a:t>Haga clic para modificar el estilo de título del patrón</a:t>
             </a:r>
-            <a:endParaRPr lang="es-ES"/>
           </a:p>
         </p:txBody>
       </p:sp>
@@ -1219,38 +1225,37 @@
           <a:p>
             <a:pPr lvl="0"/>
             <a:r>
-              <a:rPr lang="es-ES" smtClean="0"/>
+              <a:rPr lang="es-ES"/>
               <a:t>Haga clic para modificar el estilo de texto del patrón</a:t>
             </a:r>
           </a:p>
           <a:p>
             <a:pPr lvl="1"/>
             <a:r>
-              <a:rPr lang="es-ES" smtClean="0"/>
+              <a:rPr lang="es-ES"/>
               <a:t>Segundo nivel</a:t>
             </a:r>
           </a:p>
           <a:p>
             <a:pPr lvl="2"/>
             <a:r>
-              <a:rPr lang="es-ES" smtClean="0"/>
+              <a:rPr lang="es-ES"/>
               <a:t>Tercer nivel</a:t>
             </a:r>
           </a:p>
           <a:p>
             <a:pPr lvl="3"/>
             <a:r>
-              <a:rPr lang="es-ES" smtClean="0"/>
+              <a:rPr lang="es-ES"/>
               <a:t>Cuarto nivel</a:t>
             </a:r>
           </a:p>
           <a:p>
             <a:pPr lvl="4"/>
             <a:r>
-              <a:rPr lang="es-ES" smtClean="0"/>
+              <a:rPr lang="es-ES"/>
               <a:t>Quinto nivel</a:t>
             </a:r>
-            <a:endParaRPr lang="es-ES"/>
           </a:p>
         </p:txBody>
       </p:sp>
@@ -1304,38 +1309,37 @@
           <a:p>
             <a:pPr lvl="0"/>
             <a:r>
-              <a:rPr lang="es-ES" smtClean="0"/>
+              <a:rPr lang="es-ES"/>
               <a:t>Haga clic para modificar el estilo de texto del patrón</a:t>
             </a:r>
           </a:p>
           <a:p>
             <a:pPr lvl="1"/>
             <a:r>
-              <a:rPr lang="es-ES" smtClean="0"/>
+              <a:rPr lang="es-ES"/>
               <a:t>Segundo nivel</a:t>
             </a:r>
           </a:p>
           <a:p>
             <a:pPr lvl="2"/>
             <a:r>
-              <a:rPr lang="es-ES" smtClean="0"/>
+              <a:rPr lang="es-ES"/>
               <a:t>Tercer nivel</a:t>
             </a:r>
           </a:p>
           <a:p>
             <a:pPr lvl="3"/>
             <a:r>
-              <a:rPr lang="es-ES" smtClean="0"/>
+              <a:rPr lang="es-ES"/>
               <a:t>Cuarto nivel</a:t>
             </a:r>
           </a:p>
           <a:p>
             <a:pPr lvl="4"/>
             <a:r>
-              <a:rPr lang="es-ES" smtClean="0"/>
+              <a:rPr lang="es-ES"/>
               <a:t>Quinto nivel</a:t>
             </a:r>
-            <a:endParaRPr lang="es-ES"/>
           </a:p>
         </p:txBody>
       </p:sp>
@@ -1356,7 +1360,7 @@
           <a:p>
             <a:fld id="{9E2B9D65-9CB5-44CB-B647-17247A1ADF60}" type="datetimeFigureOut">
               <a:rPr lang="es-ES" smtClean="0"/>
-              <a:t>27/10/2020</a:t>
+              <a:t>26/09/2023</a:t>
             </a:fld>
             <a:endParaRPr lang="es-ES"/>
           </a:p>
@@ -1454,10 +1458,9 @@
           </a:lstStyle>
           <a:p>
             <a:r>
-              <a:rPr lang="es-ES" smtClean="0"/>
+              <a:rPr lang="es-ES"/>
               <a:t>Haga clic para modificar el estilo de título del patrón</a:t>
             </a:r>
-            <a:endParaRPr lang="es-ES"/>
           </a:p>
         </p:txBody>
       </p:sp>
@@ -1520,7 +1523,7 @@
           <a:p>
             <a:pPr lvl="0"/>
             <a:r>
-              <a:rPr lang="es-ES" smtClean="0"/>
+              <a:rPr lang="es-ES"/>
               <a:t>Haga clic para modificar el estilo de texto del patrón</a:t>
             </a:r>
           </a:p>
@@ -1576,38 +1579,37 @@
           <a:p>
             <a:pPr lvl="0"/>
             <a:r>
-              <a:rPr lang="es-ES" smtClean="0"/>
+              <a:rPr lang="es-ES"/>
               <a:t>Haga clic para modificar el estilo de texto del patrón</a:t>
             </a:r>
           </a:p>
           <a:p>
             <a:pPr lvl="1"/>
             <a:r>
-              <a:rPr lang="es-ES" smtClean="0"/>
+              <a:rPr lang="es-ES"/>
               <a:t>Segundo nivel</a:t>
             </a:r>
           </a:p>
           <a:p>
             <a:pPr lvl="2"/>
             <a:r>
-              <a:rPr lang="es-ES" smtClean="0"/>
+              <a:rPr lang="es-ES"/>
               <a:t>Tercer nivel</a:t>
             </a:r>
           </a:p>
           <a:p>
             <a:pPr lvl="3"/>
             <a:r>
-              <a:rPr lang="es-ES" smtClean="0"/>
+              <a:rPr lang="es-ES"/>
               <a:t>Cuarto nivel</a:t>
             </a:r>
           </a:p>
           <a:p>
             <a:pPr lvl="4"/>
             <a:r>
-              <a:rPr lang="es-ES" smtClean="0"/>
+              <a:rPr lang="es-ES"/>
               <a:t>Quinto nivel</a:t>
             </a:r>
-            <a:endParaRPr lang="es-ES"/>
           </a:p>
         </p:txBody>
       </p:sp>
@@ -1670,7 +1672,7 @@
           <a:p>
             <a:pPr lvl="0"/>
             <a:r>
-              <a:rPr lang="es-ES" smtClean="0"/>
+              <a:rPr lang="es-ES"/>
               <a:t>Haga clic para modificar el estilo de texto del patrón</a:t>
             </a:r>
           </a:p>
@@ -1726,38 +1728,37 @@
           <a:p>
             <a:pPr lvl="0"/>
             <a:r>
-              <a:rPr lang="es-ES" smtClean="0"/>
+              <a:rPr lang="es-ES"/>
               <a:t>Haga clic para modificar el estilo de texto del patrón</a:t>
             </a:r>
           </a:p>
           <a:p>
             <a:pPr lvl="1"/>
             <a:r>
-              <a:rPr lang="es-ES" smtClean="0"/>
+              <a:rPr lang="es-ES"/>
               <a:t>Segundo nivel</a:t>
             </a:r>
           </a:p>
           <a:p>
             <a:pPr lvl="2"/>
             <a:r>
-              <a:rPr lang="es-ES" smtClean="0"/>
+              <a:rPr lang="es-ES"/>
               <a:t>Tercer nivel</a:t>
             </a:r>
           </a:p>
           <a:p>
             <a:pPr lvl="3"/>
             <a:r>
-              <a:rPr lang="es-ES" smtClean="0"/>
+              <a:rPr lang="es-ES"/>
               <a:t>Cuarto nivel</a:t>
             </a:r>
           </a:p>
           <a:p>
             <a:pPr lvl="4"/>
             <a:r>
-              <a:rPr lang="es-ES" smtClean="0"/>
+              <a:rPr lang="es-ES"/>
               <a:t>Quinto nivel</a:t>
             </a:r>
-            <a:endParaRPr lang="es-ES"/>
           </a:p>
         </p:txBody>
       </p:sp>
@@ -1778,7 +1779,7 @@
           <a:p>
             <a:fld id="{9E2B9D65-9CB5-44CB-B647-17247A1ADF60}" type="datetimeFigureOut">
               <a:rPr lang="es-ES" smtClean="0"/>
-              <a:t>27/10/2020</a:t>
+              <a:t>26/09/2023</a:t>
             </a:fld>
             <a:endParaRPr lang="es-ES"/>
           </a:p>
@@ -1872,10 +1873,9 @@
           <a:lstStyle/>
           <a:p>
             <a:r>
-              <a:rPr lang="es-ES" smtClean="0"/>
+              <a:rPr lang="es-ES"/>
               <a:t>Haga clic para modificar el estilo de título del patrón</a:t>
             </a:r>
-            <a:endParaRPr lang="es-ES"/>
           </a:p>
         </p:txBody>
       </p:sp>
@@ -1896,7 +1896,7 @@
           <a:p>
             <a:fld id="{9E2B9D65-9CB5-44CB-B647-17247A1ADF60}" type="datetimeFigureOut">
               <a:rPr lang="es-ES" smtClean="0"/>
-              <a:t>27/10/2020</a:t>
+              <a:t>26/09/2023</a:t>
             </a:fld>
             <a:endParaRPr lang="es-ES"/>
           </a:p>
@@ -1991,7 +1991,7 @@
           <a:p>
             <a:fld id="{9E2B9D65-9CB5-44CB-B647-17247A1ADF60}" type="datetimeFigureOut">
               <a:rPr lang="es-ES" smtClean="0"/>
-              <a:t>27/10/2020</a:t>
+              <a:t>26/09/2023</a:t>
             </a:fld>
             <a:endParaRPr lang="es-ES"/>
           </a:p>
@@ -2094,10 +2094,9 @@
           </a:lstStyle>
           <a:p>
             <a:r>
-              <a:rPr lang="es-ES" smtClean="0"/>
+              <a:rPr lang="es-ES"/>
               <a:t>Haga clic para modificar el estilo de título del patrón</a:t>
             </a:r>
-            <a:endParaRPr lang="es-ES"/>
           </a:p>
         </p:txBody>
       </p:sp>
@@ -2151,38 +2150,37 @@
           <a:p>
             <a:pPr lvl="0"/>
             <a:r>
-              <a:rPr lang="es-ES" smtClean="0"/>
+              <a:rPr lang="es-ES"/>
               <a:t>Haga clic para modificar el estilo de texto del patrón</a:t>
             </a:r>
           </a:p>
           <a:p>
             <a:pPr lvl="1"/>
             <a:r>
-              <a:rPr lang="es-ES" smtClean="0"/>
+              <a:rPr lang="es-ES"/>
               <a:t>Segundo nivel</a:t>
             </a:r>
           </a:p>
           <a:p>
             <a:pPr lvl="2"/>
             <a:r>
-              <a:rPr lang="es-ES" smtClean="0"/>
+              <a:rPr lang="es-ES"/>
               <a:t>Tercer nivel</a:t>
             </a:r>
           </a:p>
           <a:p>
             <a:pPr lvl="3"/>
             <a:r>
-              <a:rPr lang="es-ES" smtClean="0"/>
+              <a:rPr lang="es-ES"/>
               <a:t>Cuarto nivel</a:t>
             </a:r>
           </a:p>
           <a:p>
             <a:pPr lvl="4"/>
             <a:r>
-              <a:rPr lang="es-ES" smtClean="0"/>
+              <a:rPr lang="es-ES"/>
               <a:t>Quinto nivel</a:t>
             </a:r>
-            <a:endParaRPr lang="es-ES"/>
           </a:p>
         </p:txBody>
       </p:sp>
@@ -2245,7 +2243,7 @@
           <a:p>
             <a:pPr lvl="0"/>
             <a:r>
-              <a:rPr lang="es-ES" smtClean="0"/>
+              <a:rPr lang="es-ES"/>
               <a:t>Haga clic para modificar el estilo de texto del patrón</a:t>
             </a:r>
           </a:p>
@@ -2268,7 +2266,7 @@
           <a:p>
             <a:fld id="{9E2B9D65-9CB5-44CB-B647-17247A1ADF60}" type="datetimeFigureOut">
               <a:rPr lang="es-ES" smtClean="0"/>
-              <a:t>27/10/2020</a:t>
+              <a:t>26/09/2023</a:t>
             </a:fld>
             <a:endParaRPr lang="es-ES"/>
           </a:p>
@@ -2371,10 +2369,9 @@
           </a:lstStyle>
           <a:p>
             <a:r>
-              <a:rPr lang="es-ES" smtClean="0"/>
+              <a:rPr lang="es-ES"/>
               <a:t>Haga clic para modificar el estilo de título del patrón</a:t>
             </a:r>
-            <a:endParaRPr lang="es-ES"/>
           </a:p>
         </p:txBody>
       </p:sp>
@@ -2498,7 +2495,7 @@
           <a:p>
             <a:pPr lvl="0"/>
             <a:r>
-              <a:rPr lang="es-ES" smtClean="0"/>
+              <a:rPr lang="es-ES"/>
               <a:t>Haga clic para modificar el estilo de texto del patrón</a:t>
             </a:r>
           </a:p>
@@ -2521,7 +2518,7 @@
           <a:p>
             <a:fld id="{9E2B9D65-9CB5-44CB-B647-17247A1ADF60}" type="datetimeFigureOut">
               <a:rPr lang="es-ES" smtClean="0"/>
-              <a:t>27/10/2020</a:t>
+              <a:t>26/09/2023</a:t>
             </a:fld>
             <a:endParaRPr lang="es-ES"/>
           </a:p>
@@ -2630,10 +2627,9 @@
           <a:lstStyle/>
           <a:p>
             <a:r>
-              <a:rPr lang="es-ES" smtClean="0"/>
+              <a:rPr lang="es-ES"/>
               <a:t>Haga clic para modificar el estilo de título del patrón</a:t>
             </a:r>
-            <a:endParaRPr lang="es-ES"/>
           </a:p>
         </p:txBody>
       </p:sp>
@@ -2664,38 +2660,37 @@
           <a:p>
             <a:pPr lvl="0"/>
             <a:r>
-              <a:rPr lang="es-ES" smtClean="0"/>
+              <a:rPr lang="es-ES"/>
               <a:t>Haga clic para modificar el estilo de texto del patrón</a:t>
             </a:r>
           </a:p>
           <a:p>
             <a:pPr lvl="1"/>
             <a:r>
-              <a:rPr lang="es-ES" smtClean="0"/>
+              <a:rPr lang="es-ES"/>
               <a:t>Segundo nivel</a:t>
             </a:r>
           </a:p>
           <a:p>
             <a:pPr lvl="2"/>
             <a:r>
-              <a:rPr lang="es-ES" smtClean="0"/>
+              <a:rPr lang="es-ES"/>
               <a:t>Tercer nivel</a:t>
             </a:r>
           </a:p>
           <a:p>
             <a:pPr lvl="3"/>
             <a:r>
-              <a:rPr lang="es-ES" smtClean="0"/>
+              <a:rPr lang="es-ES"/>
               <a:t>Cuarto nivel</a:t>
             </a:r>
           </a:p>
           <a:p>
             <a:pPr lvl="4"/>
             <a:r>
-              <a:rPr lang="es-ES" smtClean="0"/>
+              <a:rPr lang="es-ES"/>
               <a:t>Quinto nivel</a:t>
             </a:r>
-            <a:endParaRPr lang="es-ES"/>
           </a:p>
         </p:txBody>
       </p:sp>
@@ -2734,7 +2729,7 @@
           <a:p>
             <a:fld id="{9E2B9D65-9CB5-44CB-B647-17247A1ADF60}" type="datetimeFigureOut">
               <a:rPr lang="es-ES" smtClean="0"/>
-              <a:t>27/10/2020</a:t>
+              <a:t>26/09/2023</a:t>
             </a:fld>
             <a:endParaRPr lang="es-ES"/>
           </a:p>
@@ -3225,18 +3220,13 @@
           <a:lstStyle/>
           <a:p>
             <a:r>
-              <a:rPr lang="es-ES" dirty="0" smtClean="0">
+              <a:rPr lang="es-ES" dirty="0">
                 <a:solidFill>
                   <a:srgbClr val="FF0000"/>
                 </a:solidFill>
               </a:rPr>
               <a:t>******</a:t>
             </a:r>
-            <a:endParaRPr lang="es-ES" dirty="0">
-              <a:solidFill>
-                <a:srgbClr val="FF0000"/>
-              </a:solidFill>
-            </a:endParaRPr>
           </a:p>
         </p:txBody>
       </p:sp>
@@ -3263,18 +3253,13 @@
           <a:lstStyle/>
           <a:p>
             <a:r>
-              <a:rPr lang="es-ES" dirty="0" smtClean="0">
+              <a:rPr lang="es-ES" dirty="0">
                 <a:solidFill>
                   <a:srgbClr val="FF0000"/>
                 </a:solidFill>
               </a:rPr>
               <a:t>******</a:t>
             </a:r>
-            <a:endParaRPr lang="es-ES" dirty="0">
-              <a:solidFill>
-                <a:srgbClr val="FF0000"/>
-              </a:solidFill>
-            </a:endParaRPr>
           </a:p>
         </p:txBody>
       </p:sp>
@@ -3301,18 +3286,13 @@
           <a:lstStyle/>
           <a:p>
             <a:r>
-              <a:rPr lang="es-ES" dirty="0" smtClean="0">
+              <a:rPr lang="es-ES" dirty="0">
                 <a:solidFill>
                   <a:srgbClr val="FF0000"/>
                 </a:solidFill>
               </a:rPr>
               <a:t>******</a:t>
             </a:r>
-            <a:endParaRPr lang="es-ES" dirty="0">
-              <a:solidFill>
-                <a:srgbClr val="FF0000"/>
-              </a:solidFill>
-            </a:endParaRPr>
           </a:p>
         </p:txBody>
       </p:sp>
@@ -3374,14 +3354,13 @@
           <a:lstStyle/>
           <a:p>
             <a:r>
-              <a:rPr lang="es-ES" dirty="0" smtClean="0"/>
+              <a:rPr lang="es-ES" dirty="0"/>
               <a:t>Poner la contraseña actual, es decir, </a:t>
             </a:r>
             <a:r>
-              <a:rPr lang="es-ES" b="1" dirty="0" smtClean="0"/>
+              <a:rPr lang="es-ES" b="1" dirty="0"/>
               <a:t>estad</a:t>
             </a:r>
-            <a:endParaRPr lang="es-ES" b="1" dirty="0"/>
           </a:p>
         </p:txBody>
       </p:sp>
@@ -3408,10 +3387,9 @@
           <a:lstStyle/>
           <a:p>
             <a:r>
-              <a:rPr lang="es-ES" dirty="0" smtClean="0"/>
+              <a:rPr lang="es-ES" dirty="0"/>
               <a:t>Poner la nueva contraseña que se desee</a:t>
             </a:r>
-            <a:endParaRPr lang="es-ES" dirty="0"/>
           </a:p>
         </p:txBody>
       </p:sp>
@@ -3473,10 +3451,9 @@
           <a:lstStyle/>
           <a:p>
             <a:r>
-              <a:rPr lang="es-ES" dirty="0" smtClean="0"/>
+              <a:rPr lang="es-ES" dirty="0"/>
               <a:t>Repetir la nueva contraseña</a:t>
             </a:r>
-            <a:endParaRPr lang="es-ES" dirty="0"/>
           </a:p>
         </p:txBody>
       </p:sp>
@@ -3607,7 +3584,7 @@
           <a:lstStyle/>
           <a:p>
             <a:r>
-              <a:rPr lang="es-ES" dirty="0" err="1" smtClean="0">
+              <a:rPr lang="es-ES" dirty="0" err="1">
                 <a:solidFill>
                   <a:srgbClr val="FF0000"/>
                 </a:solidFill>
@@ -3645,18 +3622,13 @@
           <a:lstStyle/>
           <a:p>
             <a:r>
-              <a:rPr lang="es-ES" dirty="0" smtClean="0">
+              <a:rPr lang="es-ES" dirty="0">
                 <a:solidFill>
                   <a:srgbClr val="FF0000"/>
                 </a:solidFill>
               </a:rPr>
               <a:t>***********</a:t>
             </a:r>
-            <a:endParaRPr lang="es-ES" dirty="0">
-              <a:solidFill>
-                <a:srgbClr val="FF0000"/>
-              </a:solidFill>
-            </a:endParaRPr>
           </a:p>
         </p:txBody>
       </p:sp>
@@ -3762,7 +3734,7 @@
           <a:lstStyle/>
           <a:p>
             <a:r>
-              <a:rPr lang="es-ES" dirty="0" smtClean="0">
+              <a:rPr lang="es-ES" dirty="0">
                 <a:solidFill>
                   <a:srgbClr val="FF0000"/>
                 </a:solidFill>
@@ -3770,7 +3742,7 @@
               <a:t>Acceder a </a:t>
             </a:r>
             <a:r>
-              <a:rPr lang="es-ES" dirty="0" smtClean="0">
+              <a:rPr lang="es-ES" dirty="0">
                 <a:solidFill>
                   <a:srgbClr val="FFFF00"/>
                 </a:solidFill>
@@ -3778,18 +3750,13 @@
               <a:t>http://iaas.ull.es </a:t>
             </a:r>
             <a:r>
-              <a:rPr lang="es-ES" dirty="0" smtClean="0">
+              <a:rPr lang="es-ES" dirty="0">
                 <a:solidFill>
                   <a:srgbClr val="FF0000"/>
                 </a:solidFill>
               </a:rPr>
               <a:t>y autentificarse también en esta pantalla.</a:t>
             </a:r>
-            <a:endParaRPr lang="es-ES" dirty="0">
-              <a:solidFill>
-                <a:srgbClr val="FF0000"/>
-              </a:solidFill>
-            </a:endParaRPr>
           </a:p>
         </p:txBody>
       </p:sp>
@@ -3920,7 +3887,7 @@
           <a:lstStyle/>
           <a:p>
             <a:r>
-              <a:rPr lang="es-ES" dirty="0" smtClean="0">
+              <a:rPr lang="es-ES" dirty="0">
                 <a:solidFill>
                   <a:srgbClr val="FF0000"/>
                 </a:solidFill>
@@ -3930,7 +3897,7 @@
           </a:p>
           <a:p>
             <a:r>
-              <a:rPr lang="es-ES" dirty="0" smtClean="0">
+              <a:rPr lang="es-ES" dirty="0">
                 <a:solidFill>
                   <a:srgbClr val="FF0000"/>
                 </a:solidFill>
@@ -3940,18 +3907,13 @@
           </a:p>
           <a:p>
             <a:r>
-              <a:rPr lang="es-ES" dirty="0" smtClean="0">
+              <a:rPr lang="es-ES" dirty="0">
                 <a:solidFill>
                   <a:srgbClr val="FF0000"/>
                 </a:solidFill>
               </a:rPr>
               <a:t>PACIENCIA tarda un rato</a:t>
             </a:r>
-            <a:endParaRPr lang="es-ES" dirty="0">
-              <a:solidFill>
-                <a:srgbClr val="FF0000"/>
-              </a:solidFill>
-            </a:endParaRPr>
           </a:p>
         </p:txBody>
       </p:sp>
@@ -4164,7 +4126,7 @@
           <a:p>
             <a:pPr algn="just"/>
             <a:r>
-              <a:rPr lang="es-ES" dirty="0" smtClean="0">
+              <a:rPr lang="es-ES" dirty="0">
                 <a:solidFill>
                   <a:srgbClr val="FF0000"/>
                 </a:solidFill>
@@ -4175,18 +4137,13 @@
           <a:p>
             <a:pPr algn="just"/>
             <a:r>
-              <a:rPr lang="es-ES" dirty="0" smtClean="0">
+              <a:rPr lang="es-ES" dirty="0">
                 <a:solidFill>
                   <a:srgbClr val="FF0000"/>
                 </a:solidFill>
               </a:rPr>
               <a:t>A cada alumno le sale su propia IP (la que sale en este gráfico es ficticia) así que hay que anotarla para utilizarla más adelante.</a:t>
             </a:r>
-            <a:endParaRPr lang="es-ES" dirty="0">
-              <a:solidFill>
-                <a:srgbClr val="FF0000"/>
-              </a:solidFill>
-            </a:endParaRPr>
           </a:p>
         </p:txBody>
       </p:sp>
@@ -4248,10 +4205,9 @@
           <a:lstStyle/>
           <a:p>
             <a:r>
-              <a:rPr lang="es-ES" dirty="0" smtClean="0"/>
+              <a:rPr lang="es-ES" dirty="0"/>
               <a:t>10.6.128.255</a:t>
             </a:r>
-            <a:endParaRPr lang="es-ES" dirty="0"/>
           </a:p>
         </p:txBody>
       </p:sp>
@@ -4396,7 +4352,7 @@
           <a:p>
             <a:pPr algn="just"/>
             <a:r>
-              <a:rPr lang="es-ES" dirty="0" smtClean="0">
+              <a:rPr lang="es-ES" dirty="0">
                 <a:solidFill>
                   <a:srgbClr val="FF0000"/>
                 </a:solidFill>
@@ -4466,10 +4422,9 @@
           <a:lstStyle/>
           <a:p>
             <a:r>
-              <a:rPr lang="es-ES" sz="1100" b="1" dirty="0" smtClean="0"/>
+              <a:rPr lang="es-ES" sz="1100" b="1" dirty="0"/>
               <a:t>10.6.128.255:8087</a:t>
             </a:r>
-            <a:endParaRPr lang="es-ES" sz="1100" b="1" dirty="0"/>
           </a:p>
         </p:txBody>
       </p:sp>
@@ -4575,18 +4530,13 @@
           <a:lstStyle/>
           <a:p>
             <a:r>
-              <a:rPr lang="es-ES" dirty="0" smtClean="0">
+              <a:rPr lang="es-ES" dirty="0">
                 <a:solidFill>
                   <a:srgbClr val="FF0000"/>
                 </a:solidFill>
               </a:rPr>
               <a:t>infer</a:t>
             </a:r>
-            <a:endParaRPr lang="es-ES" dirty="0">
-              <a:solidFill>
-                <a:srgbClr val="FF0000"/>
-              </a:solidFill>
-            </a:endParaRPr>
           </a:p>
         </p:txBody>
       </p:sp>
@@ -4613,18 +4563,13 @@
           <a:lstStyle/>
           <a:p>
             <a:r>
-              <a:rPr lang="es-ES" dirty="0" smtClean="0">
+              <a:rPr lang="es-ES" dirty="0">
                 <a:solidFill>
                   <a:srgbClr val="FF0000"/>
                 </a:solidFill>
               </a:rPr>
               <a:t>infer</a:t>
             </a:r>
-            <a:endParaRPr lang="es-ES" dirty="0">
-              <a:solidFill>
-                <a:srgbClr val="FF0000"/>
-              </a:solidFill>
-            </a:endParaRPr>
           </a:p>
         </p:txBody>
       </p:sp>
@@ -4652,7 +4597,7 @@
           <a:p>
             <a:pPr algn="just"/>
             <a:r>
-              <a:rPr lang="es-ES" dirty="0" smtClean="0">
+              <a:rPr lang="es-ES" dirty="0">
                 <a:solidFill>
                   <a:srgbClr val="FF0000"/>
                 </a:solidFill>
@@ -4666,7 +4611,7 @@
               <a:buChar char="•"/>
             </a:pPr>
             <a:r>
-              <a:rPr lang="es-ES" dirty="0" smtClean="0">
+              <a:rPr lang="es-ES" dirty="0">
                 <a:solidFill>
                   <a:srgbClr val="FF0000"/>
                 </a:solidFill>
@@ -4680,7 +4625,7 @@
               <a:buChar char="•"/>
             </a:pPr>
             <a:r>
-              <a:rPr lang="es-ES" dirty="0" smtClean="0">
+              <a:rPr lang="es-ES" dirty="0">
                 <a:solidFill>
                   <a:srgbClr val="FF0000"/>
                 </a:solidFill>
@@ -4699,7 +4644,7 @@
           <a:p>
             <a:pPr algn="just"/>
             <a:r>
-              <a:rPr lang="es-ES" dirty="0" smtClean="0">
+              <a:rPr lang="es-ES" dirty="0">
                 <a:solidFill>
                   <a:srgbClr val="FF0000"/>
                 </a:solidFill>
@@ -4807,10 +4752,9 @@
           <a:lstStyle/>
           <a:p>
             <a:r>
-              <a:rPr lang="es-ES" sz="1100" b="1" dirty="0" smtClean="0"/>
+              <a:rPr lang="es-ES" sz="1100" b="1" dirty="0"/>
               <a:t>10.6.128.255:8087</a:t>
             </a:r>
-            <a:endParaRPr lang="es-ES" sz="1100" b="1" dirty="0"/>
           </a:p>
         </p:txBody>
       </p:sp>
@@ -4837,7 +4781,7 @@
           <a:lstStyle/>
           <a:p>
             <a:r>
-              <a:rPr lang="es-ES" dirty="0" smtClean="0">
+              <a:rPr lang="es-ES" dirty="0">
                 <a:solidFill>
                   <a:srgbClr val="FF0000"/>
                 </a:solidFill>
@@ -4847,18 +4791,13 @@
           </a:p>
           <a:p>
             <a:r>
-              <a:rPr lang="es-ES" dirty="0" smtClean="0">
+              <a:rPr lang="es-ES" dirty="0">
                 <a:solidFill>
                   <a:srgbClr val="FF0000"/>
                 </a:solidFill>
               </a:rPr>
               <a:t>Cuando acabes la práctica puedes cerrar las pestañas del navegador.</a:t>
             </a:r>
-            <a:endParaRPr lang="es-ES" dirty="0">
-              <a:solidFill>
-                <a:srgbClr val="FF0000"/>
-              </a:solidFill>
-            </a:endParaRPr>
           </a:p>
         </p:txBody>
       </p:sp>
@@ -4961,6 +4900,137 @@
           </a:fontRef>
         </p:style>
       </p:cxnSp>
+      <p:cxnSp>
+        <p:nvCxnSpPr>
+          <p:cNvPr id="2" name="4 Conector recto de flecha">
+            <a:extLst>
+              <a:ext uri="{FF2B5EF4-FFF2-40B4-BE49-F238E27FC236}">
+                <a16:creationId xmlns:a16="http://schemas.microsoft.com/office/drawing/2014/main" id="{F8CD71FA-781A-9625-BF2F-B49182D02455}"/>
+              </a:ext>
+            </a:extLst>
+          </p:cNvPr>
+          <p:cNvCxnSpPr>
+            <a:cxnSpLocks/>
+          </p:cNvCxnSpPr>
+          <p:nvPr/>
+        </p:nvCxnSpPr>
+        <p:spPr>
+          <a:xfrm flipV="1">
+            <a:off x="5580112" y="4599379"/>
+            <a:ext cx="304263" cy="413797"/>
+          </a:xfrm>
+          <a:prstGeom prst="straightConnector1">
+            <a:avLst/>
+          </a:prstGeom>
+          <a:ln>
+            <a:tailEnd type="arrow"/>
+          </a:ln>
+        </p:spPr>
+        <p:style>
+          <a:lnRef idx="1">
+            <a:schemeClr val="accent1"/>
+          </a:lnRef>
+          <a:fillRef idx="0">
+            <a:schemeClr val="accent1"/>
+          </a:fillRef>
+          <a:effectRef idx="0">
+            <a:schemeClr val="accent1"/>
+          </a:effectRef>
+          <a:fontRef idx="minor">
+            <a:schemeClr val="tx1"/>
+          </a:fontRef>
+        </p:style>
+      </p:cxnSp>
+      <p:sp>
+        <p:nvSpPr>
+          <p:cNvPr id="6" name="Rectángulo 5">
+            <a:extLst>
+              <a:ext uri="{FF2B5EF4-FFF2-40B4-BE49-F238E27FC236}">
+                <a16:creationId xmlns:a16="http://schemas.microsoft.com/office/drawing/2014/main" id="{39775DB3-8A05-CFC2-556C-7E4AF95683D8}"/>
+              </a:ext>
+            </a:extLst>
+          </p:cNvPr>
+          <p:cNvSpPr/>
+          <p:nvPr/>
+        </p:nvSpPr>
+        <p:spPr>
+          <a:xfrm>
+            <a:off x="4932040" y="3804490"/>
+            <a:ext cx="1944216" cy="734079"/>
+          </a:xfrm>
+          <a:prstGeom prst="rect">
+            <a:avLst/>
+          </a:prstGeom>
+          <a:solidFill>
+            <a:schemeClr val="accent1">
+              <a:alpha val="8000"/>
+            </a:schemeClr>
+          </a:solidFill>
+        </p:spPr>
+        <p:style>
+          <a:lnRef idx="2">
+            <a:schemeClr val="accent1">
+              <a:shade val="15000"/>
+            </a:schemeClr>
+          </a:lnRef>
+          <a:fillRef idx="1">
+            <a:schemeClr val="accent1"/>
+          </a:fillRef>
+          <a:effectRef idx="0">
+            <a:schemeClr val="accent1"/>
+          </a:effectRef>
+          <a:fontRef idx="minor">
+            <a:schemeClr val="lt1"/>
+          </a:fontRef>
+        </p:style>
+        <p:txBody>
+          <a:bodyPr rtlCol="0" anchor="ctr"/>
+          <a:lstStyle/>
+          <a:p>
+            <a:pPr algn="ctr"/>
+            <a:endParaRPr lang="es-ES"/>
+          </a:p>
+        </p:txBody>
+      </p:sp>
+      <p:sp>
+        <p:nvSpPr>
+          <p:cNvPr id="10" name="3 CuadroTexto">
+            <a:extLst>
+              <a:ext uri="{FF2B5EF4-FFF2-40B4-BE49-F238E27FC236}">
+                <a16:creationId xmlns:a16="http://schemas.microsoft.com/office/drawing/2014/main" id="{21D05C51-C6AE-DEEA-AC66-9BB899968689}"/>
+              </a:ext>
+            </a:extLst>
+          </p:cNvPr>
+          <p:cNvSpPr txBox="1"/>
+          <p:nvPr/>
+        </p:nvSpPr>
+        <p:spPr>
+          <a:xfrm>
+            <a:off x="4932040" y="4972519"/>
+            <a:ext cx="3816423" cy="1477328"/>
+          </a:xfrm>
+          <a:prstGeom prst="rect">
+            <a:avLst/>
+          </a:prstGeom>
+          <a:noFill/>
+        </p:spPr>
+        <p:txBody>
+          <a:bodyPr wrap="square" rtlCol="0">
+            <a:spAutoFit/>
+          </a:bodyPr>
+          <a:lstStyle/>
+          <a:p>
+            <a:r>
+              <a:rPr lang="es-ES" dirty="0">
+                <a:solidFill>
+                  <a:srgbClr val="FF0000"/>
+                </a:solidFill>
+              </a:rPr>
+              <a:t>IMPORTANTE: No eliminen ni muevan de carpeta estos archivos ya que gracias a ellos se puede conseguir la sincronización del material docente de las prácticas.</a:t>
+            </a:r>
+          </a:p>
+        </p:txBody>
+      </p:sp>
     </p:spTree>
     <p:extLst>
       <p:ext uri="{BB962C8B-B14F-4D97-AF65-F5344CB8AC3E}">
@@ -5056,7 +5126,7 @@
           <a:p>
             <a:pPr algn="just"/>
             <a:r>
-              <a:rPr lang="es-ES" dirty="0" smtClean="0">
+              <a:rPr lang="es-ES" dirty="0">
                 <a:solidFill>
                   <a:srgbClr val="FF0000"/>
                 </a:solidFill>
@@ -5067,18 +5137,13 @@
           <a:p>
             <a:pPr algn="just"/>
             <a:r>
-              <a:rPr lang="es-ES" dirty="0" smtClean="0">
+              <a:rPr lang="es-ES" dirty="0">
                 <a:solidFill>
                   <a:srgbClr val="FF0000"/>
                 </a:solidFill>
               </a:rPr>
               <a:t>La próxima vez que necesitemos utilizar la máquina repetimos los pasos que hemos seguido aquí.</a:t>
             </a:r>
-            <a:endParaRPr lang="es-ES" dirty="0">
-              <a:solidFill>
-                <a:srgbClr val="FF0000"/>
-              </a:solidFill>
-            </a:endParaRPr>
           </a:p>
         </p:txBody>
       </p:sp>
@@ -5107,10 +5172,9 @@
           <a:lstStyle/>
           <a:p>
             <a:r>
-              <a:rPr lang="es-ES" sz="1200" dirty="0" smtClean="0"/>
+              <a:rPr lang="es-ES" sz="1200" dirty="0"/>
               <a:t>10.6.128.255</a:t>
             </a:r>
-            <a:endParaRPr lang="es-ES" sz="1200" dirty="0"/>
           </a:p>
         </p:txBody>
       </p:sp>
@@ -5347,7 +5411,7 @@
           <a:p>
             <a:pPr algn="just"/>
             <a:r>
-              <a:rPr lang="es-ES" dirty="0" smtClean="0">
+              <a:rPr lang="es-ES" dirty="0">
                 <a:solidFill>
                   <a:srgbClr val="FF0000"/>
                 </a:solidFill>
@@ -5355,7 +5419,7 @@
               <a:t>Abrir un navegador web y acceder a la dirección </a:t>
             </a:r>
             <a:r>
-              <a:rPr lang="es-ES" dirty="0" smtClean="0">
+              <a:rPr lang="es-ES" dirty="0">
                 <a:solidFill>
                   <a:srgbClr val="FF0000"/>
                 </a:solidFill>
@@ -5364,7 +5428,7 @@
               <a:t>http://usuarios.ull.es/vpn</a:t>
             </a:r>
             <a:r>
-              <a:rPr lang="es-ES" dirty="0" smtClean="0">
+              <a:rPr lang="es-ES" dirty="0">
                 <a:solidFill>
                   <a:srgbClr val="FF0000"/>
                 </a:solidFill>
@@ -5372,10 +5436,9 @@
               <a:t>. Hacer click en </a:t>
             </a:r>
             <a:r>
-              <a:rPr lang="es-ES" dirty="0" smtClean="0"/>
+              <a:rPr lang="es-ES" dirty="0"/>
               <a:t>Servicio de VPN de la ULL</a:t>
             </a:r>
-            <a:endParaRPr lang="es-ES" dirty="0"/>
           </a:p>
         </p:txBody>
       </p:sp>
@@ -5599,18 +5662,13 @@
           <a:p>
             <a:pPr algn="just"/>
             <a:r>
-              <a:rPr lang="es-ES" dirty="0" smtClean="0">
+              <a:rPr lang="es-ES" dirty="0">
                 <a:solidFill>
                   <a:srgbClr val="FF0000"/>
                 </a:solidFill>
               </a:rPr>
               <a:t>Seguir las instrucciones de las Guías de configuración para instalar el cliente VPN que permite hacer una conexión a ULL</a:t>
             </a:r>
-            <a:endParaRPr lang="es-ES" dirty="0">
-              <a:solidFill>
-                <a:srgbClr val="FF0000"/>
-              </a:solidFill>
-            </a:endParaRPr>
           </a:p>
         </p:txBody>
       </p:sp>
@@ -5722,18 +5780,13 @@
           <a:p>
             <a:pPr algn="just"/>
             <a:r>
-              <a:rPr lang="es-ES" dirty="0" smtClean="0">
+              <a:rPr lang="es-ES" dirty="0">
                 <a:solidFill>
                   <a:srgbClr val="FF0000"/>
                 </a:solidFill>
               </a:rPr>
               <a:t>Por ejemplo, para ordenadores Windows hay que instalar el cliente que corresponda a la versión de cada SO. En general, para sistemas desde Windows 7 en adelante, el cliente típico es el de 64 bits. </a:t>
             </a:r>
-            <a:endParaRPr lang="es-ES" dirty="0">
-              <a:solidFill>
-                <a:srgbClr val="FF0000"/>
-              </a:solidFill>
-            </a:endParaRPr>
           </a:p>
         </p:txBody>
       </p:sp>
@@ -5845,18 +5898,13 @@
           <a:p>
             <a:pPr algn="just"/>
             <a:r>
-              <a:rPr lang="es-ES" dirty="0" smtClean="0">
+              <a:rPr lang="es-ES" dirty="0">
                 <a:solidFill>
                   <a:srgbClr val="FF0000"/>
                 </a:solidFill>
               </a:rPr>
               <a:t>Por ejemplo, para ordenadores Windows hay que instalar el cliente que corresponda a la versión de cada SO. En general, para sistemas desde Windows 7 en adelante, el cliente típico es el de 64 bits. </a:t>
             </a:r>
-            <a:endParaRPr lang="es-ES" dirty="0">
-              <a:solidFill>
-                <a:srgbClr val="FF0000"/>
-              </a:solidFill>
-            </a:endParaRPr>
           </a:p>
         </p:txBody>
       </p:sp>
@@ -6001,7 +6049,7 @@
           <a:p>
             <a:pPr algn="just"/>
             <a:r>
-              <a:rPr lang="es-ES" dirty="0" smtClean="0">
+              <a:rPr lang="es-ES" dirty="0">
                 <a:solidFill>
                   <a:srgbClr val="FF0000"/>
                 </a:solidFill>
@@ -6504,7 +6552,7 @@
           <a:p>
             <a:pPr algn="just"/>
             <a:r>
-              <a:rPr lang="es-ES" dirty="0" smtClean="0">
+              <a:rPr lang="es-ES" dirty="0">
                 <a:solidFill>
                   <a:srgbClr val="FF0000"/>
                 </a:solidFill>
@@ -6576,7 +6624,7 @@
           <a:p>
             <a:pPr algn="just"/>
             <a:r>
-              <a:rPr lang="es-ES" dirty="0" smtClean="0">
+              <a:rPr lang="es-ES" dirty="0">
                 <a:solidFill>
                   <a:srgbClr val="FF0000"/>
                 </a:solidFill>
@@ -6806,7 +6854,7 @@
           <a:p>
             <a:pPr algn="just"/>
             <a:r>
-              <a:rPr lang="es-ES" dirty="0" smtClean="0">
+              <a:rPr lang="es-ES" dirty="0">
                 <a:solidFill>
                   <a:srgbClr val="FF0000"/>
                 </a:solidFill>
@@ -7011,7 +7059,7 @@
           <a:p>
             <a:pPr algn="just"/>
             <a:r>
-              <a:rPr lang="es-ES" dirty="0" smtClean="0">
+              <a:rPr lang="es-ES" dirty="0">
                 <a:solidFill>
                   <a:srgbClr val="FF0000"/>
                 </a:solidFill>
@@ -7110,7 +7158,7 @@
           <a:lstStyle/>
           <a:p>
             <a:r>
-              <a:rPr lang="es-ES" sz="1400" b="1" dirty="0" err="1" smtClean="0">
+              <a:rPr lang="es-ES" sz="1400" b="1" dirty="0" err="1">
                 <a:solidFill>
                   <a:srgbClr val="FF0000"/>
                 </a:solidFill>
@@ -7150,18 +7198,13 @@
           <a:lstStyle/>
           <a:p>
             <a:r>
-              <a:rPr lang="es-ES" sz="1400" b="1" dirty="0" smtClean="0">
+              <a:rPr lang="es-ES" sz="1400" b="1" dirty="0">
                 <a:solidFill>
                   <a:srgbClr val="FF0000"/>
                 </a:solidFill>
               </a:rPr>
               <a:t>***********</a:t>
             </a:r>
-            <a:endParaRPr lang="es-ES" sz="1400" b="1" dirty="0">
-              <a:solidFill>
-                <a:srgbClr val="FF0000"/>
-              </a:solidFill>
-            </a:endParaRPr>
           </a:p>
         </p:txBody>
       </p:sp>
@@ -7339,7 +7382,7 @@
           <a:p>
             <a:pPr algn="just"/>
             <a:r>
-              <a:rPr lang="es-ES" dirty="0" smtClean="0">
+              <a:rPr lang="es-ES" dirty="0">
                 <a:solidFill>
                   <a:srgbClr val="FF0000"/>
                 </a:solidFill>
@@ -7347,7 +7390,7 @@
               <a:t>Acceder al campus virtual de la asignatura o bien a la dirección </a:t>
             </a:r>
             <a:r>
-              <a:rPr lang="es-ES" dirty="0" smtClean="0">
+              <a:rPr lang="es-ES" dirty="0">
                 <a:solidFill>
                   <a:srgbClr val="FF0000"/>
                 </a:solidFill>
@@ -7356,18 +7399,13 @@
               <a:t>http://acceso.ull.es</a:t>
             </a:r>
             <a:r>
-              <a:rPr lang="es-ES" dirty="0" smtClean="0">
+              <a:rPr lang="es-ES" dirty="0">
                 <a:solidFill>
                   <a:srgbClr val="FF0000"/>
                 </a:solidFill>
               </a:rPr>
               <a:t> y comprobar que estás autentificado. En caso contrario, autentificarse ya que, de lo contrario, no podrás hacer los siguientes pasos.</a:t>
             </a:r>
-            <a:endParaRPr lang="es-ES" dirty="0">
-              <a:solidFill>
-                <a:srgbClr val="FF0000"/>
-              </a:solidFill>
-            </a:endParaRPr>
           </a:p>
         </p:txBody>
       </p:sp>

--- a/images/Presentación1.pptx
+++ b/images/Presentación1.pptx
@@ -316,7 +316,7 @@
           <a:p>
             <a:fld id="{9E2B9D65-9CB5-44CB-B647-17247A1ADF60}" type="datetimeFigureOut">
               <a:rPr lang="es-ES" smtClean="0"/>
-              <a:t>26/09/2023</a:t>
+              <a:t>02/10/2024</a:t>
             </a:fld>
             <a:endParaRPr lang="es-ES"/>
           </a:p>
@@ -484,7 +484,7 @@
           <a:p>
             <a:fld id="{9E2B9D65-9CB5-44CB-B647-17247A1ADF60}" type="datetimeFigureOut">
               <a:rPr lang="es-ES" smtClean="0"/>
-              <a:t>26/09/2023</a:t>
+              <a:t>02/10/2024</a:t>
             </a:fld>
             <a:endParaRPr lang="es-ES"/>
           </a:p>
@@ -662,7 +662,7 @@
           <a:p>
             <a:fld id="{9E2B9D65-9CB5-44CB-B647-17247A1ADF60}" type="datetimeFigureOut">
               <a:rPr lang="es-ES" smtClean="0"/>
-              <a:t>26/09/2023</a:t>
+              <a:t>02/10/2024</a:t>
             </a:fld>
             <a:endParaRPr lang="es-ES"/>
           </a:p>
@@ -830,7 +830,7 @@
           <a:p>
             <a:fld id="{9E2B9D65-9CB5-44CB-B647-17247A1ADF60}" type="datetimeFigureOut">
               <a:rPr lang="es-ES" smtClean="0"/>
-              <a:t>26/09/2023</a:t>
+              <a:t>02/10/2024</a:t>
             </a:fld>
             <a:endParaRPr lang="es-ES"/>
           </a:p>
@@ -1075,7 +1075,7 @@
           <a:p>
             <a:fld id="{9E2B9D65-9CB5-44CB-B647-17247A1ADF60}" type="datetimeFigureOut">
               <a:rPr lang="es-ES" smtClean="0"/>
-              <a:t>26/09/2023</a:t>
+              <a:t>02/10/2024</a:t>
             </a:fld>
             <a:endParaRPr lang="es-ES"/>
           </a:p>
@@ -1360,7 +1360,7 @@
           <a:p>
             <a:fld id="{9E2B9D65-9CB5-44CB-B647-17247A1ADF60}" type="datetimeFigureOut">
               <a:rPr lang="es-ES" smtClean="0"/>
-              <a:t>26/09/2023</a:t>
+              <a:t>02/10/2024</a:t>
             </a:fld>
             <a:endParaRPr lang="es-ES"/>
           </a:p>
@@ -1779,7 +1779,7 @@
           <a:p>
             <a:fld id="{9E2B9D65-9CB5-44CB-B647-17247A1ADF60}" type="datetimeFigureOut">
               <a:rPr lang="es-ES" smtClean="0"/>
-              <a:t>26/09/2023</a:t>
+              <a:t>02/10/2024</a:t>
             </a:fld>
             <a:endParaRPr lang="es-ES"/>
           </a:p>
@@ -1896,7 +1896,7 @@
           <a:p>
             <a:fld id="{9E2B9D65-9CB5-44CB-B647-17247A1ADF60}" type="datetimeFigureOut">
               <a:rPr lang="es-ES" smtClean="0"/>
-              <a:t>26/09/2023</a:t>
+              <a:t>02/10/2024</a:t>
             </a:fld>
             <a:endParaRPr lang="es-ES"/>
           </a:p>
@@ -1991,7 +1991,7 @@
           <a:p>
             <a:fld id="{9E2B9D65-9CB5-44CB-B647-17247A1ADF60}" type="datetimeFigureOut">
               <a:rPr lang="es-ES" smtClean="0"/>
-              <a:t>26/09/2023</a:t>
+              <a:t>02/10/2024</a:t>
             </a:fld>
             <a:endParaRPr lang="es-ES"/>
           </a:p>
@@ -2266,7 +2266,7 @@
           <a:p>
             <a:fld id="{9E2B9D65-9CB5-44CB-B647-17247A1ADF60}" type="datetimeFigureOut">
               <a:rPr lang="es-ES" smtClean="0"/>
-              <a:t>26/09/2023</a:t>
+              <a:t>02/10/2024</a:t>
             </a:fld>
             <a:endParaRPr lang="es-ES"/>
           </a:p>
@@ -2518,7 +2518,7 @@
           <a:p>
             <a:fld id="{9E2B9D65-9CB5-44CB-B647-17247A1ADF60}" type="datetimeFigureOut">
               <a:rPr lang="es-ES" smtClean="0"/>
-              <a:t>26/09/2023</a:t>
+              <a:t>02/10/2024</a:t>
             </a:fld>
             <a:endParaRPr lang="es-ES"/>
           </a:p>
@@ -2729,7 +2729,7 @@
           <a:p>
             <a:fld id="{9E2B9D65-9CB5-44CB-B647-17247A1ADF60}" type="datetimeFigureOut">
               <a:rPr lang="es-ES" smtClean="0"/>
-              <a:t>26/09/2023</a:t>
+              <a:t>02/10/2024</a:t>
             </a:fld>
             <a:endParaRPr lang="es-ES"/>
           </a:p>
@@ -4549,7 +4549,7 @@
         <p:spPr>
           <a:xfrm>
             <a:off x="5908784" y="3307060"/>
-            <a:ext cx="618374" cy="369332"/>
+            <a:ext cx="1086451" cy="369332"/>
           </a:xfrm>
           <a:prstGeom prst="rect">
             <a:avLst/>
@@ -4568,7 +4568,7 @@
                   <a:srgbClr val="FF0000"/>
                 </a:solidFill>
               </a:rPr>
-              <a:t>infer</a:t>
+              <a:t>infer2020</a:t>
             </a:r>
           </a:p>
         </p:txBody>
@@ -4630,7 +4630,7 @@
                   <a:srgbClr val="FF0000"/>
                 </a:solidFill>
               </a:rPr>
-              <a:t>password: infer</a:t>
+              <a:t>password: infer2020</a:t>
             </a:r>
           </a:p>
           <a:p>

--- a/images/Presentación1.pptx
+++ b/images/Presentación1.pptx
@@ -316,7 +316,7 @@
           <a:p>
             <a:fld id="{9E2B9D65-9CB5-44CB-B647-17247A1ADF60}" type="datetimeFigureOut">
               <a:rPr lang="es-ES" smtClean="0"/>
-              <a:t>02/10/2024</a:t>
+              <a:t>08/09/2025</a:t>
             </a:fld>
             <a:endParaRPr lang="es-ES"/>
           </a:p>
@@ -484,7 +484,7 @@
           <a:p>
             <a:fld id="{9E2B9D65-9CB5-44CB-B647-17247A1ADF60}" type="datetimeFigureOut">
               <a:rPr lang="es-ES" smtClean="0"/>
-              <a:t>02/10/2024</a:t>
+              <a:t>08/09/2025</a:t>
             </a:fld>
             <a:endParaRPr lang="es-ES"/>
           </a:p>
@@ -662,7 +662,7 @@
           <a:p>
             <a:fld id="{9E2B9D65-9CB5-44CB-B647-17247A1ADF60}" type="datetimeFigureOut">
               <a:rPr lang="es-ES" smtClean="0"/>
-              <a:t>02/10/2024</a:t>
+              <a:t>08/09/2025</a:t>
             </a:fld>
             <a:endParaRPr lang="es-ES"/>
           </a:p>
@@ -830,7 +830,7 @@
           <a:p>
             <a:fld id="{9E2B9D65-9CB5-44CB-B647-17247A1ADF60}" type="datetimeFigureOut">
               <a:rPr lang="es-ES" smtClean="0"/>
-              <a:t>02/10/2024</a:t>
+              <a:t>08/09/2025</a:t>
             </a:fld>
             <a:endParaRPr lang="es-ES"/>
           </a:p>
@@ -1075,7 +1075,7 @@
           <a:p>
             <a:fld id="{9E2B9D65-9CB5-44CB-B647-17247A1ADF60}" type="datetimeFigureOut">
               <a:rPr lang="es-ES" smtClean="0"/>
-              <a:t>02/10/2024</a:t>
+              <a:t>08/09/2025</a:t>
             </a:fld>
             <a:endParaRPr lang="es-ES"/>
           </a:p>
@@ -1360,7 +1360,7 @@
           <a:p>
             <a:fld id="{9E2B9D65-9CB5-44CB-B647-17247A1ADF60}" type="datetimeFigureOut">
               <a:rPr lang="es-ES" smtClean="0"/>
-              <a:t>02/10/2024</a:t>
+              <a:t>08/09/2025</a:t>
             </a:fld>
             <a:endParaRPr lang="es-ES"/>
           </a:p>
@@ -1779,7 +1779,7 @@
           <a:p>
             <a:fld id="{9E2B9D65-9CB5-44CB-B647-17247A1ADF60}" type="datetimeFigureOut">
               <a:rPr lang="es-ES" smtClean="0"/>
-              <a:t>02/10/2024</a:t>
+              <a:t>08/09/2025</a:t>
             </a:fld>
             <a:endParaRPr lang="es-ES"/>
           </a:p>
@@ -1896,7 +1896,7 @@
           <a:p>
             <a:fld id="{9E2B9D65-9CB5-44CB-B647-17247A1ADF60}" type="datetimeFigureOut">
               <a:rPr lang="es-ES" smtClean="0"/>
-              <a:t>02/10/2024</a:t>
+              <a:t>08/09/2025</a:t>
             </a:fld>
             <a:endParaRPr lang="es-ES"/>
           </a:p>
@@ -1991,7 +1991,7 @@
           <a:p>
             <a:fld id="{9E2B9D65-9CB5-44CB-B647-17247A1ADF60}" type="datetimeFigureOut">
               <a:rPr lang="es-ES" smtClean="0"/>
-              <a:t>02/10/2024</a:t>
+              <a:t>08/09/2025</a:t>
             </a:fld>
             <a:endParaRPr lang="es-ES"/>
           </a:p>
@@ -2266,7 +2266,7 @@
           <a:p>
             <a:fld id="{9E2B9D65-9CB5-44CB-B647-17247A1ADF60}" type="datetimeFigureOut">
               <a:rPr lang="es-ES" smtClean="0"/>
-              <a:t>02/10/2024</a:t>
+              <a:t>08/09/2025</a:t>
             </a:fld>
             <a:endParaRPr lang="es-ES"/>
           </a:p>
@@ -2518,7 +2518,7 @@
           <a:p>
             <a:fld id="{9E2B9D65-9CB5-44CB-B647-17247A1ADF60}" type="datetimeFigureOut">
               <a:rPr lang="es-ES" smtClean="0"/>
-              <a:t>02/10/2024</a:t>
+              <a:t>08/09/2025</a:t>
             </a:fld>
             <a:endParaRPr lang="es-ES"/>
           </a:p>
@@ -2729,7 +2729,7 @@
           <a:p>
             <a:fld id="{9E2B9D65-9CB5-44CB-B647-17247A1ADF60}" type="datetimeFigureOut">
               <a:rPr lang="es-ES" smtClean="0"/>
-              <a:t>02/10/2024</a:t>
+              <a:t>08/09/2025</a:t>
             </a:fld>
             <a:endParaRPr lang="es-ES"/>
           </a:p>
@@ -4568,7 +4568,7 @@
                   <a:srgbClr val="FF0000"/>
                 </a:solidFill>
               </a:rPr>
-              <a:t>infer2020</a:t>
+              <a:t>infer2025</a:t>
             </a:r>
           </a:p>
         </p:txBody>
@@ -4630,7 +4630,7 @@
                   <a:srgbClr val="FF0000"/>
                 </a:solidFill>
               </a:rPr>
-              <a:t>password: infer2020</a:t>
+              <a:t>password: infer2025</a:t>
             </a:r>
           </a:p>
           <a:p>
